--- a/doc/SubsKeeper.pptx
+++ b/doc/SubsKeeper.pptx
@@ -399,7 +399,7 @@
           <a:p>
             <a:fld id="{991E478D-94BF-439A-8693-6C13D9D6CB12}" type="datetime1">
               <a:rPr lang="ja-JP" altLang="en-US" smtClean="0"/>
-              <a:t>2023/6/26</a:t>
+              <a:t>2023/6/27</a:t>
             </a:fld>
             <a:endParaRPr lang="ja-JP" altLang="en-US">
               <a:latin typeface="Meiryo UI" panose="020B0604030504040204" pitchFamily="50" charset="-128"/>
@@ -2242,7 +2242,7 @@
           <a:p>
             <a:fld id="{C5DCDC1F-F0C2-4AD5-80F3-39EC8CD71CF6}" type="datetime4">
               <a:rPr lang="ja-JP" altLang="en-US" smtClean="0"/>
-              <a:t>2023年6月26日</a:t>
+              <a:t>2023年6月27日</a:t>
             </a:fld>
             <a:endParaRPr lang="ja-JP" altLang="en-US" dirty="0"/>
           </a:p>
@@ -3408,7 +3408,7 @@
           <a:p>
             <a:fld id="{E15D4E19-39FC-454B-9272-000427D17230}" type="datetime4">
               <a:rPr lang="ja-JP" altLang="en-US" smtClean="0"/>
-              <a:t>2023年6月26日</a:t>
+              <a:t>2023年6月27日</a:t>
             </a:fld>
             <a:endParaRPr lang="ja-JP" altLang="en-US" dirty="0"/>
           </a:p>
@@ -4577,7 +4577,7 @@
           <a:p>
             <a:fld id="{C914ED72-34F4-4182-9E7D-EC1AA13375F8}" type="datetime4">
               <a:rPr lang="ja-JP" altLang="en-US" smtClean="0"/>
-              <a:t>2023年6月26日</a:t>
+              <a:t>2023年6月27日</a:t>
             </a:fld>
             <a:endParaRPr lang="ja-JP" altLang="en-US" dirty="0"/>
           </a:p>
@@ -6948,7 +6948,7 @@
           <a:p>
             <a:fld id="{5967A302-432B-4A62-A500-BAEA40EF838B}" type="datetime4">
               <a:rPr lang="ja-JP" altLang="en-US" smtClean="0"/>
-              <a:t>2023年6月26日</a:t>
+              <a:t>2023年6月27日</a:t>
             </a:fld>
             <a:endParaRPr lang="ja-JP" altLang="en-US" dirty="0"/>
           </a:p>
@@ -7622,7 +7622,7 @@
           <a:p>
             <a:fld id="{9ECF9585-80F6-476E-8B21-88C3199F0E34}" type="datetime4">
               <a:rPr lang="ja-JP" altLang="en-US" smtClean="0"/>
-              <a:t>2023年6月26日</a:t>
+              <a:t>2023年6月27日</a:t>
             </a:fld>
             <a:endParaRPr lang="ja-JP" altLang="en-US" dirty="0"/>
           </a:p>
@@ -8426,7 +8426,7 @@
               <a:rPr lang="ja-JP" altLang="en-US" noProof="0" smtClean="0">
                 <a:latin typeface="+mn-lt"/>
               </a:rPr>
-              <a:t>2023年6月26日</a:t>
+              <a:t>2023年6月27日</a:t>
             </a:fld>
             <a:endParaRPr lang="ja-JP" altLang="en-US" noProof="0">
               <a:latin typeface="+mn-lt"/>
@@ -8694,7 +8694,7 @@
               <a:rPr lang="ja-JP" altLang="en-US" noProof="0" smtClean="0">
                 <a:latin typeface="+mn-lt"/>
               </a:rPr>
-              <a:t>2023年6月26日</a:t>
+              <a:t>2023年6月27日</a:t>
             </a:fld>
             <a:endParaRPr lang="ja-JP" altLang="en-US" noProof="0">
               <a:latin typeface="+mn-lt"/>
@@ -11736,7 +11736,7 @@
           <a:p>
             <a:fld id="{2D36C342-C4F5-482F-A746-ED03C445583C}" type="datetime4">
               <a:rPr lang="ja-JP" altLang="en-US" smtClean="0"/>
-              <a:t>2023年6月26日</a:t>
+              <a:t>2023年6月27日</a:t>
             </a:fld>
             <a:endParaRPr lang="ja-JP" altLang="en-US" dirty="0"/>
           </a:p>
@@ -12948,7 +12948,7 @@
           <a:p>
             <a:fld id="{BBD5884D-B723-471F-A6C2-7662BCCBB1C4}" type="datetime4">
               <a:rPr lang="ja-JP" altLang="en-US" smtClean="0"/>
-              <a:t>2023年6月26日</a:t>
+              <a:t>2023年6月27日</a:t>
             </a:fld>
             <a:endParaRPr lang="ja-JP" altLang="en-US"/>
           </a:p>
@@ -13308,7 +13308,7 @@
                 <a:latin typeface="Meiryo UI" panose="020B0604030504040204" pitchFamily="50" charset="-128"/>
                 <a:ea typeface="Meiryo UI" panose="020B0604030504040204" pitchFamily="50" charset="-128"/>
               </a:rPr>
-              <a:t>2023年6月26日</a:t>
+              <a:t>2023年6月27日</a:t>
             </a:fld>
             <a:endParaRPr lang="ja-JP" altLang="en-US" dirty="0">
               <a:latin typeface="Meiryo UI" panose="020B0604030504040204" pitchFamily="50" charset="-128"/>
@@ -17556,7 +17556,12 @@
             <p:ph type="title"/>
           </p:nvPr>
         </p:nvSpPr>
-        <p:spPr/>
+        <p:spPr>
+          <a:xfrm>
+            <a:off x="964023" y="438150"/>
+            <a:ext cx="6760752" cy="1051777"/>
+          </a:xfrm>
+        </p:spPr>
         <p:txBody>
           <a:bodyPr>
             <a:normAutofit/>
@@ -17569,7 +17574,7 @@
             </a:r>
             <a:r>
               <a:rPr kumimoji="1" lang="ja-JP" altLang="en-US" dirty="0"/>
-              <a:t>．アイデアの背景</a:t>
+              <a:t>．アプリアイデアの背景</a:t>
             </a:r>
           </a:p>
         </p:txBody>
@@ -17862,7 +17867,7 @@
             </a:r>
             <a:r>
               <a:rPr kumimoji="1" lang="ja-JP" altLang="en-US" dirty="0"/>
-              <a:t>．チーム制作で工夫した点</a:t>
+              <a:t>．チーム開発で工夫した点</a:t>
             </a:r>
             <a:br>
               <a:rPr kumimoji="1" lang="en-US" altLang="ja-JP" dirty="0"/>
@@ -18056,7 +18061,7 @@
             </a:r>
             <a:r>
               <a:rPr kumimoji="1" lang="ja-JP" altLang="en-US" dirty="0"/>
-              <a:t>．チーム制作で工夫した点</a:t>
+              <a:t>．チーム開発で工夫した点</a:t>
             </a:r>
             <a:br>
               <a:rPr kumimoji="1" lang="en-US" altLang="ja-JP" dirty="0"/>
@@ -18250,7 +18255,7 @@
             </a:r>
             <a:r>
               <a:rPr kumimoji="1" lang="ja-JP" altLang="en-US" dirty="0"/>
-              <a:t>．チーム制作で工夫した点</a:t>
+              <a:t>．チーム開発で工夫した点</a:t>
             </a:r>
             <a:br>
               <a:rPr kumimoji="1" lang="en-US" altLang="ja-JP" dirty="0"/>
@@ -19751,21 +19756,21 @@
 </file>
 
 <file path=customXml/item1.xml><?xml version="1.0" encoding="utf-8"?>
+<p:properties xmlns:p="http://schemas.microsoft.com/office/2006/metadata/properties" xmlns:xsi="http://www.w3.org/2001/XMLSchema-instance" xmlns:pc="http://schemas.microsoft.com/office/infopath/2007/PartnerControls">
+  <documentManagement>
+    <Status xmlns="71af3243-3dd4-4a8d-8c0d-dd76da1f02a5">Not started</Status>
+    <MediaServiceKeyPoints xmlns="71af3243-3dd4-4a8d-8c0d-dd76da1f02a5" xsi:nil="true"/>
+  </documentManagement>
+</p:properties>
+</file>
+
+<file path=customXml/item2.xml><?xml version="1.0" encoding="utf-8"?>
 <?mso-contentType ?>
 <FormTemplates xmlns="http://schemas.microsoft.com/sharepoint/v3/contenttype/forms">
   <Display>DocumentLibraryForm</Display>
   <Edit>DocumentLibraryForm</Edit>
   <New>DocumentLibraryForm</New>
 </FormTemplates>
-</file>
-
-<file path=customXml/item2.xml><?xml version="1.0" encoding="utf-8"?>
-<p:properties xmlns:p="http://schemas.microsoft.com/office/2006/metadata/properties" xmlns:xsi="http://www.w3.org/2001/XMLSchema-instance" xmlns:pc="http://schemas.microsoft.com/office/infopath/2007/PartnerControls">
-  <documentManagement>
-    <Status xmlns="71af3243-3dd4-4a8d-8c0d-dd76da1f02a5">Not started</Status>
-    <MediaServiceKeyPoints xmlns="71af3243-3dd4-4a8d-8c0d-dd76da1f02a5" xsi:nil="true"/>
-  </documentManagement>
-</p:properties>
 </file>
 
 <file path=customXml/item3.xml><?xml version="1.0" encoding="utf-8"?>
@@ -19990,19 +19995,19 @@
 </file>
 
 <file path=customXml/itemProps1.xml><?xml version="1.0" encoding="utf-8"?>
-<ds:datastoreItem xmlns:ds="http://schemas.openxmlformats.org/officeDocument/2006/customXml" ds:itemID="{1D20B6E4-879E-4E6C-BDE7-261540CD3765}">
+<ds:datastoreItem xmlns:ds="http://schemas.openxmlformats.org/officeDocument/2006/customXml" ds:itemID="{09EC1AB0-9704-404D-B6D3-819D938AC55B}">
   <ds:schemaRefs>
-    <ds:schemaRef ds:uri="http://schemas.microsoft.com/sharepoint/v3/contenttype/forms"/>
+    <ds:schemaRef ds:uri="http://schemas.microsoft.com/office/2006/metadata/properties"/>
+    <ds:schemaRef ds:uri="http://schemas.microsoft.com/office/infopath/2007/PartnerControls"/>
+    <ds:schemaRef ds:uri="71af3243-3dd4-4a8d-8c0d-dd76da1f02a5"/>
   </ds:schemaRefs>
 </ds:datastoreItem>
 </file>
 
 <file path=customXml/itemProps2.xml><?xml version="1.0" encoding="utf-8"?>
-<ds:datastoreItem xmlns:ds="http://schemas.openxmlformats.org/officeDocument/2006/customXml" ds:itemID="{09EC1AB0-9704-404D-B6D3-819D938AC55B}">
+<ds:datastoreItem xmlns:ds="http://schemas.openxmlformats.org/officeDocument/2006/customXml" ds:itemID="{1D20B6E4-879E-4E6C-BDE7-261540CD3765}">
   <ds:schemaRefs>
-    <ds:schemaRef ds:uri="http://schemas.microsoft.com/office/2006/metadata/properties"/>
-    <ds:schemaRef ds:uri="http://schemas.microsoft.com/office/infopath/2007/PartnerControls"/>
-    <ds:schemaRef ds:uri="71af3243-3dd4-4a8d-8c0d-dd76da1f02a5"/>
+    <ds:schemaRef ds:uri="http://schemas.microsoft.com/sharepoint/v3/contenttype/forms"/>
   </ds:schemaRefs>
 </ds:datastoreItem>
 </file>

--- a/doc/SubsKeeper.pptx
+++ b/doc/SubsKeeper.pptx
@@ -17803,6 +17803,35 @@
           </a:p>
         </p:txBody>
       </p:sp>
+      <p:pic>
+        <p:nvPicPr>
+          <p:cNvPr id="11" name="図プレースホルダー 2">
+            <a:extLst>
+              <a:ext uri="{FF2B5EF4-FFF2-40B4-BE49-F238E27FC236}">
+                <a16:creationId xmlns:a16="http://schemas.microsoft.com/office/drawing/2014/main" id="{AA6CD016-293F-46BD-BD70-ABAC69AD571E}"/>
+              </a:ext>
+            </a:extLst>
+          </p:cNvPr>
+          <p:cNvPicPr>
+            <a:picLocks noChangeAspect="1"/>
+          </p:cNvPicPr>
+          <p:nvPr/>
+        </p:nvPicPr>
+        <p:blipFill rotWithShape="1">
+          <a:blip r:embed="rId2"/>
+          <a:srcRect t="615" b="615"/>
+          <a:stretch/>
+        </p:blipFill>
+        <p:spPr>
+          <a:xfrm>
+            <a:off x="1073059" y="4417985"/>
+            <a:ext cx="3125788" cy="2161886"/>
+          </a:xfrm>
+          <a:prstGeom prst="rect">
+            <a:avLst/>
+          </a:prstGeom>
+        </p:spPr>
+      </p:pic>
     </p:spTree>
     <p:extLst>
       <p:ext uri="{BB962C8B-B14F-4D97-AF65-F5344CB8AC3E}">
@@ -19756,21 +19785,21 @@
 </file>
 
 <file path=customXml/item1.xml><?xml version="1.0" encoding="utf-8"?>
+<?mso-contentType ?>
+<FormTemplates xmlns="http://schemas.microsoft.com/sharepoint/v3/contenttype/forms">
+  <Display>DocumentLibraryForm</Display>
+  <Edit>DocumentLibraryForm</Edit>
+  <New>DocumentLibraryForm</New>
+</FormTemplates>
+</file>
+
+<file path=customXml/item2.xml><?xml version="1.0" encoding="utf-8"?>
 <p:properties xmlns:p="http://schemas.microsoft.com/office/2006/metadata/properties" xmlns:xsi="http://www.w3.org/2001/XMLSchema-instance" xmlns:pc="http://schemas.microsoft.com/office/infopath/2007/PartnerControls">
   <documentManagement>
     <Status xmlns="71af3243-3dd4-4a8d-8c0d-dd76da1f02a5">Not started</Status>
     <MediaServiceKeyPoints xmlns="71af3243-3dd4-4a8d-8c0d-dd76da1f02a5" xsi:nil="true"/>
   </documentManagement>
 </p:properties>
-</file>
-
-<file path=customXml/item2.xml><?xml version="1.0" encoding="utf-8"?>
-<?mso-contentType ?>
-<FormTemplates xmlns="http://schemas.microsoft.com/sharepoint/v3/contenttype/forms">
-  <Display>DocumentLibraryForm</Display>
-  <Edit>DocumentLibraryForm</Edit>
-  <New>DocumentLibraryForm</New>
-</FormTemplates>
 </file>
 
 <file path=customXml/item3.xml><?xml version="1.0" encoding="utf-8"?>
@@ -19995,19 +20024,19 @@
 </file>
 
 <file path=customXml/itemProps1.xml><?xml version="1.0" encoding="utf-8"?>
+<ds:datastoreItem xmlns:ds="http://schemas.openxmlformats.org/officeDocument/2006/customXml" ds:itemID="{1D20B6E4-879E-4E6C-BDE7-261540CD3765}">
+  <ds:schemaRefs>
+    <ds:schemaRef ds:uri="http://schemas.microsoft.com/sharepoint/v3/contenttype/forms"/>
+  </ds:schemaRefs>
+</ds:datastoreItem>
+</file>
+
+<file path=customXml/itemProps2.xml><?xml version="1.0" encoding="utf-8"?>
 <ds:datastoreItem xmlns:ds="http://schemas.openxmlformats.org/officeDocument/2006/customXml" ds:itemID="{09EC1AB0-9704-404D-B6D3-819D938AC55B}">
   <ds:schemaRefs>
     <ds:schemaRef ds:uri="http://schemas.microsoft.com/office/2006/metadata/properties"/>
     <ds:schemaRef ds:uri="http://schemas.microsoft.com/office/infopath/2007/PartnerControls"/>
     <ds:schemaRef ds:uri="71af3243-3dd4-4a8d-8c0d-dd76da1f02a5"/>
-  </ds:schemaRefs>
-</ds:datastoreItem>
-</file>
-
-<file path=customXml/itemProps2.xml><?xml version="1.0" encoding="utf-8"?>
-<ds:datastoreItem xmlns:ds="http://schemas.openxmlformats.org/officeDocument/2006/customXml" ds:itemID="{1D20B6E4-879E-4E6C-BDE7-261540CD3765}">
-  <ds:schemaRefs>
-    <ds:schemaRef ds:uri="http://schemas.microsoft.com/sharepoint/v3/contenttype/forms"/>
   </ds:schemaRefs>
 </ds:datastoreItem>
 </file>

--- a/doc/SubsKeeper.pptx
+++ b/doc/SubsKeeper.pptx
@@ -141,6 +141,13 @@
 <file path=ppt/commentAuthors.xml><?xml version="1.0" encoding="utf-8"?>
 <p:cmAuthorLst xmlns:a="http://schemas.openxmlformats.org/drawingml/2006/main" xmlns:r="http://schemas.openxmlformats.org/officeDocument/2006/relationships" xmlns:p="http://schemas.openxmlformats.org/presentationml/2006/main">
   <p:cmAuthor id="3" name="作成者" initials="A" lastIdx="0" clrIdx="2"/>
+  <p:cmAuthor id="4" name="三宅隆生" initials="三宅隆生" lastIdx="1" clrIdx="3">
+    <p:extLst>
+      <p:ext uri="{19B8F6BF-5375-455C-9EA6-DF929625EA0E}">
+        <p15:presenceInfo xmlns:p15="http://schemas.microsoft.com/office/powerpoint/2012/main" userId="三宅隆生" providerId="None"/>
+      </p:ext>
+    </p:extLst>
+  </p:cmAuthor>
 </p:cmAuthorLst>
 </file>
 
@@ -399,7 +406,7 @@
           <a:p>
             <a:fld id="{991E478D-94BF-439A-8693-6C13D9D6CB12}" type="datetime1">
               <a:rPr lang="ja-JP" altLang="en-US" smtClean="0"/>
-              <a:t>2023/6/27</a:t>
+              <a:t>2023/6/28</a:t>
             </a:fld>
             <a:endParaRPr lang="ja-JP" altLang="en-US">
               <a:latin typeface="Meiryo UI" panose="020B0604030504040204" pitchFamily="50" charset="-128"/>
@@ -2242,7 +2249,7 @@
           <a:p>
             <a:fld id="{C5DCDC1F-F0C2-4AD5-80F3-39EC8CD71CF6}" type="datetime4">
               <a:rPr lang="ja-JP" altLang="en-US" smtClean="0"/>
-              <a:t>2023年6月27日</a:t>
+              <a:t>2023年6月28日</a:t>
             </a:fld>
             <a:endParaRPr lang="ja-JP" altLang="en-US" dirty="0"/>
           </a:p>
@@ -3408,7 +3415,7 @@
           <a:p>
             <a:fld id="{E15D4E19-39FC-454B-9272-000427D17230}" type="datetime4">
               <a:rPr lang="ja-JP" altLang="en-US" smtClean="0"/>
-              <a:t>2023年6月27日</a:t>
+              <a:t>2023年6月28日</a:t>
             </a:fld>
             <a:endParaRPr lang="ja-JP" altLang="en-US" dirty="0"/>
           </a:p>
@@ -4577,7 +4584,7 @@
           <a:p>
             <a:fld id="{C914ED72-34F4-4182-9E7D-EC1AA13375F8}" type="datetime4">
               <a:rPr lang="ja-JP" altLang="en-US" smtClean="0"/>
-              <a:t>2023年6月27日</a:t>
+              <a:t>2023年6月28日</a:t>
             </a:fld>
             <a:endParaRPr lang="ja-JP" altLang="en-US" dirty="0"/>
           </a:p>
@@ -6948,7 +6955,7 @@
           <a:p>
             <a:fld id="{5967A302-432B-4A62-A500-BAEA40EF838B}" type="datetime4">
               <a:rPr lang="ja-JP" altLang="en-US" smtClean="0"/>
-              <a:t>2023年6月27日</a:t>
+              <a:t>2023年6月28日</a:t>
             </a:fld>
             <a:endParaRPr lang="ja-JP" altLang="en-US" dirty="0"/>
           </a:p>
@@ -7622,7 +7629,7 @@
           <a:p>
             <a:fld id="{9ECF9585-80F6-476E-8B21-88C3199F0E34}" type="datetime4">
               <a:rPr lang="ja-JP" altLang="en-US" smtClean="0"/>
-              <a:t>2023年6月27日</a:t>
+              <a:t>2023年6月28日</a:t>
             </a:fld>
             <a:endParaRPr lang="ja-JP" altLang="en-US" dirty="0"/>
           </a:p>
@@ -8426,7 +8433,7 @@
               <a:rPr lang="ja-JP" altLang="en-US" noProof="0" smtClean="0">
                 <a:latin typeface="+mn-lt"/>
               </a:rPr>
-              <a:t>2023年6月27日</a:t>
+              <a:t>2023年6月28日</a:t>
             </a:fld>
             <a:endParaRPr lang="ja-JP" altLang="en-US" noProof="0">
               <a:latin typeface="+mn-lt"/>
@@ -8694,7 +8701,7 @@
               <a:rPr lang="ja-JP" altLang="en-US" noProof="0" smtClean="0">
                 <a:latin typeface="+mn-lt"/>
               </a:rPr>
-              <a:t>2023年6月27日</a:t>
+              <a:t>2023年6月28日</a:t>
             </a:fld>
             <a:endParaRPr lang="ja-JP" altLang="en-US" noProof="0">
               <a:latin typeface="+mn-lt"/>
@@ -11736,7 +11743,7 @@
           <a:p>
             <a:fld id="{2D36C342-C4F5-482F-A746-ED03C445583C}" type="datetime4">
               <a:rPr lang="ja-JP" altLang="en-US" smtClean="0"/>
-              <a:t>2023年6月27日</a:t>
+              <a:t>2023年6月28日</a:t>
             </a:fld>
             <a:endParaRPr lang="ja-JP" altLang="en-US" dirty="0"/>
           </a:p>
@@ -12948,7 +12955,7 @@
           <a:p>
             <a:fld id="{BBD5884D-B723-471F-A6C2-7662BCCBB1C4}" type="datetime4">
               <a:rPr lang="ja-JP" altLang="en-US" smtClean="0"/>
-              <a:t>2023年6月27日</a:t>
+              <a:t>2023年6月28日</a:t>
             </a:fld>
             <a:endParaRPr lang="ja-JP" altLang="en-US"/>
           </a:p>
@@ -13308,7 +13315,7 @@
                 <a:latin typeface="Meiryo UI" panose="020B0604030504040204" pitchFamily="50" charset="-128"/>
                 <a:ea typeface="Meiryo UI" panose="020B0604030504040204" pitchFamily="50" charset="-128"/>
               </a:rPr>
-              <a:t>2023年6月27日</a:t>
+              <a:t>2023年6月28日</a:t>
             </a:fld>
             <a:endParaRPr lang="ja-JP" altLang="en-US" dirty="0">
               <a:latin typeface="Meiryo UI" panose="020B0604030504040204" pitchFamily="50" charset="-128"/>
@@ -13917,7 +13924,7 @@
           <a:p>
             <a:pPr rtl="0"/>
             <a:r>
-              <a:rPr lang="en-US" altLang="ja-JP" sz="7200" dirty="0" err="1">
+              <a:rPr lang="en-US" altLang="ja-JP" sz="7200" dirty="0">
                 <a:latin typeface="Meiryo UI" panose="020B0604030504040204" pitchFamily="50" charset="-128"/>
                 <a:ea typeface="Meiryo UI" panose="020B0604030504040204" pitchFamily="50" charset="-128"/>
               </a:rPr>
@@ -14116,10 +14123,15 @@
         </p:nvSpPr>
         <p:spPr/>
         <p:txBody>
-          <a:bodyPr/>
+          <a:bodyPr>
+            <a:normAutofit/>
+          </a:bodyPr>
           <a:lstStyle/>
           <a:p>
-            <a:endParaRPr kumimoji="1" lang="ja-JP" altLang="en-US"/>
+            <a:r>
+              <a:rPr kumimoji="1" lang="ja-JP" altLang="en-US" sz="2800" dirty="0"/>
+              <a:t>一斉減量</a:t>
+            </a:r>
           </a:p>
         </p:txBody>
       </p:sp>
@@ -14146,10 +14158,15 @@
           </a:xfrm>
         </p:spPr>
         <p:txBody>
-          <a:bodyPr/>
+          <a:bodyPr>
+            <a:normAutofit/>
+          </a:bodyPr>
           <a:lstStyle/>
           <a:p>
-            <a:endParaRPr kumimoji="1" lang="ja-JP" altLang="en-US" dirty="0"/>
+            <a:r>
+              <a:rPr kumimoji="1" lang="ja-JP" altLang="en-US" sz="2800" dirty="0"/>
+              <a:t>ポップアップの採用</a:t>
+            </a:r>
           </a:p>
         </p:txBody>
       </p:sp>
@@ -14236,7 +14253,7 @@
           <a:p>
             <a:fld id="{C5DCDC1F-F0C2-4AD5-80F3-39EC8CD71CF6}" type="datetime4">
               <a:rPr lang="ja-JP" altLang="en-US" smtClean="0"/>
-              <a:t>2023年6月27日</a:t>
+              <a:t>2023年6月28日</a:t>
             </a:fld>
             <a:endParaRPr lang="ja-JP" altLang="en-US" dirty="0"/>
           </a:p>
@@ -14396,10 +14413,15 @@
         </p:nvSpPr>
         <p:spPr/>
         <p:txBody>
-          <a:bodyPr/>
+          <a:bodyPr>
+            <a:normAutofit/>
+          </a:bodyPr>
           <a:lstStyle/>
           <a:p>
-            <a:endParaRPr kumimoji="1" lang="ja-JP" altLang="en-US"/>
+            <a:r>
+              <a:rPr kumimoji="1" lang="ja-JP" altLang="en-US" sz="2400" dirty="0"/>
+              <a:t>ユーザ情報更新の際にパスワード確認</a:t>
+            </a:r>
           </a:p>
         </p:txBody>
       </p:sp>
@@ -14421,15 +14443,28 @@
         </p:nvSpPr>
         <p:spPr>
           <a:xfrm>
-            <a:off x="6362700" y="2300984"/>
-            <a:ext cx="4827178" cy="404216"/>
+            <a:off x="6362700" y="2085975"/>
+            <a:ext cx="4827178" cy="619225"/>
           </a:xfrm>
         </p:spPr>
         <p:txBody>
-          <a:bodyPr/>
+          <a:bodyPr>
+            <a:normAutofit lnSpcReduction="10000"/>
+          </a:bodyPr>
           <a:lstStyle/>
           <a:p>
-            <a:endParaRPr kumimoji="1" lang="ja-JP" altLang="en-US" dirty="0"/>
+            <a:r>
+              <a:rPr kumimoji="1" lang="ja-JP" altLang="en-US" sz="2400" dirty="0"/>
+              <a:t>お問い合わせの際に</a:t>
+            </a:r>
+            <a:r>
+              <a:rPr kumimoji="1" lang="en-US" altLang="ja-JP" sz="2400" dirty="0"/>
+              <a:t>ID,</a:t>
+            </a:r>
+            <a:r>
+              <a:rPr kumimoji="1" lang="ja-JP" altLang="en-US" sz="2400" dirty="0"/>
+              <a:t>メールアドレス自動入力</a:t>
+            </a:r>
           </a:p>
         </p:txBody>
       </p:sp>
@@ -14516,7 +14551,7 @@
           <a:p>
             <a:fld id="{C5DCDC1F-F0C2-4AD5-80F3-39EC8CD71CF6}" type="datetime4">
               <a:rPr lang="ja-JP" altLang="en-US" smtClean="0"/>
-              <a:t>2023年6月27日</a:t>
+              <a:t>2023年6月28日</a:t>
             </a:fld>
             <a:endParaRPr lang="ja-JP" altLang="en-US" dirty="0"/>
           </a:p>
@@ -14811,7 +14846,7 @@
           <a:p>
             <a:fld id="{C5DCDC1F-F0C2-4AD5-80F3-39EC8CD71CF6}" type="datetime4">
               <a:rPr lang="ja-JP" altLang="en-US" smtClean="0"/>
-              <a:t>2023年6月27日</a:t>
+              <a:t>2023年6月28日</a:t>
             </a:fld>
             <a:endParaRPr lang="ja-JP" altLang="en-US" dirty="0"/>
           </a:p>
@@ -15107,7 +15142,7 @@
           <a:p>
             <a:fld id="{C5DCDC1F-F0C2-4AD5-80F3-39EC8CD71CF6}" type="datetime4">
               <a:rPr lang="ja-JP" altLang="en-US" smtClean="0"/>
-              <a:t>2023年6月27日</a:t>
+              <a:t>2023年6月28日</a:t>
             </a:fld>
             <a:endParaRPr lang="ja-JP" altLang="en-US" dirty="0"/>
           </a:p>
@@ -15404,7 +15439,7 @@
           <a:p>
             <a:fld id="{C5DCDC1F-F0C2-4AD5-80F3-39EC8CD71CF6}" type="datetime4">
               <a:rPr lang="ja-JP" altLang="en-US" smtClean="0"/>
-              <a:t>2023年6月27日</a:t>
+              <a:t>2023年6月28日</a:t>
             </a:fld>
             <a:endParaRPr lang="ja-JP" altLang="en-US" dirty="0"/>
           </a:p>
@@ -15756,7 +15791,7 @@
           <a:p>
             <a:fld id="{E15D4E19-39FC-454B-9272-000427D17230}" type="datetime4">
               <a:rPr lang="ja-JP" altLang="en-US" smtClean="0"/>
-              <a:t>2023年6月27日</a:t>
+              <a:t>2023年6月28日</a:t>
             </a:fld>
             <a:endParaRPr lang="ja-JP" altLang="en-US" dirty="0"/>
           </a:p>
@@ -15908,14 +15943,150 @@
         </p:nvSpPr>
         <p:spPr>
           <a:xfrm>
-            <a:off x="952499" y="2289363"/>
-            <a:ext cx="10077451" cy="3816162"/>
+            <a:off x="952500" y="2289363"/>
+            <a:ext cx="5274852" cy="3816162"/>
           </a:xfrm>
         </p:spPr>
         <p:txBody>
           <a:bodyPr/>
           <a:lstStyle/>
           <a:p>
+            <a:pPr marL="457200">
+              <a:spcBef>
+                <a:spcPts val="1600"/>
+              </a:spcBef>
+              <a:spcAft>
+                <a:spcPts val="400"/>
+              </a:spcAft>
+            </a:pPr>
+            <a:r>
+              <a:rPr lang="ja-JP" altLang="ja-JP" sz="2800" dirty="0">
+                <a:solidFill>
+                  <a:srgbClr val="1D1C1D"/>
+                </a:solidFill>
+                <a:effectLst/>
+                <a:cs typeface="Arial" panose="020B0604020202020204" pitchFamily="34" charset="0"/>
+              </a:rPr>
+              <a:t>・お問い合わせの返信</a:t>
+            </a:r>
+            <a:endParaRPr lang="ja-JP" altLang="ja-JP" sz="2800" dirty="0">
+              <a:effectLst/>
+              <a:cs typeface="ＭＳ Ｐゴシック" panose="020B0600070205080204" pitchFamily="50" charset="-128"/>
+            </a:endParaRPr>
+          </a:p>
+          <a:p>
+            <a:pPr marL="457200">
+              <a:spcBef>
+                <a:spcPts val="1600"/>
+              </a:spcBef>
+              <a:spcAft>
+                <a:spcPts val="400"/>
+              </a:spcAft>
+            </a:pPr>
+            <a:r>
+              <a:rPr lang="ja-JP" altLang="ja-JP" sz="2800" dirty="0">
+                <a:solidFill>
+                  <a:srgbClr val="1D1C1D"/>
+                </a:solidFill>
+                <a:effectLst/>
+                <a:cs typeface="Arial" panose="020B0604020202020204" pitchFamily="34" charset="0"/>
+              </a:rPr>
+              <a:t>・ユーザー登録</a:t>
+            </a:r>
+            <a:r>
+              <a:rPr lang="ja-JP" altLang="en-US" sz="2800" dirty="0">
+                <a:solidFill>
+                  <a:srgbClr val="1D1C1D"/>
+                </a:solidFill>
+                <a:effectLst/>
+                <a:cs typeface="Arial" panose="020B0604020202020204" pitchFamily="34" charset="0"/>
+              </a:rPr>
+              <a:t>、内容</a:t>
+            </a:r>
+            <a:r>
+              <a:rPr lang="ja-JP" altLang="ja-JP" sz="2800" dirty="0">
+                <a:solidFill>
+                  <a:srgbClr val="1D1C1D"/>
+                </a:solidFill>
+                <a:effectLst/>
+                <a:cs typeface="Arial" panose="020B0604020202020204" pitchFamily="34" charset="0"/>
+              </a:rPr>
+              <a:t>変更の際にメールで確認</a:t>
+            </a:r>
+            <a:endParaRPr lang="ja-JP" altLang="ja-JP" sz="2800" dirty="0">
+              <a:effectLst/>
+              <a:cs typeface="ＭＳ Ｐゴシック" panose="020B0600070205080204" pitchFamily="50" charset="-128"/>
+            </a:endParaRPr>
+          </a:p>
+          <a:p>
+            <a:pPr marL="457200">
+              <a:spcBef>
+                <a:spcPts val="1600"/>
+              </a:spcBef>
+              <a:spcAft>
+                <a:spcPts val="400"/>
+              </a:spcAft>
+            </a:pPr>
+            <a:r>
+              <a:rPr lang="ja-JP" altLang="ja-JP" sz="2800" dirty="0">
+                <a:solidFill>
+                  <a:srgbClr val="1D1C1D"/>
+                </a:solidFill>
+                <a:effectLst/>
+                <a:cs typeface="Arial" panose="020B0604020202020204" pitchFamily="34" charset="0"/>
+              </a:rPr>
+              <a:t>・カレンダーの実装</a:t>
+            </a:r>
+            <a:endParaRPr lang="ja-JP" altLang="ja-JP" sz="2800" dirty="0">
+              <a:effectLst/>
+              <a:cs typeface="ＭＳ Ｐゴシック" panose="020B0600070205080204" pitchFamily="50" charset="-128"/>
+            </a:endParaRPr>
+          </a:p>
+          <a:p>
+            <a:pPr marL="457200">
+              <a:spcBef>
+                <a:spcPts val="1600"/>
+              </a:spcBef>
+              <a:spcAft>
+                <a:spcPts val="400"/>
+              </a:spcAft>
+            </a:pPr>
+            <a:r>
+              <a:rPr lang="ja-JP" altLang="ja-JP" sz="2800" dirty="0">
+                <a:solidFill>
+                  <a:srgbClr val="1D1C1D"/>
+                </a:solidFill>
+                <a:effectLst/>
+                <a:cs typeface="Arial" panose="020B0604020202020204" pitchFamily="34" charset="0"/>
+              </a:rPr>
+              <a:t>・家計簿の実装</a:t>
+            </a:r>
+            <a:r>
+              <a:rPr lang="en-US" altLang="ja-JP" sz="2800" dirty="0">
+                <a:solidFill>
+                  <a:srgbClr val="1D1C1D"/>
+                </a:solidFill>
+                <a:effectLst/>
+                <a:cs typeface="ＭＳ Ｐゴシック" panose="020B0600070205080204" pitchFamily="50" charset="-128"/>
+              </a:rPr>
+              <a:t>→</a:t>
+            </a:r>
+            <a:r>
+              <a:rPr lang="ja-JP" altLang="ja-JP" sz="2800" dirty="0">
+                <a:solidFill>
+                  <a:srgbClr val="1D1C1D"/>
+                </a:solidFill>
+                <a:effectLst/>
+                <a:cs typeface="Arial" panose="020B0604020202020204" pitchFamily="34" charset="0"/>
+              </a:rPr>
+              <a:t>グラフの作成</a:t>
+            </a:r>
+            <a:endParaRPr lang="ja-JP" altLang="ja-JP" sz="2800" dirty="0">
+              <a:effectLst/>
+              <a:cs typeface="ＭＳ Ｐゴシック" panose="020B0600070205080204" pitchFamily="50" charset="-128"/>
+            </a:endParaRPr>
+          </a:p>
+          <a:p>
             <a:endParaRPr kumimoji="1" lang="ja-JP" altLang="en-US" dirty="0"/>
           </a:p>
         </p:txBody>
@@ -15943,7 +16114,7 @@
           <a:p>
             <a:fld id="{9ECF9585-80F6-476E-8B21-88C3199F0E34}" type="datetime4">
               <a:rPr lang="ja-JP" altLang="en-US" smtClean="0"/>
-              <a:t>2023年6月27日</a:t>
+              <a:t>2023年6月28日</a:t>
             </a:fld>
             <a:endParaRPr lang="ja-JP" altLang="en-US" dirty="0"/>
           </a:p>
@@ -16005,6 +16176,174 @@
               <a:t>16</a:t>
             </a:fld>
             <a:endParaRPr lang="ja-JP" altLang="en-US" dirty="0"/>
+          </a:p>
+        </p:txBody>
+      </p:sp>
+      <p:sp>
+        <p:nvSpPr>
+          <p:cNvPr id="2" name="テキスト ボックス 1">
+            <a:extLst>
+              <a:ext uri="{FF2B5EF4-FFF2-40B4-BE49-F238E27FC236}">
+                <a16:creationId xmlns:a16="http://schemas.microsoft.com/office/drawing/2014/main" id="{93BE7FB2-B094-43F1-92E5-B95710B7C28D}"/>
+              </a:ext>
+            </a:extLst>
+          </p:cNvPr>
+          <p:cNvSpPr txBox="1"/>
+          <p:nvPr/>
+        </p:nvSpPr>
+        <p:spPr>
+          <a:xfrm>
+            <a:off x="6227351" y="2289363"/>
+            <a:ext cx="5116924" cy="2913618"/>
+          </a:xfrm>
+          <a:prstGeom prst="rect">
+            <a:avLst/>
+          </a:prstGeom>
+          <a:noFill/>
+        </p:spPr>
+        <p:txBody>
+          <a:bodyPr wrap="square" rtlCol="0">
+            <a:spAutoFit/>
+          </a:bodyPr>
+          <a:lstStyle/>
+          <a:p>
+            <a:pPr marL="457200">
+              <a:spcBef>
+                <a:spcPts val="1600"/>
+              </a:spcBef>
+              <a:spcAft>
+                <a:spcPts val="400"/>
+              </a:spcAft>
+            </a:pPr>
+            <a:r>
+              <a:rPr lang="ja-JP" altLang="ja-JP" sz="2800" dirty="0">
+                <a:solidFill>
+                  <a:srgbClr val="1D1C1D"/>
+                </a:solidFill>
+                <a:effectLst/>
+                <a:latin typeface="Meiryo UI" panose="020B0604030504040204" pitchFamily="50" charset="-128"/>
+                <a:ea typeface="Meiryo UI" panose="020B0604030504040204" pitchFamily="50" charset="-128"/>
+                <a:cs typeface="Arial" panose="020B0604020202020204" pitchFamily="34" charset="0"/>
+              </a:rPr>
+              <a:t>・一斉減量ボタンなしで減量</a:t>
+            </a:r>
+            <a:endParaRPr lang="ja-JP" altLang="ja-JP" sz="2800" dirty="0">
+              <a:effectLst/>
+              <a:latin typeface="Meiryo UI" panose="020B0604030504040204" pitchFamily="50" charset="-128"/>
+              <a:ea typeface="Meiryo UI" panose="020B0604030504040204" pitchFamily="50" charset="-128"/>
+              <a:cs typeface="ＭＳ Ｐゴシック" panose="020B0600070205080204" pitchFamily="50" charset="-128"/>
+            </a:endParaRPr>
+          </a:p>
+          <a:p>
+            <a:pPr marL="457200">
+              <a:spcBef>
+                <a:spcPts val="1600"/>
+              </a:spcBef>
+              <a:spcAft>
+                <a:spcPts val="400"/>
+              </a:spcAft>
+            </a:pPr>
+            <a:r>
+              <a:rPr lang="ja-JP" altLang="ja-JP" sz="2800" dirty="0">
+                <a:solidFill>
+                  <a:srgbClr val="1D1C1D"/>
+                </a:solidFill>
+                <a:effectLst/>
+                <a:latin typeface="Meiryo UI" panose="020B0604030504040204" pitchFamily="50" charset="-128"/>
+                <a:ea typeface="Meiryo UI" panose="020B0604030504040204" pitchFamily="50" charset="-128"/>
+                <a:cs typeface="Arial" panose="020B0604020202020204" pitchFamily="34" charset="0"/>
+              </a:rPr>
+              <a:t>・ページネーション</a:t>
+            </a:r>
+            <a:endParaRPr lang="ja-JP" altLang="ja-JP" sz="2800" dirty="0">
+              <a:effectLst/>
+              <a:latin typeface="Meiryo UI" panose="020B0604030504040204" pitchFamily="50" charset="-128"/>
+              <a:ea typeface="Meiryo UI" panose="020B0604030504040204" pitchFamily="50" charset="-128"/>
+              <a:cs typeface="ＭＳ Ｐゴシック" panose="020B0600070205080204" pitchFamily="50" charset="-128"/>
+            </a:endParaRPr>
+          </a:p>
+          <a:p>
+            <a:pPr marL="457200">
+              <a:spcBef>
+                <a:spcPts val="1600"/>
+              </a:spcBef>
+              <a:spcAft>
+                <a:spcPts val="400"/>
+              </a:spcAft>
+            </a:pPr>
+            <a:r>
+              <a:rPr lang="ja-JP" altLang="ja-JP" sz="2800" dirty="0">
+                <a:solidFill>
+                  <a:srgbClr val="1D1C1D"/>
+                </a:solidFill>
+                <a:effectLst/>
+                <a:latin typeface="Meiryo UI" panose="020B0604030504040204" pitchFamily="50" charset="-128"/>
+                <a:ea typeface="Meiryo UI" panose="020B0604030504040204" pitchFamily="50" charset="-128"/>
+                <a:cs typeface="Arial" panose="020B0604020202020204" pitchFamily="34" charset="0"/>
+              </a:rPr>
+              <a:t>・商品画像の自動挿入</a:t>
+            </a:r>
+            <a:endParaRPr lang="ja-JP" altLang="ja-JP" sz="2800" dirty="0">
+              <a:effectLst/>
+              <a:latin typeface="Meiryo UI" panose="020B0604030504040204" pitchFamily="50" charset="-128"/>
+              <a:ea typeface="Meiryo UI" panose="020B0604030504040204" pitchFamily="50" charset="-128"/>
+              <a:cs typeface="ＭＳ Ｐゴシック" panose="020B0600070205080204" pitchFamily="50" charset="-128"/>
+            </a:endParaRPr>
+          </a:p>
+          <a:p>
+            <a:pPr marL="457200">
+              <a:spcBef>
+                <a:spcPts val="1600"/>
+              </a:spcBef>
+              <a:spcAft>
+                <a:spcPts val="400"/>
+              </a:spcAft>
+            </a:pPr>
+            <a:r>
+              <a:rPr lang="ja-JP" altLang="ja-JP" sz="2800" dirty="0">
+                <a:solidFill>
+                  <a:srgbClr val="1D1C1D"/>
+                </a:solidFill>
+                <a:effectLst/>
+                <a:latin typeface="Meiryo UI" panose="020B0604030504040204" pitchFamily="50" charset="-128"/>
+                <a:ea typeface="Meiryo UI" panose="020B0604030504040204" pitchFamily="50" charset="-128"/>
+                <a:cs typeface="Arial" panose="020B0604020202020204" pitchFamily="34" charset="0"/>
+              </a:rPr>
+              <a:t>・</a:t>
+            </a:r>
+            <a:r>
+              <a:rPr lang="en-US" altLang="ja-JP" sz="2800" dirty="0">
+                <a:solidFill>
+                  <a:srgbClr val="1D1C1D"/>
+                </a:solidFill>
+                <a:effectLst/>
+                <a:latin typeface="Meiryo UI" panose="020B0604030504040204" pitchFamily="50" charset="-128"/>
+                <a:ea typeface="Meiryo UI" panose="020B0604030504040204" pitchFamily="50" charset="-128"/>
+                <a:cs typeface="ＭＳ Ｐゴシック" panose="020B0600070205080204" pitchFamily="50" charset="-128"/>
+              </a:rPr>
+              <a:t>API</a:t>
+            </a:r>
+            <a:r>
+              <a:rPr lang="ja-JP" altLang="ja-JP" sz="2800" dirty="0">
+                <a:solidFill>
+                  <a:srgbClr val="1D1C1D"/>
+                </a:solidFill>
+                <a:effectLst/>
+                <a:latin typeface="Meiryo UI" panose="020B0604030504040204" pitchFamily="50" charset="-128"/>
+                <a:ea typeface="Meiryo UI" panose="020B0604030504040204" pitchFamily="50" charset="-128"/>
+                <a:cs typeface="Arial" panose="020B0604020202020204" pitchFamily="34" charset="0"/>
+              </a:rPr>
+              <a:t>を元に価格変動反映</a:t>
+            </a:r>
+            <a:endParaRPr lang="ja-JP" altLang="ja-JP" sz="2800" dirty="0">
+              <a:effectLst/>
+              <a:latin typeface="Meiryo UI" panose="020B0604030504040204" pitchFamily="50" charset="-128"/>
+              <a:ea typeface="Meiryo UI" panose="020B0604030504040204" pitchFamily="50" charset="-128"/>
+              <a:cs typeface="ＭＳ Ｐゴシック" panose="020B0600070205080204" pitchFamily="50" charset="-128"/>
+            </a:endParaRPr>
+          </a:p>
+          <a:p>
+            <a:endParaRPr kumimoji="1" lang="ja-JP" altLang="en-US" dirty="0"/>
           </a:p>
         </p:txBody>
       </p:sp>
@@ -16130,7 +16469,7 @@
           <a:p>
             <a:fld id="{9ECF9585-80F6-476E-8B21-88C3199F0E34}" type="datetime4">
               <a:rPr lang="ja-JP" altLang="en-US" smtClean="0"/>
-              <a:t>2023年6月27日</a:t>
+              <a:t>2023年6月28日</a:t>
             </a:fld>
             <a:endParaRPr lang="ja-JP" altLang="en-US" dirty="0"/>
           </a:p>
@@ -16290,6 +16629,70 @@
           <a:bodyPr/>
           <a:lstStyle/>
           <a:p>
+            <a:pPr marL="0" indent="0">
+              <a:lnSpc>
+                <a:spcPct val="100000"/>
+              </a:lnSpc>
+              <a:buNone/>
+            </a:pPr>
+            <a:r>
+              <a:rPr lang="ja-JP" altLang="en-US" sz="4000" b="0" i="0" dirty="0">
+                <a:effectLst/>
+                <a:latin typeface="Courier New" panose="02070309020205020404" pitchFamily="49" charset="0"/>
+              </a:rPr>
+              <a:t>研修講師の皆様、ならびに研修事務局の皆様、</a:t>
+            </a:r>
+            <a:br>
+              <a:rPr lang="ja-JP" altLang="en-US" sz="4000" dirty="0"/>
+            </a:br>
+            <a:r>
+              <a:rPr lang="ja-JP" altLang="en-US" sz="4000" b="0" i="0" dirty="0">
+                <a:effectLst/>
+                <a:latin typeface="Courier New" panose="02070309020205020404" pitchFamily="49" charset="0"/>
+              </a:rPr>
+              <a:t>一緒に学習してくれたクラスの仲間たち、</a:t>
+            </a:r>
+            <a:endParaRPr lang="en-US" altLang="ja-JP" sz="4000" b="0" i="0" dirty="0">
+              <a:effectLst/>
+              <a:latin typeface="Courier New" panose="02070309020205020404" pitchFamily="49" charset="0"/>
+            </a:endParaRPr>
+          </a:p>
+          <a:p>
+            <a:pPr marL="0" indent="0">
+              <a:lnSpc>
+                <a:spcPct val="100000"/>
+              </a:lnSpc>
+              <a:buNone/>
+            </a:pPr>
+            <a:r>
+              <a:rPr lang="ja-JP" altLang="en-US" sz="4000" b="0" i="0" dirty="0">
+                <a:effectLst/>
+                <a:latin typeface="Courier New" panose="02070309020205020404" pitchFamily="49" charset="0"/>
+              </a:rPr>
+              <a:t>研修に参加させてくれた皆様に</a:t>
+            </a:r>
+            <a:endParaRPr lang="en-US" altLang="ja-JP" sz="4000" b="0" i="0" dirty="0">
+              <a:effectLst/>
+              <a:latin typeface="Courier New" panose="02070309020205020404" pitchFamily="49" charset="0"/>
+            </a:endParaRPr>
+          </a:p>
+          <a:p>
+            <a:pPr marL="0" indent="0">
+              <a:lnSpc>
+                <a:spcPct val="100000"/>
+              </a:lnSpc>
+              <a:buNone/>
+            </a:pPr>
+            <a:r>
+              <a:rPr lang="ja-JP" altLang="en-US" sz="4000" b="0" i="0" dirty="0">
+                <a:effectLst/>
+                <a:latin typeface="Courier New" panose="02070309020205020404" pitchFamily="49" charset="0"/>
+              </a:rPr>
+              <a:t>御礼申し上げます。</a:t>
+            </a:r>
+            <a:endParaRPr kumimoji="1" lang="ja-JP" altLang="en-US" sz="4000" dirty="0"/>
+          </a:p>
+          <a:p>
             <a:endParaRPr kumimoji="1" lang="ja-JP" altLang="en-US" dirty="0"/>
           </a:p>
         </p:txBody>
@@ -16317,7 +16720,7 @@
           <a:p>
             <a:fld id="{9ECF9585-80F6-476E-8B21-88C3199F0E34}" type="datetime4">
               <a:rPr lang="ja-JP" altLang="en-US" smtClean="0"/>
-              <a:t>2023年6月27日</a:t>
+              <a:t>2023年6月28日</a:t>
             </a:fld>
             <a:endParaRPr lang="ja-JP" altLang="en-US" dirty="0"/>
           </a:p>
@@ -16901,7 +17304,7 @@
                 <a:latin typeface="Meiryo UI" panose="020B0604030504040204" pitchFamily="50" charset="-128"/>
                 <a:ea typeface="Meiryo UI" panose="020B0604030504040204" pitchFamily="50" charset="-128"/>
               </a:rPr>
-              <a:t>2023年6月27日</a:t>
+              <a:t>2023年6月28日</a:t>
             </a:fld>
             <a:endParaRPr lang="ja-JP" altLang="en-US" dirty="0">
               <a:latin typeface="Meiryo UI" panose="020B0604030504040204" pitchFamily="50" charset="-128"/>
@@ -17371,7 +17774,7 @@
         </p:nvSpPr>
         <p:spPr>
           <a:xfrm>
-            <a:off x="964022" y="428625"/>
+            <a:off x="964022" y="415372"/>
             <a:ext cx="6322603" cy="1061301"/>
           </a:xfrm>
         </p:spPr>
@@ -17418,7 +17821,56 @@
           <a:bodyPr/>
           <a:lstStyle/>
           <a:p>
-            <a:endParaRPr kumimoji="1" lang="ja-JP" altLang="en-US" dirty="0"/>
+            <a:endParaRPr lang="en-US" altLang="ja-JP" sz="3200" dirty="0"/>
+          </a:p>
+          <a:p>
+            <a:r>
+              <a:rPr lang="en-US" altLang="ja-JP" sz="3200" dirty="0"/>
+              <a:t>6</a:t>
+            </a:r>
+            <a:r>
+              <a:rPr lang="ja-JP" altLang="en-US" sz="3200" dirty="0"/>
+              <a:t>人中</a:t>
+            </a:r>
+            <a:r>
+              <a:rPr lang="en-US" altLang="ja-JP" sz="3200" dirty="0"/>
+              <a:t>4</a:t>
+            </a:r>
+            <a:r>
+              <a:rPr lang="ja-JP" altLang="en-US" sz="3200" dirty="0"/>
+              <a:t>人が</a:t>
+            </a:r>
+            <a:r>
+              <a:rPr lang="ja-JP" altLang="en-US" sz="4800" dirty="0">
+                <a:solidFill>
+                  <a:srgbClr val="FF0000"/>
+                </a:solidFill>
+              </a:rPr>
+              <a:t>知識ゼロ</a:t>
+            </a:r>
+            <a:endParaRPr lang="en-US" altLang="ja-JP" sz="4800" dirty="0">
+              <a:solidFill>
+                <a:srgbClr val="FF0000"/>
+              </a:solidFill>
+            </a:endParaRPr>
+          </a:p>
+          <a:p>
+            <a:endParaRPr kumimoji="1" lang="en-US" altLang="ja-JP" dirty="0"/>
+          </a:p>
+          <a:p>
+            <a:r>
+              <a:rPr lang="ja-JP" altLang="en-US" sz="2800" dirty="0"/>
+              <a:t>他言語を触ったことがある人、独学で学習を進めた人が</a:t>
+            </a:r>
+            <a:r>
+              <a:rPr lang="en-US" altLang="ja-JP" sz="2800" dirty="0"/>
+              <a:t>2</a:t>
+            </a:r>
+            <a:r>
+              <a:rPr lang="ja-JP" altLang="en-US" sz="2800" dirty="0"/>
+              <a:t>人</a:t>
+            </a:r>
+            <a:endParaRPr kumimoji="1" lang="ja-JP" altLang="en-US" sz="2800" dirty="0"/>
           </a:p>
         </p:txBody>
       </p:sp>
@@ -17445,7 +17897,7 @@
           <a:p>
             <a:fld id="{9ECF9585-80F6-476E-8B21-88C3199F0E34}" type="datetime4">
               <a:rPr lang="ja-JP" altLang="en-US" smtClean="0"/>
-              <a:t>2023年6月27日</a:t>
+              <a:t>2023年6月28日</a:t>
             </a:fld>
             <a:endParaRPr lang="ja-JP" altLang="en-US" dirty="0"/>
           </a:p>
@@ -17644,7 +18096,7 @@
           <a:lstStyle/>
           <a:p>
             <a:r>
-              <a:rPr lang="en-US" altLang="ja-JP" sz="2800" dirty="0" err="1"/>
+              <a:rPr lang="en-US" altLang="ja-JP" sz="2800" dirty="0"/>
               <a:t>SubsKeeper</a:t>
             </a:r>
             <a:r>
@@ -17674,14 +18126,57 @@
         <p:spPr>
           <a:xfrm>
             <a:off x="964023" y="2799146"/>
-            <a:ext cx="4827178" cy="2630104"/>
+            <a:ext cx="5025960" cy="2630104"/>
           </a:xfrm>
         </p:spPr>
         <p:txBody>
           <a:bodyPr/>
           <a:lstStyle/>
           <a:p>
-            <a:endParaRPr kumimoji="1" lang="ja-JP" altLang="en-US" dirty="0"/>
+            <a:r>
+              <a:rPr kumimoji="1" lang="ja-JP" altLang="en-US" sz="2400" dirty="0"/>
+              <a:t>没案：家計簿、食事系、</a:t>
+            </a:r>
+            <a:endParaRPr kumimoji="1" lang="en-US" altLang="ja-JP" sz="2400" dirty="0"/>
+          </a:p>
+          <a:p>
+            <a:pPr marL="0" indent="0">
+              <a:buNone/>
+            </a:pPr>
+            <a:r>
+              <a:rPr lang="ja-JP" altLang="en-US" sz="2400" dirty="0"/>
+              <a:t>　　　　　　</a:t>
+            </a:r>
+            <a:r>
+              <a:rPr kumimoji="1" lang="ja-JP" altLang="en-US" sz="2400" dirty="0"/>
+              <a:t>クラス分けアプリ</a:t>
+            </a:r>
+            <a:endParaRPr kumimoji="1" lang="en-US" altLang="ja-JP" dirty="0"/>
+          </a:p>
+          <a:p>
+            <a:r>
+              <a:rPr lang="ja-JP" altLang="en-US" sz="2400" dirty="0"/>
+              <a:t>ペルソナ：</a:t>
+            </a:r>
+            <a:r>
+              <a:rPr lang="en-US" altLang="ja-JP" sz="2400" dirty="0"/>
+              <a:t>28</a:t>
+            </a:r>
+            <a:r>
+              <a:rPr lang="ja-JP" altLang="en-US" sz="2400" dirty="0"/>
+              <a:t>歳女性、職業デザイナー</a:t>
+            </a:r>
+            <a:endParaRPr lang="en-US" altLang="ja-JP" sz="2400" dirty="0"/>
+          </a:p>
+          <a:p>
+            <a:pPr marL="0" indent="0">
+              <a:buNone/>
+            </a:pPr>
+            <a:r>
+              <a:rPr lang="ja-JP" altLang="en-US" sz="2400" dirty="0"/>
+              <a:t>　　　　　　　　クリエイティビティ高め</a:t>
+            </a:r>
+            <a:endParaRPr lang="en-US" altLang="ja-JP" sz="2400" dirty="0"/>
           </a:p>
         </p:txBody>
       </p:sp>
@@ -17711,6 +18206,37 @@
           <a:bodyPr/>
           <a:lstStyle/>
           <a:p>
+            <a:endParaRPr lang="en-US" altLang="ja-JP" dirty="0"/>
+          </a:p>
+          <a:p>
+            <a:r>
+              <a:rPr lang="ja-JP" altLang="en-US" sz="2800" dirty="0"/>
+              <a:t>自宅の購入品管理</a:t>
+            </a:r>
+            <a:endParaRPr lang="en-US" altLang="ja-JP" sz="2800" dirty="0"/>
+          </a:p>
+          <a:p>
+            <a:r>
+              <a:rPr kumimoji="1" lang="ja-JP" altLang="en-US" sz="2800" dirty="0"/>
+              <a:t>余剰購入防止</a:t>
+            </a:r>
+            <a:endParaRPr kumimoji="1" lang="en-US" altLang="ja-JP" sz="2800" dirty="0"/>
+          </a:p>
+          <a:p>
+            <a:r>
+              <a:rPr lang="ja-JP" altLang="en-US" sz="2800" dirty="0"/>
+              <a:t>日用品把握</a:t>
+            </a:r>
+            <a:endParaRPr lang="en-US" altLang="ja-JP" sz="2800" dirty="0"/>
+          </a:p>
+          <a:p>
+            <a:r>
+              <a:rPr kumimoji="1" lang="ja-JP" altLang="en-US" sz="2800" dirty="0"/>
+              <a:t>購入タイミングの見極め</a:t>
+            </a:r>
+            <a:endParaRPr kumimoji="1" lang="en-US" altLang="ja-JP" sz="2800" dirty="0"/>
+          </a:p>
+          <a:p>
             <a:endParaRPr kumimoji="1" lang="ja-JP" altLang="en-US" dirty="0"/>
           </a:p>
         </p:txBody>
@@ -17736,10 +18262,6 @@
           <a:bodyPr/>
           <a:lstStyle/>
           <a:p>
-            <a:fld id="{C914ED72-34F4-4182-9E7D-EC1AA13375F8}" type="datetime4">
-              <a:rPr lang="ja-JP" altLang="en-US" smtClean="0"/>
-              <a:t>2023年6月27日</a:t>
-            </a:fld>
             <a:endParaRPr lang="ja-JP" altLang="en-US" dirty="0"/>
           </a:p>
         </p:txBody>
@@ -17824,8 +18346,8 @@
         </p:blipFill>
         <p:spPr>
           <a:xfrm>
-            <a:off x="1073059" y="4417985"/>
-            <a:ext cx="3125788" cy="2161886"/>
+            <a:off x="838240" y="4906072"/>
+            <a:ext cx="2638763" cy="1673799"/>
           </a:xfrm>
           <a:prstGeom prst="rect">
             <a:avLst/>
@@ -17934,7 +18456,42 @@
           <a:bodyPr/>
           <a:lstStyle/>
           <a:p>
-            <a:endParaRPr kumimoji="1" lang="ja-JP" altLang="en-US" dirty="0"/>
+            <a:r>
+              <a:rPr kumimoji="1" lang="ja-JP" altLang="en-US" sz="3200" dirty="0"/>
+              <a:t>適宜最適な手段でプロジェクト進行・管理を進めた</a:t>
+            </a:r>
+            <a:endParaRPr kumimoji="1" lang="en-US" altLang="ja-JP" sz="3200" dirty="0"/>
+          </a:p>
+          <a:p>
+            <a:r>
+              <a:rPr lang="ja-JP" altLang="en-US" sz="2000" dirty="0"/>
+              <a:t>（議事録・ガントチャート・スケジュール表・課題管理表・</a:t>
+            </a:r>
+            <a:r>
+              <a:rPr lang="en-US" altLang="ja-JP" sz="2000" dirty="0"/>
+              <a:t>Google</a:t>
+            </a:r>
+            <a:r>
+              <a:rPr lang="ja-JP" altLang="en-US" sz="2000" dirty="0"/>
+              <a:t>スライド・</a:t>
+            </a:r>
+            <a:r>
+              <a:rPr lang="en-US" altLang="ja-JP" sz="2000" dirty="0"/>
+              <a:t>Slack</a:t>
+            </a:r>
+            <a:r>
+              <a:rPr lang="ja-JP" altLang="en-US" sz="2000" dirty="0"/>
+              <a:t>・</a:t>
+            </a:r>
+            <a:r>
+              <a:rPr lang="en-US" altLang="ja-JP" sz="2000" dirty="0"/>
+              <a:t>LINE</a:t>
+            </a:r>
+            <a:r>
+              <a:rPr lang="ja-JP" altLang="en-US" sz="2000" dirty="0"/>
+              <a:t>グループ）</a:t>
+            </a:r>
+            <a:endParaRPr kumimoji="1" lang="ja-JP" altLang="en-US" sz="2000" dirty="0"/>
           </a:p>
         </p:txBody>
       </p:sp>
@@ -17961,7 +18518,7 @@
           <a:p>
             <a:fld id="{9ECF9585-80F6-476E-8B21-88C3199F0E34}" type="datetime4">
               <a:rPr lang="ja-JP" altLang="en-US" smtClean="0"/>
-              <a:t>2023年6月27日</a:t>
+              <a:t>2023年6月28日</a:t>
             </a:fld>
             <a:endParaRPr lang="ja-JP" altLang="en-US" dirty="0"/>
           </a:p>
@@ -18023,6 +18580,110 @@
               <a:t>5</a:t>
             </a:fld>
             <a:endParaRPr lang="ja-JP" altLang="en-US" dirty="0"/>
+          </a:p>
+        </p:txBody>
+      </p:sp>
+      <p:pic>
+        <p:nvPicPr>
+          <p:cNvPr id="12" name="図 11">
+            <a:extLst>
+              <a:ext uri="{FF2B5EF4-FFF2-40B4-BE49-F238E27FC236}">
+                <a16:creationId xmlns:a16="http://schemas.microsoft.com/office/drawing/2014/main" id="{8AC0F5B2-F2B2-4D92-8B01-A3B3D16317BB}"/>
+              </a:ext>
+            </a:extLst>
+          </p:cNvPr>
+          <p:cNvPicPr>
+            <a:picLocks noChangeAspect="1"/>
+          </p:cNvPicPr>
+          <p:nvPr/>
+        </p:nvPicPr>
+        <p:blipFill>
+          <a:blip r:embed="rId2"/>
+          <a:stretch>
+            <a:fillRect/>
+          </a:stretch>
+        </p:blipFill>
+        <p:spPr>
+          <a:xfrm>
+            <a:off x="1021210" y="3592635"/>
+            <a:ext cx="3826944" cy="2987236"/>
+          </a:xfrm>
+          <a:prstGeom prst="rect">
+            <a:avLst/>
+          </a:prstGeom>
+        </p:spPr>
+      </p:pic>
+      <p:pic>
+        <p:nvPicPr>
+          <p:cNvPr id="14" name="図 13">
+            <a:extLst>
+              <a:ext uri="{FF2B5EF4-FFF2-40B4-BE49-F238E27FC236}">
+                <a16:creationId xmlns:a16="http://schemas.microsoft.com/office/drawing/2014/main" id="{BABF8D4E-5319-46EB-A366-059AA278CEB4}"/>
+              </a:ext>
+            </a:extLst>
+          </p:cNvPr>
+          <p:cNvPicPr>
+            <a:picLocks noChangeAspect="1"/>
+          </p:cNvPicPr>
+          <p:nvPr/>
+        </p:nvPicPr>
+        <p:blipFill>
+          <a:blip r:embed="rId3"/>
+          <a:stretch>
+            <a:fillRect/>
+          </a:stretch>
+        </p:blipFill>
+        <p:spPr>
+          <a:xfrm>
+            <a:off x="5693051" y="3592635"/>
+            <a:ext cx="4290125" cy="2987236"/>
+          </a:xfrm>
+          <a:prstGeom prst="rect">
+            <a:avLst/>
+          </a:prstGeom>
+        </p:spPr>
+      </p:pic>
+      <p:sp>
+        <p:nvSpPr>
+          <p:cNvPr id="20" name="テキスト ボックス 19">
+            <a:extLst>
+              <a:ext uri="{FF2B5EF4-FFF2-40B4-BE49-F238E27FC236}">
+                <a16:creationId xmlns:a16="http://schemas.microsoft.com/office/drawing/2014/main" id="{CBA17137-5BA1-416D-9C6B-C28D406B8ADB}"/>
+              </a:ext>
+            </a:extLst>
+          </p:cNvPr>
+          <p:cNvSpPr txBox="1"/>
+          <p:nvPr/>
+        </p:nvSpPr>
+        <p:spPr>
+          <a:xfrm>
+            <a:off x="10165211" y="6101387"/>
+            <a:ext cx="933450" cy="461665"/>
+          </a:xfrm>
+          <a:prstGeom prst="rect">
+            <a:avLst/>
+          </a:prstGeom>
+          <a:noFill/>
+        </p:spPr>
+        <p:txBody>
+          <a:bodyPr wrap="square" rtlCol="0">
+            <a:spAutoFit/>
+          </a:bodyPr>
+          <a:lstStyle/>
+          <a:p>
+            <a:r>
+              <a:rPr kumimoji="1" lang="en-US" altLang="ja-JP" sz="2400" dirty="0" err="1">
+                <a:solidFill>
+                  <a:schemeClr val="bg1"/>
+                </a:solidFill>
+              </a:rPr>
+              <a:t>etc</a:t>
+            </a:r>
+            <a:endParaRPr kumimoji="1" lang="ja-JP" altLang="en-US" sz="2400" dirty="0">
+              <a:solidFill>
+                <a:schemeClr val="bg1"/>
+              </a:solidFill>
+            </a:endParaRPr>
           </a:p>
         </p:txBody>
       </p:sp>
@@ -18128,6 +18789,168 @@
           <a:bodyPr/>
           <a:lstStyle/>
           <a:p>
+            <a:pPr>
+              <a:spcBef>
+                <a:spcPts val="1600"/>
+              </a:spcBef>
+              <a:spcAft>
+                <a:spcPts val="400"/>
+              </a:spcAft>
+            </a:pPr>
+            <a:endParaRPr lang="en-US" altLang="ja-JP" sz="2800" dirty="0">
+              <a:solidFill>
+                <a:srgbClr val="1D1C1D"/>
+              </a:solidFill>
+              <a:effectLst/>
+              <a:cs typeface="Arial" panose="020B0604020202020204" pitchFamily="34" charset="0"/>
+            </a:endParaRPr>
+          </a:p>
+          <a:p>
+            <a:pPr>
+              <a:spcBef>
+                <a:spcPts val="1600"/>
+              </a:spcBef>
+              <a:spcAft>
+                <a:spcPts val="400"/>
+              </a:spcAft>
+            </a:pPr>
+            <a:r>
+              <a:rPr lang="ja-JP" altLang="ja-JP" sz="2800" dirty="0">
+                <a:solidFill>
+                  <a:srgbClr val="1D1C1D"/>
+                </a:solidFill>
+                <a:effectLst/>
+                <a:cs typeface="Arial" panose="020B0604020202020204" pitchFamily="34" charset="0"/>
+              </a:rPr>
+              <a:t>・</a:t>
+            </a:r>
+            <a:r>
+              <a:rPr lang="ja-JP" altLang="en-US" sz="3200" dirty="0">
+                <a:solidFill>
+                  <a:srgbClr val="1D1C1D"/>
+                </a:solidFill>
+                <a:cs typeface="Arial" panose="020B0604020202020204" pitchFamily="34" charset="0"/>
+              </a:rPr>
+              <a:t>初期に</a:t>
+            </a:r>
+            <a:r>
+              <a:rPr lang="ja-JP" altLang="ja-JP" sz="3200" dirty="0">
+                <a:solidFill>
+                  <a:srgbClr val="1D1C1D"/>
+                </a:solidFill>
+                <a:effectLst/>
+                <a:cs typeface="Arial" panose="020B0604020202020204" pitchFamily="34" charset="0"/>
+              </a:rPr>
+              <a:t>質問しやすい雰囲気</a:t>
+            </a:r>
+            <a:r>
+              <a:rPr lang="ja-JP" altLang="en-US" sz="3200" dirty="0">
+                <a:solidFill>
+                  <a:srgbClr val="1D1C1D"/>
+                </a:solidFill>
+                <a:effectLst/>
+                <a:cs typeface="Arial" panose="020B0604020202020204" pitchFamily="34" charset="0"/>
+              </a:rPr>
+              <a:t>に</a:t>
+            </a:r>
+            <a:endParaRPr lang="ja-JP" altLang="ja-JP" sz="3200" dirty="0">
+              <a:effectLst/>
+              <a:cs typeface="ＭＳ Ｐゴシック" panose="020B0600070205080204" pitchFamily="50" charset="-128"/>
+            </a:endParaRPr>
+          </a:p>
+          <a:p>
+            <a:pPr>
+              <a:spcBef>
+                <a:spcPts val="1600"/>
+              </a:spcBef>
+              <a:spcAft>
+                <a:spcPts val="400"/>
+              </a:spcAft>
+            </a:pPr>
+            <a:r>
+              <a:rPr lang="ja-JP" altLang="ja-JP" sz="3200" dirty="0">
+                <a:solidFill>
+                  <a:srgbClr val="1D1C1D"/>
+                </a:solidFill>
+                <a:effectLst/>
+                <a:cs typeface="Arial" panose="020B0604020202020204" pitchFamily="34" charset="0"/>
+              </a:rPr>
+              <a:t>・質問しあうことで連帯感が</a:t>
+            </a:r>
+            <a:r>
+              <a:rPr lang="ja-JP" altLang="en-US" sz="3200" dirty="0">
+                <a:solidFill>
+                  <a:srgbClr val="1D1C1D"/>
+                </a:solidFill>
+                <a:effectLst/>
+                <a:cs typeface="Arial" panose="020B0604020202020204" pitchFamily="34" charset="0"/>
+              </a:rPr>
+              <a:t>アップ</a:t>
+            </a:r>
+            <a:endParaRPr lang="ja-JP" altLang="ja-JP" sz="3200" dirty="0">
+              <a:effectLst/>
+              <a:cs typeface="ＭＳ Ｐゴシック" panose="020B0600070205080204" pitchFamily="50" charset="-128"/>
+            </a:endParaRPr>
+          </a:p>
+          <a:p>
+            <a:pPr>
+              <a:spcBef>
+                <a:spcPts val="1600"/>
+              </a:spcBef>
+              <a:spcAft>
+                <a:spcPts val="400"/>
+              </a:spcAft>
+            </a:pPr>
+            <a:r>
+              <a:rPr lang="ja-JP" altLang="ja-JP" sz="3200" dirty="0">
+                <a:solidFill>
+                  <a:srgbClr val="1D1C1D"/>
+                </a:solidFill>
+                <a:effectLst/>
+                <a:cs typeface="Arial" panose="020B0604020202020204" pitchFamily="34" charset="0"/>
+              </a:rPr>
+              <a:t>・理解が追いついていない人を置いていかず、引っ張</a:t>
+            </a:r>
+            <a:r>
+              <a:rPr lang="ja-JP" altLang="en-US" sz="3200" dirty="0">
+                <a:solidFill>
+                  <a:srgbClr val="1D1C1D"/>
+                </a:solidFill>
+                <a:effectLst/>
+                <a:cs typeface="Arial" panose="020B0604020202020204" pitchFamily="34" charset="0"/>
+              </a:rPr>
+              <a:t>る</a:t>
+            </a:r>
+            <a:endParaRPr lang="ja-JP" altLang="ja-JP" sz="3200" dirty="0">
+              <a:effectLst/>
+              <a:cs typeface="ＭＳ Ｐゴシック" panose="020B0600070205080204" pitchFamily="50" charset="-128"/>
+            </a:endParaRPr>
+          </a:p>
+          <a:p>
+            <a:pPr>
+              <a:spcBef>
+                <a:spcPts val="1600"/>
+              </a:spcBef>
+              <a:spcAft>
+                <a:spcPts val="400"/>
+              </a:spcAft>
+            </a:pPr>
+            <a:r>
+              <a:rPr lang="ja-JP" altLang="ja-JP" sz="3200" dirty="0">
+                <a:solidFill>
+                  <a:srgbClr val="1D1C1D"/>
+                </a:solidFill>
+                <a:effectLst/>
+                <a:cs typeface="Arial" panose="020B0604020202020204" pitchFamily="34" charset="0"/>
+              </a:rPr>
+              <a:t>・息抜きの時間を設け、集中力の低下を防止</a:t>
+            </a:r>
+            <a:endParaRPr lang="ja-JP" altLang="ja-JP" sz="3200" dirty="0">
+              <a:effectLst/>
+              <a:cs typeface="ＭＳ Ｐゴシック" panose="020B0600070205080204" pitchFamily="50" charset="-128"/>
+            </a:endParaRPr>
+          </a:p>
+          <a:p>
             <a:endParaRPr kumimoji="1" lang="ja-JP" altLang="en-US" dirty="0"/>
           </a:p>
         </p:txBody>
@@ -18155,7 +18978,7 @@
           <a:p>
             <a:fld id="{9ECF9585-80F6-476E-8B21-88C3199F0E34}" type="datetime4">
               <a:rPr lang="ja-JP" altLang="en-US" smtClean="0"/>
-              <a:t>2023年6月27日</a:t>
+              <a:t>2023年6月28日</a:t>
             </a:fld>
             <a:endParaRPr lang="ja-JP" altLang="en-US" dirty="0"/>
           </a:p>
@@ -18322,6 +19145,138 @@
           <a:bodyPr/>
           <a:lstStyle/>
           <a:p>
+            <a:pPr rtl="0">
+              <a:spcBef>
+                <a:spcPts val="1600"/>
+              </a:spcBef>
+              <a:spcAft>
+                <a:spcPts val="400"/>
+              </a:spcAft>
+            </a:pPr>
+            <a:endParaRPr lang="en-US" altLang="ja-JP" sz="2800" b="0" i="0" u="none" strike="noStrike" dirty="0">
+              <a:solidFill>
+                <a:srgbClr val="1D1C1D"/>
+              </a:solidFill>
+              <a:effectLst/>
+              <a:latin typeface="Arial" panose="020B0604020202020204" pitchFamily="34" charset="0"/>
+            </a:endParaRPr>
+          </a:p>
+          <a:p>
+            <a:pPr rtl="0">
+              <a:spcBef>
+                <a:spcPts val="1600"/>
+              </a:spcBef>
+              <a:spcAft>
+                <a:spcPts val="400"/>
+              </a:spcAft>
+            </a:pPr>
+            <a:r>
+              <a:rPr lang="ja-JP" altLang="en-US" sz="3200" b="0" i="0" u="none" strike="noStrike" dirty="0">
+                <a:solidFill>
+                  <a:srgbClr val="1D1C1D"/>
+                </a:solidFill>
+                <a:effectLst/>
+                <a:latin typeface="Arial" panose="020B0604020202020204" pitchFamily="34" charset="0"/>
+              </a:rPr>
+              <a:t>・スケジュールを大枠と詳細の</a:t>
+            </a:r>
+            <a:r>
+              <a:rPr lang="en-US" altLang="ja-JP" sz="3200" b="0" i="0" u="none" strike="noStrike" dirty="0">
+                <a:solidFill>
+                  <a:srgbClr val="1D1C1D"/>
+                </a:solidFill>
+                <a:effectLst/>
+                <a:latin typeface="Arial" panose="020B0604020202020204" pitchFamily="34" charset="0"/>
+              </a:rPr>
+              <a:t>2</a:t>
+            </a:r>
+            <a:r>
+              <a:rPr lang="ja-JP" altLang="en-US" sz="3200" b="0" i="0" u="none" strike="noStrike" dirty="0">
+                <a:solidFill>
+                  <a:srgbClr val="1D1C1D"/>
+                </a:solidFill>
+                <a:effectLst/>
+                <a:latin typeface="Arial" panose="020B0604020202020204" pitchFamily="34" charset="0"/>
+              </a:rPr>
+              <a:t>つで管理</a:t>
+            </a:r>
+            <a:endParaRPr lang="ja-JP" altLang="en-US" sz="2800" b="0" dirty="0">
+              <a:effectLst/>
+            </a:endParaRPr>
+          </a:p>
+          <a:p>
+            <a:pPr rtl="0">
+              <a:spcBef>
+                <a:spcPts val="1600"/>
+              </a:spcBef>
+              <a:spcAft>
+                <a:spcPts val="400"/>
+              </a:spcAft>
+            </a:pPr>
+            <a:r>
+              <a:rPr lang="ja-JP" altLang="en-US" sz="3200" b="0" i="0" u="none" strike="noStrike" dirty="0">
+                <a:solidFill>
+                  <a:srgbClr val="1D1C1D"/>
+                </a:solidFill>
+                <a:effectLst/>
+                <a:latin typeface="Arial" panose="020B0604020202020204" pitchFamily="34" charset="0"/>
+              </a:rPr>
+              <a:t>・ページごとに分担することでの理解の効率化、衝突回避</a:t>
+            </a:r>
+            <a:endParaRPr lang="ja-JP" altLang="en-US" sz="2800" b="0" dirty="0">
+              <a:effectLst/>
+            </a:endParaRPr>
+          </a:p>
+          <a:p>
+            <a:pPr rtl="0">
+              <a:spcBef>
+                <a:spcPts val="1600"/>
+              </a:spcBef>
+              <a:spcAft>
+                <a:spcPts val="400"/>
+              </a:spcAft>
+            </a:pPr>
+            <a:r>
+              <a:rPr lang="ja-JP" altLang="en-US" sz="3200" b="0" i="0" u="none" strike="noStrike" dirty="0">
+                <a:solidFill>
+                  <a:srgbClr val="1D1C1D"/>
+                </a:solidFill>
+                <a:effectLst/>
+                <a:latin typeface="Arial" panose="020B0604020202020204" pitchFamily="34" charset="0"/>
+              </a:rPr>
+              <a:t>・作業量が多いページは機能別に分割し、複数人で作業</a:t>
+            </a:r>
+            <a:endParaRPr lang="ja-JP" altLang="en-US" sz="2800" b="0" dirty="0">
+              <a:effectLst/>
+            </a:endParaRPr>
+          </a:p>
+          <a:p>
+            <a:pPr rtl="0">
+              <a:spcBef>
+                <a:spcPts val="1600"/>
+              </a:spcBef>
+              <a:spcAft>
+                <a:spcPts val="400"/>
+              </a:spcAft>
+            </a:pPr>
+            <a:r>
+              <a:rPr lang="ja-JP" altLang="en-US" sz="3200" b="0" i="0" u="none" strike="noStrike" dirty="0">
+                <a:solidFill>
+                  <a:srgbClr val="1D1C1D"/>
+                </a:solidFill>
+                <a:effectLst/>
+                <a:latin typeface="Arial" panose="020B0604020202020204" pitchFamily="34" charset="0"/>
+              </a:rPr>
+              <a:t>・分かりやすいプログラミング</a:t>
+            </a:r>
+            <a:endParaRPr lang="ja-JP" altLang="en-US" sz="2800" b="0" dirty="0">
+              <a:effectLst/>
+            </a:endParaRPr>
+          </a:p>
+          <a:p>
+            <a:br>
+              <a:rPr lang="ja-JP" altLang="en-US" dirty="0"/>
+            </a:br>
             <a:endParaRPr kumimoji="1" lang="ja-JP" altLang="en-US" dirty="0"/>
           </a:p>
         </p:txBody>
@@ -18349,7 +19304,7 @@
           <a:p>
             <a:fld id="{9ECF9585-80F6-476E-8B21-88C3199F0E34}" type="datetime4">
               <a:rPr lang="ja-JP" altLang="en-US" smtClean="0"/>
-              <a:t>2023年6月27日</a:t>
+              <a:t>2023年6月28日</a:t>
             </a:fld>
             <a:endParaRPr lang="ja-JP" altLang="en-US" dirty="0"/>
           </a:p>
@@ -18510,42 +19465,60 @@
             <p:ph type="body" idx="1"/>
           </p:nvPr>
         </p:nvSpPr>
-        <p:spPr/>
-        <p:txBody>
-          <a:bodyPr/>
-          <a:lstStyle/>
-          <a:p>
-            <a:endParaRPr kumimoji="1" lang="ja-JP" altLang="en-US"/>
-          </a:p>
-        </p:txBody>
-      </p:sp>
-      <p:sp>
-        <p:nvSpPr>
-          <p:cNvPr id="4" name="テキスト プレースホルダー 3">
-            <a:extLst>
-              <a:ext uri="{FF2B5EF4-FFF2-40B4-BE49-F238E27FC236}">
-                <a16:creationId xmlns:a16="http://schemas.microsoft.com/office/drawing/2014/main" id="{55E9A6F5-7825-46C7-A8C0-A01371C59797}"/>
-              </a:ext>
-            </a:extLst>
-          </p:cNvPr>
-          <p:cNvSpPr>
-            <a:spLocks noGrp="1"/>
-          </p:cNvSpPr>
-          <p:nvPr>
-            <p:ph type="body" idx="10"/>
-          </p:nvPr>
-        </p:nvSpPr>
         <p:spPr>
           <a:xfrm>
-            <a:off x="6362700" y="2300984"/>
-            <a:ext cx="4827178" cy="404216"/>
+            <a:off x="964023" y="2232312"/>
+            <a:ext cx="4827178" cy="472887"/>
           </a:xfrm>
         </p:spPr>
         <p:txBody>
-          <a:bodyPr/>
+          <a:bodyPr>
+            <a:normAutofit fontScale="85000" lnSpcReduction="10000"/>
+          </a:bodyPr>
           <a:lstStyle/>
           <a:p>
-            <a:endParaRPr kumimoji="1" lang="ja-JP" altLang="en-US" dirty="0"/>
+            <a:r>
+              <a:rPr kumimoji="1" lang="ja-JP" altLang="en-US" sz="3200" dirty="0"/>
+              <a:t>パスワード表示変更をアイコンに</a:t>
+            </a:r>
+          </a:p>
+        </p:txBody>
+      </p:sp>
+      <p:sp>
+        <p:nvSpPr>
+          <p:cNvPr id="4" name="テキスト プレースホルダー 3">
+            <a:extLst>
+              <a:ext uri="{FF2B5EF4-FFF2-40B4-BE49-F238E27FC236}">
+                <a16:creationId xmlns:a16="http://schemas.microsoft.com/office/drawing/2014/main" id="{55E9A6F5-7825-46C7-A8C0-A01371C59797}"/>
+              </a:ext>
+            </a:extLst>
+          </p:cNvPr>
+          <p:cNvSpPr>
+            <a:spLocks noGrp="1"/>
+          </p:cNvSpPr>
+          <p:nvPr>
+            <p:ph type="body" idx="10"/>
+          </p:nvPr>
+        </p:nvSpPr>
+        <p:spPr>
+          <a:xfrm>
+            <a:off x="6362700" y="2128838"/>
+            <a:ext cx="4827178" cy="576362"/>
+          </a:xfrm>
+        </p:spPr>
+        <p:txBody>
+          <a:bodyPr>
+            <a:normAutofit/>
+          </a:bodyPr>
+          <a:lstStyle/>
+          <a:p>
+            <a:r>
+              <a:rPr kumimoji="1" lang="ja-JP" altLang="en-US" sz="2800" dirty="0"/>
+              <a:t>マイページのボタン</a:t>
+            </a:r>
+          </a:p>
+          <a:p>
+            <a:endParaRPr kumimoji="1" lang="ja-JP" altLang="en-US" sz="3200" dirty="0"/>
           </a:p>
         </p:txBody>
       </p:sp>
@@ -18632,7 +19605,7 @@
           <a:p>
             <a:fld id="{C5DCDC1F-F0C2-4AD5-80F3-39EC8CD71CF6}" type="datetime4">
               <a:rPr lang="ja-JP" altLang="en-US" smtClean="0"/>
-              <a:t>2023年6月27日</a:t>
+              <a:t>2023年6月28日</a:t>
             </a:fld>
             <a:endParaRPr lang="ja-JP" altLang="en-US" dirty="0"/>
           </a:p>
@@ -18795,10 +19768,16 @@
         </p:nvSpPr>
         <p:spPr/>
         <p:txBody>
-          <a:bodyPr/>
+          <a:bodyPr>
+            <a:normAutofit/>
+          </a:bodyPr>
           <a:lstStyle/>
           <a:p>
-            <a:endParaRPr kumimoji="1" lang="ja-JP" altLang="en-US"/>
+            <a:r>
+              <a:rPr lang="ja-JP" altLang="en-US" sz="2800" dirty="0"/>
+              <a:t>ご利用ガイドを画像付きに</a:t>
+            </a:r>
+            <a:endParaRPr kumimoji="1" lang="ja-JP" altLang="en-US" sz="2800" dirty="0"/>
           </a:p>
         </p:txBody>
       </p:sp>
@@ -18825,10 +19804,15 @@
           </a:xfrm>
         </p:spPr>
         <p:txBody>
-          <a:bodyPr/>
+          <a:bodyPr>
+            <a:normAutofit/>
+          </a:bodyPr>
           <a:lstStyle/>
           <a:p>
-            <a:endParaRPr kumimoji="1" lang="ja-JP" altLang="en-US" dirty="0"/>
+            <a:r>
+              <a:rPr kumimoji="1" lang="ja-JP" altLang="en-US" sz="2800" dirty="0"/>
+              <a:t>更新、削除ボタンをアイコンに</a:t>
+            </a:r>
           </a:p>
         </p:txBody>
       </p:sp>
@@ -18915,7 +19899,7 @@
           <a:p>
             <a:fld id="{C5DCDC1F-F0C2-4AD5-80F3-39EC8CD71CF6}" type="datetime4">
               <a:rPr lang="ja-JP" altLang="en-US" smtClean="0"/>
-              <a:t>2023年6月27日</a:t>
+              <a:t>2023年6月28日</a:t>
             </a:fld>
             <a:endParaRPr lang="ja-JP" altLang="en-US" dirty="0"/>
           </a:p>
@@ -19794,15 +20778,6 @@
 </file>
 
 <file path=customXml/item2.xml><?xml version="1.0" encoding="utf-8"?>
-<p:properties xmlns:p="http://schemas.microsoft.com/office/2006/metadata/properties" xmlns:xsi="http://www.w3.org/2001/XMLSchema-instance" xmlns:pc="http://schemas.microsoft.com/office/infopath/2007/PartnerControls">
-  <documentManagement>
-    <Status xmlns="71af3243-3dd4-4a8d-8c0d-dd76da1f02a5">Not started</Status>
-    <MediaServiceKeyPoints xmlns="71af3243-3dd4-4a8d-8c0d-dd76da1f02a5" xsi:nil="true"/>
-  </documentManagement>
-</p:properties>
-</file>
-
-<file path=customXml/item3.xml><?xml version="1.0" encoding="utf-8"?>
 <ct:contentTypeSchema xmlns:ct="http://schemas.microsoft.com/office/2006/metadata/contentType" xmlns:ma="http://schemas.microsoft.com/office/2006/metadata/properties/metaAttributes" ct:_="" ma:_="" ma:contentTypeName="Document" ma:contentTypeID="0x01010079F111ED35F8CC479449609E8A0923A6" ma:contentTypeVersion="12" ma:contentTypeDescription="Create a new document." ma:contentTypeScope="" ma:versionID="426e97fa315356fffbdcd9876fe988c2">
   <xsd:schema xmlns:xsd="http://www.w3.org/2001/XMLSchema" xmlns:xs="http://www.w3.org/2001/XMLSchema" xmlns:p="http://schemas.microsoft.com/office/2006/metadata/properties" xmlns:ns2="71af3243-3dd4-4a8d-8c0d-dd76da1f02a5" xmlns:ns3="16c05727-aa75-4e4a-9b5f-8a80a1165891" targetNamespace="http://schemas.microsoft.com/office/2006/metadata/properties" ma:root="true" ma:fieldsID="14b8f0def80e6d70ce3def20c90759ae" ns2:_="" ns3:_="">
     <xsd:import namespace="71af3243-3dd4-4a8d-8c0d-dd76da1f02a5"/>
@@ -20023,6 +20998,15 @@
 </ct:contentTypeSchema>
 </file>
 
+<file path=customXml/item3.xml><?xml version="1.0" encoding="utf-8"?>
+<p:properties xmlns:p="http://schemas.microsoft.com/office/2006/metadata/properties" xmlns:xsi="http://www.w3.org/2001/XMLSchema-instance" xmlns:pc="http://schemas.microsoft.com/office/infopath/2007/PartnerControls">
+  <documentManagement>
+    <Status xmlns="71af3243-3dd4-4a8d-8c0d-dd76da1f02a5">Not started</Status>
+    <MediaServiceKeyPoints xmlns="71af3243-3dd4-4a8d-8c0d-dd76da1f02a5" xsi:nil="true"/>
+  </documentManagement>
+</p:properties>
+</file>
+
 <file path=customXml/itemProps1.xml><?xml version="1.0" encoding="utf-8"?>
 <ds:datastoreItem xmlns:ds="http://schemas.openxmlformats.org/officeDocument/2006/customXml" ds:itemID="{1D20B6E4-879E-4E6C-BDE7-261540CD3765}">
   <ds:schemaRefs>
@@ -20032,16 +21016,6 @@
 </file>
 
 <file path=customXml/itemProps2.xml><?xml version="1.0" encoding="utf-8"?>
-<ds:datastoreItem xmlns:ds="http://schemas.openxmlformats.org/officeDocument/2006/customXml" ds:itemID="{09EC1AB0-9704-404D-B6D3-819D938AC55B}">
-  <ds:schemaRefs>
-    <ds:schemaRef ds:uri="http://schemas.microsoft.com/office/2006/metadata/properties"/>
-    <ds:schemaRef ds:uri="http://schemas.microsoft.com/office/infopath/2007/PartnerControls"/>
-    <ds:schemaRef ds:uri="71af3243-3dd4-4a8d-8c0d-dd76da1f02a5"/>
-  </ds:schemaRefs>
-</ds:datastoreItem>
-</file>
-
-<file path=customXml/itemProps3.xml><?xml version="1.0" encoding="utf-8"?>
 <ds:datastoreItem xmlns:ds="http://schemas.openxmlformats.org/officeDocument/2006/customXml" ds:itemID="{94F21D10-BD83-491A-AAA6-945C2DB1EB01}">
   <ds:schemaRefs>
     <ds:schemaRef ds:uri="http://schemas.microsoft.com/office/2006/metadata/contentType"/>
@@ -20058,4 +21032,14 @@
     <ds:schemaRef ds:uri="http://schemas.microsoft.com/internal/obd"/>
   </ds:schemaRefs>
 </ds:datastoreItem>
+</file>
+
+<file path=customXml/itemProps3.xml><?xml version="1.0" encoding="utf-8"?>
+<ds:datastoreItem xmlns:ds="http://schemas.openxmlformats.org/officeDocument/2006/customXml" ds:itemID="{09EC1AB0-9704-404D-B6D3-819D938AC55B}">
+  <ds:schemaRefs>
+    <ds:schemaRef ds:uri="http://schemas.microsoft.com/office/2006/metadata/properties"/>
+    <ds:schemaRef ds:uri="http://schemas.microsoft.com/office/infopath/2007/PartnerControls"/>
+    <ds:schemaRef ds:uri="71af3243-3dd4-4a8d-8c0d-dd76da1f02a5"/>
+  </ds:schemaRefs>
+</ds:datastoreItem>
 </file>
--- a/doc/SubsKeeper.pptx
+++ b/doc/SubsKeeper.pptx
@@ -5,10 +5,10 @@
     <p:sldMasterId id="2147483658" r:id="rId4"/>
   </p:sldMasterIdLst>
   <p:notesMasterIdLst>
-    <p:notesMasterId r:id="rId23"/>
+    <p:notesMasterId r:id="rId20"/>
   </p:notesMasterIdLst>
   <p:handoutMasterIdLst>
-    <p:handoutMasterId r:id="rId24"/>
+    <p:handoutMasterId r:id="rId21"/>
   </p:handoutMasterIdLst>
   <p:sldIdLst>
     <p:sldId id="350" r:id="rId5"/>
@@ -22,13 +22,10 @@
     <p:sldId id="381" r:id="rId13"/>
     <p:sldId id="380" r:id="rId14"/>
     <p:sldId id="382" r:id="rId15"/>
-    <p:sldId id="383" r:id="rId16"/>
-    <p:sldId id="384" r:id="rId17"/>
-    <p:sldId id="385" r:id="rId18"/>
-    <p:sldId id="375" r:id="rId19"/>
-    <p:sldId id="376" r:id="rId20"/>
-    <p:sldId id="377" r:id="rId21"/>
-    <p:sldId id="378" r:id="rId22"/>
+    <p:sldId id="375" r:id="rId16"/>
+    <p:sldId id="376" r:id="rId17"/>
+    <p:sldId id="377" r:id="rId18"/>
+    <p:sldId id="378" r:id="rId19"/>
   </p:sldIdLst>
   <p:sldSz cx="12192000" cy="6858000"/>
   <p:notesSz cx="6858000" cy="9144000"/>
@@ -141,7 +138,7 @@
 <file path=ppt/commentAuthors.xml><?xml version="1.0" encoding="utf-8"?>
 <p:cmAuthorLst xmlns:a="http://schemas.openxmlformats.org/drawingml/2006/main" xmlns:r="http://schemas.openxmlformats.org/officeDocument/2006/relationships" xmlns:p="http://schemas.openxmlformats.org/presentationml/2006/main">
   <p:cmAuthor id="3" name="作成者" initials="A" lastIdx="0" clrIdx="2"/>
-  <p:cmAuthor id="4" name="三宅隆生" initials="三宅隆生" lastIdx="1" clrIdx="3">
+  <p:cmAuthor id="4" name="三宅隆生" initials="三宅隆生" lastIdx="2" clrIdx="3">
     <p:extLst>
       <p:ext uri="{19B8F6BF-5375-455C-9EA6-DF929625EA0E}">
         <p15:presenceInfo xmlns:p15="http://schemas.microsoft.com/office/powerpoint/2012/main" userId="三宅隆生" providerId="None"/>
@@ -767,10 +764,76 @@
           <a:bodyPr/>
           <a:lstStyle/>
           <a:p>
-            <a:endParaRPr kumimoji="1" lang="ja-JP" altLang="en-US">
-              <a:latin typeface="Meiryo UI" panose="020B0604030504040204" pitchFamily="50" charset="-128"/>
-              <a:ea typeface="Meiryo UI" panose="020B0604030504040204" pitchFamily="50" charset="-128"/>
-            </a:endParaRPr>
+            <a:pPr algn="just"/>
+            <a:r>
+              <a:rPr lang="ja-JP" altLang="ja-JP" sz="1800" kern="100" dirty="0">
+                <a:effectLst/>
+                <a:latin typeface="游明朝" panose="02020400000000000000" pitchFamily="18" charset="-128"/>
+                <a:ea typeface="游明朝" panose="02020400000000000000" pitchFamily="18" charset="-128"/>
+                <a:cs typeface="Times New Roman" panose="02020603050405020304" pitchFamily="18" charset="0"/>
+              </a:rPr>
+              <a:t>これからチーム</a:t>
+            </a:r>
+            <a:r>
+              <a:rPr lang="en-US" altLang="ja-JP" sz="1800" kern="100" dirty="0">
+                <a:effectLst/>
+                <a:latin typeface="游明朝" panose="02020400000000000000" pitchFamily="18" charset="-128"/>
+                <a:ea typeface="游明朝" panose="02020400000000000000" pitchFamily="18" charset="-128"/>
+                <a:cs typeface="Times New Roman" panose="02020603050405020304" pitchFamily="18" charset="0"/>
+              </a:rPr>
+              <a:t>EM</a:t>
+            </a:r>
+            <a:r>
+              <a:rPr lang="ja-JP" altLang="ja-JP" sz="1800" kern="100" dirty="0">
+                <a:effectLst/>
+                <a:latin typeface="游明朝" panose="02020400000000000000" pitchFamily="18" charset="-128"/>
+                <a:ea typeface="游明朝" panose="02020400000000000000" pitchFamily="18" charset="-128"/>
+                <a:cs typeface="Times New Roman" panose="02020603050405020304" pitchFamily="18" charset="0"/>
+              </a:rPr>
+              <a:t>の発表を始めます</a:t>
+            </a:r>
+          </a:p>
+          <a:p>
+            <a:pPr algn="just"/>
+            <a:r>
+              <a:rPr lang="ja-JP" altLang="ja-JP" sz="1800" kern="100" dirty="0">
+                <a:effectLst/>
+                <a:latin typeface="游明朝" panose="02020400000000000000" pitchFamily="18" charset="-128"/>
+                <a:ea typeface="游明朝" panose="02020400000000000000" pitchFamily="18" charset="-128"/>
+                <a:cs typeface="Times New Roman" panose="02020603050405020304" pitchFamily="18" charset="0"/>
+              </a:rPr>
+              <a:t>私たちは</a:t>
+            </a:r>
+            <a:r>
+              <a:rPr lang="en-US" altLang="ja-JP" sz="1800" kern="100" dirty="0">
+                <a:effectLst/>
+                <a:latin typeface="游明朝" panose="02020400000000000000" pitchFamily="18" charset="-128"/>
+                <a:ea typeface="游明朝" panose="02020400000000000000" pitchFamily="18" charset="-128"/>
+                <a:cs typeface="Times New Roman" panose="02020603050405020304" pitchFamily="18" charset="0"/>
+              </a:rPr>
+              <a:t>SubsKeeper</a:t>
+            </a:r>
+            <a:r>
+              <a:rPr lang="ja-JP" altLang="ja-JP" sz="1800" kern="100" dirty="0">
+                <a:effectLst/>
+                <a:latin typeface="游明朝" panose="02020400000000000000" pitchFamily="18" charset="-128"/>
+                <a:ea typeface="游明朝" panose="02020400000000000000" pitchFamily="18" charset="-128"/>
+                <a:cs typeface="Times New Roman" panose="02020603050405020304" pitchFamily="18" charset="0"/>
+              </a:rPr>
+              <a:t>というアプリを開発しました。</a:t>
+            </a:r>
+          </a:p>
+          <a:p>
+            <a:pPr algn="just"/>
+            <a:r>
+              <a:rPr lang="ja-JP" altLang="ja-JP" sz="1800" kern="100" dirty="0">
+                <a:effectLst/>
+                <a:latin typeface="游明朝" panose="02020400000000000000" pitchFamily="18" charset="-128"/>
+                <a:ea typeface="游明朝" panose="02020400000000000000" pitchFamily="18" charset="-128"/>
+                <a:cs typeface="Times New Roman" panose="02020603050405020304" pitchFamily="18" charset="0"/>
+              </a:rPr>
+              <a:t>そのアプリと開発演習で学んだことを発表させていただきます</a:t>
+            </a:r>
           </a:p>
         </p:txBody>
       </p:sp>
@@ -890,6 +953,1245 @@
     <p:extLst>
       <p:ext uri="{BB962C8B-B14F-4D97-AF65-F5344CB8AC3E}">
         <p14:creationId xmlns:p14="http://schemas.microsoft.com/office/powerpoint/2010/main" val="1615251071"/>
+      </p:ext>
+    </p:extLst>
+  </p:cSld>
+  <p:clrMapOvr>
+    <a:masterClrMapping/>
+  </p:clrMapOvr>
+</p:notes>
+</file>
+
+<file path=ppt/notesSlides/notesSlide3.xml><?xml version="1.0" encoding="utf-8"?>
+<p:notes xmlns:a="http://schemas.openxmlformats.org/drawingml/2006/main" xmlns:r="http://schemas.openxmlformats.org/officeDocument/2006/relationships" xmlns:p="http://schemas.openxmlformats.org/presentationml/2006/main">
+  <p:cSld>
+    <p:spTree>
+      <p:nvGrpSpPr>
+        <p:cNvPr id="1" name=""/>
+        <p:cNvGrpSpPr/>
+        <p:nvPr/>
+      </p:nvGrpSpPr>
+      <p:grpSpPr>
+        <a:xfrm>
+          <a:off x="0" y="0"/>
+          <a:ext cx="0" cy="0"/>
+          <a:chOff x="0" y="0"/>
+          <a:chExt cx="0" cy="0"/>
+        </a:xfrm>
+      </p:grpSpPr>
+      <p:sp>
+        <p:nvSpPr>
+          <p:cNvPr id="2" name="スライド イメージ プレースホルダー 1"/>
+          <p:cNvSpPr>
+            <a:spLocks noGrp="1" noRot="1" noChangeAspect="1"/>
+          </p:cNvSpPr>
+          <p:nvPr>
+            <p:ph type="sldImg"/>
+          </p:nvPr>
+        </p:nvSpPr>
+        <p:spPr/>
+      </p:sp>
+      <p:sp>
+        <p:nvSpPr>
+          <p:cNvPr id="3" name="ノート プレースホルダー 2"/>
+          <p:cNvSpPr>
+            <a:spLocks noGrp="1"/>
+          </p:cNvSpPr>
+          <p:nvPr>
+            <p:ph type="body" idx="1"/>
+          </p:nvPr>
+        </p:nvSpPr>
+        <p:spPr/>
+        <p:txBody>
+          <a:bodyPr/>
+          <a:lstStyle/>
+          <a:p>
+            <a:pPr algn="just"/>
+            <a:r>
+              <a:rPr lang="ja-JP" altLang="ja-JP" sz="1800" kern="100" dirty="0">
+                <a:effectLst/>
+                <a:latin typeface="游明朝" panose="02020400000000000000" pitchFamily="18" charset="-128"/>
+                <a:ea typeface="游明朝" panose="02020400000000000000" pitchFamily="18" charset="-128"/>
+                <a:cs typeface="Times New Roman" panose="02020603050405020304" pitchFamily="18" charset="0"/>
+              </a:rPr>
+              <a:t>研修前の知識は６人中</a:t>
+            </a:r>
+            <a:r>
+              <a:rPr lang="en-US" altLang="ja-JP" sz="1800" kern="100" dirty="0">
+                <a:effectLst/>
+                <a:latin typeface="游明朝" panose="02020400000000000000" pitchFamily="18" charset="-128"/>
+                <a:ea typeface="游明朝" panose="02020400000000000000" pitchFamily="18" charset="-128"/>
+                <a:cs typeface="Times New Roman" panose="02020603050405020304" pitchFamily="18" charset="0"/>
+              </a:rPr>
+              <a:t>4</a:t>
+            </a:r>
+            <a:r>
+              <a:rPr lang="ja-JP" altLang="ja-JP" sz="1800" kern="100" dirty="0">
+                <a:effectLst/>
+                <a:latin typeface="游明朝" panose="02020400000000000000" pitchFamily="18" charset="-128"/>
+                <a:ea typeface="游明朝" panose="02020400000000000000" pitchFamily="18" charset="-128"/>
+                <a:cs typeface="Times New Roman" panose="02020603050405020304" pitchFamily="18" charset="0"/>
+              </a:rPr>
+              <a:t>人が知識ゼロであり、他の言語を触ったことがある人や独学で学習を進めた人が</a:t>
+            </a:r>
+            <a:r>
+              <a:rPr lang="en-US" altLang="ja-JP" sz="1800" kern="100" dirty="0">
+                <a:effectLst/>
+                <a:latin typeface="游明朝" panose="02020400000000000000" pitchFamily="18" charset="-128"/>
+                <a:ea typeface="游明朝" panose="02020400000000000000" pitchFamily="18" charset="-128"/>
+                <a:cs typeface="Times New Roman" panose="02020603050405020304" pitchFamily="18" charset="0"/>
+              </a:rPr>
+              <a:t>2</a:t>
+            </a:r>
+            <a:r>
+              <a:rPr lang="ja-JP" altLang="ja-JP" sz="1800" kern="100" dirty="0">
+                <a:effectLst/>
+                <a:latin typeface="游明朝" panose="02020400000000000000" pitchFamily="18" charset="-128"/>
+                <a:ea typeface="游明朝" panose="02020400000000000000" pitchFamily="18" charset="-128"/>
+                <a:cs typeface="Times New Roman" panose="02020603050405020304" pitchFamily="18" charset="0"/>
+              </a:rPr>
+              <a:t>人しかいない状況でした。</a:t>
+            </a:r>
+          </a:p>
+          <a:p>
+            <a:pPr algn="just"/>
+            <a:r>
+              <a:rPr lang="en-US" altLang="ja-JP" sz="1800" kern="100" dirty="0">
+                <a:effectLst/>
+                <a:latin typeface="游明朝" panose="02020400000000000000" pitchFamily="18" charset="-128"/>
+                <a:ea typeface="游明朝" panose="02020400000000000000" pitchFamily="18" charset="-128"/>
+                <a:cs typeface="Times New Roman" panose="02020603050405020304" pitchFamily="18" charset="0"/>
+              </a:rPr>
+              <a:t>5</a:t>
+            </a:r>
+            <a:r>
+              <a:rPr lang="ja-JP" altLang="ja-JP" sz="1800" kern="100" dirty="0">
+                <a:effectLst/>
+                <a:latin typeface="游明朝" panose="02020400000000000000" pitchFamily="18" charset="-128"/>
+                <a:ea typeface="游明朝" panose="02020400000000000000" pitchFamily="18" charset="-128"/>
+                <a:cs typeface="Times New Roman" panose="02020603050405020304" pitchFamily="18" charset="0"/>
+              </a:rPr>
+              <a:t>月の名刺管理アプリも改造が主であり、特に</a:t>
+            </a:r>
+            <a:r>
+              <a:rPr lang="en-US" altLang="ja-JP" sz="1800" kern="100" dirty="0">
+                <a:effectLst/>
+                <a:latin typeface="游明朝" panose="02020400000000000000" pitchFamily="18" charset="-128"/>
+                <a:ea typeface="游明朝" panose="02020400000000000000" pitchFamily="18" charset="-128"/>
+                <a:cs typeface="Times New Roman" panose="02020603050405020304" pitchFamily="18" charset="0"/>
+              </a:rPr>
+              <a:t>4</a:t>
+            </a:r>
+            <a:r>
+              <a:rPr lang="ja-JP" altLang="ja-JP" sz="1800" kern="100" dirty="0">
+                <a:effectLst/>
+                <a:latin typeface="游明朝" panose="02020400000000000000" pitchFamily="18" charset="-128"/>
+                <a:ea typeface="游明朝" panose="02020400000000000000" pitchFamily="18" charset="-128"/>
+                <a:cs typeface="Times New Roman" panose="02020603050405020304" pitchFamily="18" charset="0"/>
+              </a:rPr>
+              <a:t>月からプログラミングを触り始めた</a:t>
+            </a:r>
+            <a:r>
+              <a:rPr lang="en-US" altLang="ja-JP" sz="1800" kern="100" dirty="0">
+                <a:effectLst/>
+                <a:latin typeface="游明朝" panose="02020400000000000000" pitchFamily="18" charset="-128"/>
+                <a:ea typeface="游明朝" panose="02020400000000000000" pitchFamily="18" charset="-128"/>
+                <a:cs typeface="Times New Roman" panose="02020603050405020304" pitchFamily="18" charset="0"/>
+              </a:rPr>
+              <a:t>4</a:t>
+            </a:r>
+            <a:r>
+              <a:rPr lang="ja-JP" altLang="ja-JP" sz="1800" kern="100" dirty="0">
+                <a:effectLst/>
+                <a:latin typeface="游明朝" panose="02020400000000000000" pitchFamily="18" charset="-128"/>
+                <a:ea typeface="游明朝" panose="02020400000000000000" pitchFamily="18" charset="-128"/>
+                <a:cs typeface="Times New Roman" panose="02020603050405020304" pitchFamily="18" charset="0"/>
+              </a:rPr>
+              <a:t>人は</a:t>
+            </a:r>
+            <a:r>
+              <a:rPr lang="en-US" altLang="ja-JP" sz="1800" kern="100" dirty="0">
+                <a:effectLst/>
+                <a:latin typeface="游明朝" panose="02020400000000000000" pitchFamily="18" charset="-128"/>
+                <a:ea typeface="游明朝" panose="02020400000000000000" pitchFamily="18" charset="-128"/>
+                <a:cs typeface="Times New Roman" panose="02020603050405020304" pitchFamily="18" charset="0"/>
+              </a:rPr>
+              <a:t>Dao</a:t>
+            </a:r>
+            <a:r>
+              <a:rPr lang="ja-JP" altLang="ja-JP" sz="1800" kern="100" dirty="0">
+                <a:effectLst/>
+                <a:latin typeface="游明朝" panose="02020400000000000000" pitchFamily="18" charset="-128"/>
+                <a:ea typeface="游明朝" panose="02020400000000000000" pitchFamily="18" charset="-128"/>
+                <a:cs typeface="Times New Roman" panose="02020603050405020304" pitchFamily="18" charset="0"/>
+              </a:rPr>
+              <a:t>等に関して理解しきれていないことも多々ある状況でした。</a:t>
+            </a:r>
+          </a:p>
+          <a:p>
+            <a:pPr algn="just"/>
+            <a:r>
+              <a:rPr lang="ja-JP" altLang="ja-JP" sz="1800" kern="100" dirty="0">
+                <a:effectLst/>
+                <a:latin typeface="游明朝" panose="02020400000000000000" pitchFamily="18" charset="-128"/>
+                <a:ea typeface="游明朝" panose="02020400000000000000" pitchFamily="18" charset="-128"/>
+                <a:cs typeface="Times New Roman" panose="02020603050405020304" pitchFamily="18" charset="0"/>
+              </a:rPr>
+              <a:t>そんな状況から開発演習をスタートしました。</a:t>
+            </a:r>
+          </a:p>
+        </p:txBody>
+      </p:sp>
+      <p:sp>
+        <p:nvSpPr>
+          <p:cNvPr id="4" name="スライド番号プレースホルダー 3"/>
+          <p:cNvSpPr>
+            <a:spLocks noGrp="1"/>
+          </p:cNvSpPr>
+          <p:nvPr>
+            <p:ph type="sldNum" sz="quarter" idx="5"/>
+          </p:nvPr>
+        </p:nvSpPr>
+        <p:spPr/>
+        <p:txBody>
+          <a:bodyPr/>
+          <a:lstStyle/>
+          <a:p>
+            <a:fld id="{A89C7E07-3C67-C64C-8DA0-0404F6303970}" type="slidenum">
+              <a:rPr lang="en-US" altLang="ja-JP" smtClean="0"/>
+              <a:pPr/>
+              <a:t>3</a:t>
+            </a:fld>
+            <a:endParaRPr lang="ja-JP" altLang="en-US">
+              <a:latin typeface="Meiryo UI" panose="020B0604030504040204" pitchFamily="50" charset="-128"/>
+              <a:ea typeface="Meiryo UI" panose="020B0604030504040204" pitchFamily="50" charset="-128"/>
+            </a:endParaRPr>
+          </a:p>
+        </p:txBody>
+      </p:sp>
+    </p:spTree>
+    <p:extLst>
+      <p:ext uri="{BB962C8B-B14F-4D97-AF65-F5344CB8AC3E}">
+        <p14:creationId xmlns:p14="http://schemas.microsoft.com/office/powerpoint/2010/main" val="2395086270"/>
+      </p:ext>
+    </p:extLst>
+  </p:cSld>
+  <p:clrMapOvr>
+    <a:masterClrMapping/>
+  </p:clrMapOvr>
+</p:notes>
+</file>
+
+<file path=ppt/notesSlides/notesSlide4.xml><?xml version="1.0" encoding="utf-8"?>
+<p:notes xmlns:a="http://schemas.openxmlformats.org/drawingml/2006/main" xmlns:r="http://schemas.openxmlformats.org/officeDocument/2006/relationships" xmlns:p="http://schemas.openxmlformats.org/presentationml/2006/main">
+  <p:cSld>
+    <p:spTree>
+      <p:nvGrpSpPr>
+        <p:cNvPr id="1" name=""/>
+        <p:cNvGrpSpPr/>
+        <p:nvPr/>
+      </p:nvGrpSpPr>
+      <p:grpSpPr>
+        <a:xfrm>
+          <a:off x="0" y="0"/>
+          <a:ext cx="0" cy="0"/>
+          <a:chOff x="0" y="0"/>
+          <a:chExt cx="0" cy="0"/>
+        </a:xfrm>
+      </p:grpSpPr>
+      <p:sp>
+        <p:nvSpPr>
+          <p:cNvPr id="2" name="スライド イメージ プレースホルダー 1"/>
+          <p:cNvSpPr>
+            <a:spLocks noGrp="1" noRot="1" noChangeAspect="1"/>
+          </p:cNvSpPr>
+          <p:nvPr>
+            <p:ph type="sldImg"/>
+          </p:nvPr>
+        </p:nvSpPr>
+        <p:spPr/>
+      </p:sp>
+      <p:sp>
+        <p:nvSpPr>
+          <p:cNvPr id="3" name="ノート プレースホルダー 2"/>
+          <p:cNvSpPr>
+            <a:spLocks noGrp="1"/>
+          </p:cNvSpPr>
+          <p:nvPr>
+            <p:ph type="body" idx="1"/>
+          </p:nvPr>
+        </p:nvSpPr>
+        <p:spPr/>
+        <p:txBody>
+          <a:bodyPr/>
+          <a:lstStyle/>
+          <a:p>
+            <a:pPr algn="just"/>
+            <a:r>
+              <a:rPr lang="ja-JP" altLang="ja-JP" sz="1800" kern="100" dirty="0">
+                <a:effectLst/>
+                <a:latin typeface="游明朝" panose="02020400000000000000" pitchFamily="18" charset="-128"/>
+                <a:ea typeface="游明朝" panose="02020400000000000000" pitchFamily="18" charset="-128"/>
+                <a:cs typeface="Times New Roman" panose="02020603050405020304" pitchFamily="18" charset="0"/>
+              </a:rPr>
+              <a:t>始めは家計簿管理や食事系、</a:t>
+            </a:r>
+            <a:r>
+              <a:rPr lang="en-US" altLang="ja-JP" sz="1800" kern="100" dirty="0">
+                <a:effectLst/>
+                <a:latin typeface="游明朝" panose="02020400000000000000" pitchFamily="18" charset="-128"/>
+                <a:ea typeface="游明朝" panose="02020400000000000000" pitchFamily="18" charset="-128"/>
+                <a:cs typeface="Times New Roman" panose="02020603050405020304" pitchFamily="18" charset="0"/>
+              </a:rPr>
+              <a:t>plusdojo</a:t>
+            </a:r>
+            <a:r>
+              <a:rPr lang="ja-JP" altLang="ja-JP" sz="1800" kern="100" dirty="0">
+                <a:effectLst/>
+                <a:latin typeface="游明朝" panose="02020400000000000000" pitchFamily="18" charset="-128"/>
+                <a:ea typeface="游明朝" panose="02020400000000000000" pitchFamily="18" charset="-128"/>
+                <a:cs typeface="Times New Roman" panose="02020603050405020304" pitchFamily="18" charset="0"/>
+              </a:rPr>
+              <a:t>に向けたクラス分けアプリなど様々な案が出ました。</a:t>
+            </a:r>
+          </a:p>
+          <a:p>
+            <a:pPr algn="just"/>
+            <a:r>
+              <a:rPr lang="ja-JP" altLang="ja-JP" sz="1800" kern="100" dirty="0">
+                <a:effectLst/>
+                <a:latin typeface="游明朝" panose="02020400000000000000" pitchFamily="18" charset="-128"/>
+                <a:ea typeface="游明朝" panose="02020400000000000000" pitchFamily="18" charset="-128"/>
+                <a:cs typeface="Times New Roman" panose="02020603050405020304" pitchFamily="18" charset="0"/>
+              </a:rPr>
+              <a:t>そんな中で実現可能性やアプリの独自性を鑑みてサブスク管理アプリを開発するに至りました。</a:t>
+            </a:r>
+          </a:p>
+          <a:p>
+            <a:pPr algn="just"/>
+            <a:r>
+              <a:rPr lang="ja-JP" altLang="ja-JP" sz="1800" kern="100" dirty="0">
+                <a:effectLst/>
+                <a:latin typeface="游明朝" panose="02020400000000000000" pitchFamily="18" charset="-128"/>
+                <a:ea typeface="游明朝" panose="02020400000000000000" pitchFamily="18" charset="-128"/>
+                <a:cs typeface="Times New Roman" panose="02020603050405020304" pitchFamily="18" charset="0"/>
+              </a:rPr>
+              <a:t>ペルソナは</a:t>
+            </a:r>
+            <a:r>
+              <a:rPr lang="en-US" altLang="ja-JP" sz="1800" kern="100" dirty="0">
+                <a:effectLst/>
+                <a:latin typeface="游明朝" panose="02020400000000000000" pitchFamily="18" charset="-128"/>
+                <a:ea typeface="游明朝" panose="02020400000000000000" pitchFamily="18" charset="-128"/>
+                <a:cs typeface="Times New Roman" panose="02020603050405020304" pitchFamily="18" charset="0"/>
+              </a:rPr>
+              <a:t>28</a:t>
+            </a:r>
+            <a:r>
+              <a:rPr lang="ja-JP" altLang="ja-JP" sz="1800" kern="100" dirty="0">
+                <a:effectLst/>
+                <a:latin typeface="游明朝" panose="02020400000000000000" pitchFamily="18" charset="-128"/>
+                <a:ea typeface="游明朝" panose="02020400000000000000" pitchFamily="18" charset="-128"/>
+                <a:cs typeface="Times New Roman" panose="02020603050405020304" pitchFamily="18" charset="0"/>
+              </a:rPr>
+              <a:t>歳デザイナーの架空の人物、田中美香子さんを設定しました。自己実現のためにファッションや新しい文化、料理に興味を持っています。これら様々な刺激からクリエイティティを高めています。そんな人のために雑事を考える時間を減らすことが出来る</a:t>
+            </a:r>
+            <a:r>
+              <a:rPr lang="en-US" altLang="ja-JP" sz="1800" kern="100" dirty="0">
+                <a:effectLst/>
+                <a:latin typeface="游明朝" panose="02020400000000000000" pitchFamily="18" charset="-128"/>
+                <a:ea typeface="游明朝" panose="02020400000000000000" pitchFamily="18" charset="-128"/>
+                <a:cs typeface="Times New Roman" panose="02020603050405020304" pitchFamily="18" charset="0"/>
+              </a:rPr>
+              <a:t>SubsKeeper</a:t>
+            </a:r>
+            <a:r>
+              <a:rPr lang="ja-JP" altLang="ja-JP" sz="1800" kern="100" dirty="0">
+                <a:effectLst/>
+                <a:latin typeface="游明朝" panose="02020400000000000000" pitchFamily="18" charset="-128"/>
+                <a:ea typeface="游明朝" panose="02020400000000000000" pitchFamily="18" charset="-128"/>
+                <a:cs typeface="Times New Roman" panose="02020603050405020304" pitchFamily="18" charset="0"/>
+              </a:rPr>
+              <a:t>を開発いたしました。</a:t>
+            </a:r>
+          </a:p>
+          <a:p>
+            <a:pPr algn="just"/>
+            <a:r>
+              <a:rPr lang="en-US" altLang="ja-JP" sz="1800" kern="100" dirty="0">
+                <a:effectLst/>
+                <a:latin typeface="游明朝" panose="02020400000000000000" pitchFamily="18" charset="-128"/>
+                <a:ea typeface="游明朝" panose="02020400000000000000" pitchFamily="18" charset="-128"/>
+                <a:cs typeface="Times New Roman" panose="02020603050405020304" pitchFamily="18" charset="0"/>
+              </a:rPr>
+              <a:t> </a:t>
+            </a:r>
+            <a:endParaRPr lang="ja-JP" altLang="ja-JP" sz="1800" kern="100" dirty="0">
+              <a:effectLst/>
+              <a:latin typeface="游明朝" panose="02020400000000000000" pitchFamily="18" charset="-128"/>
+              <a:ea typeface="游明朝" panose="02020400000000000000" pitchFamily="18" charset="-128"/>
+              <a:cs typeface="Times New Roman" panose="02020603050405020304" pitchFamily="18" charset="0"/>
+            </a:endParaRPr>
+          </a:p>
+          <a:p>
+            <a:pPr algn="just"/>
+            <a:r>
+              <a:rPr lang="en-US" altLang="ja-JP" sz="1800" kern="100" dirty="0">
+                <a:effectLst/>
+                <a:latin typeface="游明朝" panose="02020400000000000000" pitchFamily="18" charset="-128"/>
+                <a:ea typeface="游明朝" panose="02020400000000000000" pitchFamily="18" charset="-128"/>
+                <a:cs typeface="Times New Roman" panose="02020603050405020304" pitchFamily="18" charset="0"/>
+              </a:rPr>
+              <a:t>SubsKeeper</a:t>
+            </a:r>
+            <a:r>
+              <a:rPr lang="ja-JP" altLang="ja-JP" sz="1800" kern="100" dirty="0">
+                <a:effectLst/>
+                <a:latin typeface="游明朝" panose="02020400000000000000" pitchFamily="18" charset="-128"/>
+                <a:ea typeface="游明朝" panose="02020400000000000000" pitchFamily="18" charset="-128"/>
+                <a:cs typeface="Times New Roman" panose="02020603050405020304" pitchFamily="18" charset="0"/>
+              </a:rPr>
+              <a:t>で出来ることは自宅の購入品管理です。</a:t>
+            </a:r>
+            <a:r>
+              <a:rPr lang="ja-JP" altLang="en-US" sz="1800" kern="100" dirty="0">
+                <a:effectLst/>
+                <a:latin typeface="游明朝" panose="02020400000000000000" pitchFamily="18" charset="-128"/>
+                <a:ea typeface="游明朝" panose="02020400000000000000" pitchFamily="18" charset="-128"/>
+                <a:cs typeface="Times New Roman" panose="02020603050405020304" pitchFamily="18" charset="0"/>
+              </a:rPr>
+              <a:t>具体的には</a:t>
+            </a:r>
+            <a:r>
+              <a:rPr lang="ja-JP" altLang="ja-JP" sz="1800" kern="100" dirty="0">
+                <a:effectLst/>
+                <a:latin typeface="游明朝" panose="02020400000000000000" pitchFamily="18" charset="-128"/>
+                <a:ea typeface="游明朝" panose="02020400000000000000" pitchFamily="18" charset="-128"/>
+                <a:cs typeface="Times New Roman" panose="02020603050405020304" pitchFamily="18" charset="0"/>
+              </a:rPr>
+              <a:t>トイレットペーパーやティッシュペーパー等サブスクなどで定期購入するわけではないけど、定期的に買わなければならないものを管理するアプリです。仕組みは簡単です。管理する品物名を入力しその品物が切れる期間を</a:t>
+            </a:r>
+            <a:r>
+              <a:rPr lang="en-US" altLang="ja-JP" sz="1800" kern="100" dirty="0">
+                <a:effectLst/>
+                <a:latin typeface="游明朝" panose="02020400000000000000" pitchFamily="18" charset="-128"/>
+                <a:ea typeface="游明朝" panose="02020400000000000000" pitchFamily="18" charset="-128"/>
+                <a:cs typeface="Times New Roman" panose="02020603050405020304" pitchFamily="18" charset="0"/>
+              </a:rPr>
+              <a:t>1</a:t>
+            </a:r>
+            <a:r>
+              <a:rPr lang="ja-JP" altLang="ja-JP" sz="1800" kern="100" dirty="0">
+                <a:effectLst/>
+                <a:latin typeface="游明朝" panose="02020400000000000000" pitchFamily="18" charset="-128"/>
+                <a:ea typeface="游明朝" panose="02020400000000000000" pitchFamily="18" charset="-128"/>
+                <a:cs typeface="Times New Roman" panose="02020603050405020304" pitchFamily="18" charset="0"/>
+              </a:rPr>
+              <a:t>か月、</a:t>
+            </a:r>
+            <a:r>
+              <a:rPr lang="en-US" altLang="ja-JP" sz="1800" kern="100" dirty="0">
+                <a:effectLst/>
+                <a:latin typeface="游明朝" panose="02020400000000000000" pitchFamily="18" charset="-128"/>
+                <a:ea typeface="游明朝" panose="02020400000000000000" pitchFamily="18" charset="-128"/>
+                <a:cs typeface="Times New Roman" panose="02020603050405020304" pitchFamily="18" charset="0"/>
+              </a:rPr>
+              <a:t>3</a:t>
+            </a:r>
+            <a:r>
+              <a:rPr lang="ja-JP" altLang="ja-JP" sz="1800" kern="100" dirty="0">
+                <a:effectLst/>
+                <a:latin typeface="游明朝" panose="02020400000000000000" pitchFamily="18" charset="-128"/>
+                <a:ea typeface="游明朝" panose="02020400000000000000" pitchFamily="18" charset="-128"/>
+                <a:cs typeface="Times New Roman" panose="02020603050405020304" pitchFamily="18" charset="0"/>
+              </a:rPr>
+              <a:t>か月等で設定します。その設定に合わせてメモリが</a:t>
+            </a:r>
+            <a:r>
+              <a:rPr lang="en-US" altLang="ja-JP" sz="1800" kern="100" dirty="0">
+                <a:effectLst/>
+                <a:latin typeface="游明朝" panose="02020400000000000000" pitchFamily="18" charset="-128"/>
+                <a:ea typeface="游明朝" panose="02020400000000000000" pitchFamily="18" charset="-128"/>
+                <a:cs typeface="Times New Roman" panose="02020603050405020304" pitchFamily="18" charset="0"/>
+              </a:rPr>
+              <a:t>1</a:t>
+            </a:r>
+            <a:r>
+              <a:rPr lang="ja-JP" altLang="ja-JP" sz="1800" kern="100" dirty="0">
+                <a:effectLst/>
+                <a:latin typeface="游明朝" panose="02020400000000000000" pitchFamily="18" charset="-128"/>
+                <a:ea typeface="游明朝" panose="02020400000000000000" pitchFamily="18" charset="-128"/>
+                <a:cs typeface="Times New Roman" panose="02020603050405020304" pitchFamily="18" charset="0"/>
+              </a:rPr>
+              <a:t>日に決まった分量減っていきます。そうして減っていったメモリが赤くなってきたら普段の使い方だと無くなることが分かります。そして、実際に確認していただいて無くなりそうであったら買い物に、まだ残っていたらメモリを残っている分量に合わせて操作していただきます。そうすることでメモリが赤くなるまでは確認しなくて良くなるため、管理の手間が軽減されるという事です。</a:t>
+            </a:r>
+          </a:p>
+          <a:p>
+            <a:pPr algn="just"/>
+            <a:r>
+              <a:rPr lang="ja-JP" altLang="ja-JP" sz="1800" kern="100" dirty="0">
+                <a:effectLst/>
+                <a:latin typeface="游明朝" panose="02020400000000000000" pitchFamily="18" charset="-128"/>
+                <a:ea typeface="游明朝" panose="02020400000000000000" pitchFamily="18" charset="-128"/>
+                <a:cs typeface="Times New Roman" panose="02020603050405020304" pitchFamily="18" charset="0"/>
+              </a:rPr>
+              <a:t>今説明したことの理解を深めていただくために動画を用意したのでそちらを一度ご覧ください。</a:t>
+            </a:r>
+          </a:p>
+        </p:txBody>
+      </p:sp>
+      <p:sp>
+        <p:nvSpPr>
+          <p:cNvPr id="4" name="スライド番号プレースホルダー 3"/>
+          <p:cNvSpPr>
+            <a:spLocks noGrp="1"/>
+          </p:cNvSpPr>
+          <p:nvPr>
+            <p:ph type="sldNum" sz="quarter" idx="5"/>
+          </p:nvPr>
+        </p:nvSpPr>
+        <p:spPr/>
+        <p:txBody>
+          <a:bodyPr/>
+          <a:lstStyle/>
+          <a:p>
+            <a:fld id="{A89C7E07-3C67-C64C-8DA0-0404F6303970}" type="slidenum">
+              <a:rPr lang="en-US" altLang="ja-JP" smtClean="0"/>
+              <a:pPr/>
+              <a:t>4</a:t>
+            </a:fld>
+            <a:endParaRPr lang="ja-JP" altLang="en-US">
+              <a:latin typeface="Meiryo UI" panose="020B0604030504040204" pitchFamily="50" charset="-128"/>
+              <a:ea typeface="Meiryo UI" panose="020B0604030504040204" pitchFamily="50" charset="-128"/>
+            </a:endParaRPr>
+          </a:p>
+        </p:txBody>
+      </p:sp>
+    </p:spTree>
+    <p:extLst>
+      <p:ext uri="{BB962C8B-B14F-4D97-AF65-F5344CB8AC3E}">
+        <p14:creationId xmlns:p14="http://schemas.microsoft.com/office/powerpoint/2010/main" val="1749799413"/>
+      </p:ext>
+    </p:extLst>
+  </p:cSld>
+  <p:clrMapOvr>
+    <a:masterClrMapping/>
+  </p:clrMapOvr>
+</p:notes>
+</file>
+
+<file path=ppt/notesSlides/notesSlide5.xml><?xml version="1.0" encoding="utf-8"?>
+<p:notes xmlns:a="http://schemas.openxmlformats.org/drawingml/2006/main" xmlns:r="http://schemas.openxmlformats.org/officeDocument/2006/relationships" xmlns:p="http://schemas.openxmlformats.org/presentationml/2006/main">
+  <p:cSld>
+    <p:spTree>
+      <p:nvGrpSpPr>
+        <p:cNvPr id="1" name=""/>
+        <p:cNvGrpSpPr/>
+        <p:nvPr/>
+      </p:nvGrpSpPr>
+      <p:grpSpPr>
+        <a:xfrm>
+          <a:off x="0" y="0"/>
+          <a:ext cx="0" cy="0"/>
+          <a:chOff x="0" y="0"/>
+          <a:chExt cx="0" cy="0"/>
+        </a:xfrm>
+      </p:grpSpPr>
+      <p:sp>
+        <p:nvSpPr>
+          <p:cNvPr id="2" name="スライド イメージ プレースホルダー 1"/>
+          <p:cNvSpPr>
+            <a:spLocks noGrp="1" noRot="1" noChangeAspect="1"/>
+          </p:cNvSpPr>
+          <p:nvPr>
+            <p:ph type="sldImg"/>
+          </p:nvPr>
+        </p:nvSpPr>
+        <p:spPr/>
+      </p:sp>
+      <p:sp>
+        <p:nvSpPr>
+          <p:cNvPr id="3" name="ノート プレースホルダー 2"/>
+          <p:cNvSpPr>
+            <a:spLocks noGrp="1"/>
+          </p:cNvSpPr>
+          <p:nvPr>
+            <p:ph type="body" idx="1"/>
+          </p:nvPr>
+        </p:nvSpPr>
+        <p:spPr/>
+        <p:txBody>
+          <a:bodyPr/>
+          <a:lstStyle/>
+          <a:p>
+            <a:pPr indent="133350" algn="just"/>
+            <a:r>
+              <a:rPr lang="en-US" altLang="ja-JP" sz="1800" kern="100" dirty="0">
+                <a:effectLst/>
+                <a:latin typeface="游明朝" panose="02020400000000000000" pitchFamily="18" charset="-128"/>
+                <a:ea typeface="游明朝" panose="02020400000000000000" pitchFamily="18" charset="-128"/>
+                <a:cs typeface="Times New Roman" panose="02020603050405020304" pitchFamily="18" charset="0"/>
+              </a:rPr>
+              <a:t>5</a:t>
+            </a:r>
+            <a:r>
+              <a:rPr lang="ja-JP" altLang="ja-JP" sz="1800" kern="100" dirty="0">
+                <a:effectLst/>
+                <a:latin typeface="游明朝" panose="02020400000000000000" pitchFamily="18" charset="-128"/>
+                <a:ea typeface="游明朝" panose="02020400000000000000" pitchFamily="18" charset="-128"/>
+                <a:cs typeface="Times New Roman" panose="02020603050405020304" pitchFamily="18" charset="0"/>
+              </a:rPr>
+              <a:t>月とは違いチームでの開発でありコミュニケーションや情報共有が重要になると考え、様々なサービスやアプリを利用しました。</a:t>
+            </a:r>
+          </a:p>
+          <a:p>
+            <a:pPr indent="133350" algn="just"/>
+            <a:r>
+              <a:rPr lang="ja-JP" altLang="ja-JP" sz="1800" kern="100" dirty="0">
+                <a:effectLst/>
+                <a:latin typeface="游明朝" panose="02020400000000000000" pitchFamily="18" charset="-128"/>
+                <a:ea typeface="游明朝" panose="02020400000000000000" pitchFamily="18" charset="-128"/>
+                <a:cs typeface="Times New Roman" panose="02020603050405020304" pitchFamily="18" charset="0"/>
+              </a:rPr>
+              <a:t>具体的には</a:t>
+            </a:r>
+            <a:r>
+              <a:rPr lang="en-US" altLang="ja-JP" sz="1800" kern="100" dirty="0">
+                <a:solidFill>
+                  <a:srgbClr val="1D1C1D"/>
+                </a:solidFill>
+                <a:effectLst/>
+                <a:latin typeface="Arial" panose="020B0604020202020204" pitchFamily="34" charset="0"/>
+                <a:ea typeface="游明朝" panose="02020400000000000000" pitchFamily="18" charset="-128"/>
+                <a:cs typeface="Times New Roman" panose="02020603050405020304" pitchFamily="18" charset="0"/>
+              </a:rPr>
+              <a:t>Google</a:t>
+            </a:r>
+            <a:r>
+              <a:rPr lang="ja-JP" altLang="ja-JP" sz="1800" kern="100" dirty="0">
+                <a:solidFill>
+                  <a:srgbClr val="1D1C1D"/>
+                </a:solidFill>
+                <a:effectLst/>
+                <a:latin typeface="Arial" panose="020B0604020202020204" pitchFamily="34" charset="0"/>
+                <a:ea typeface="游明朝" panose="02020400000000000000" pitchFamily="18" charset="-128"/>
+                <a:cs typeface="Arial" panose="020B0604020202020204" pitchFamily="34" charset="0"/>
+              </a:rPr>
+              <a:t>ドキュメントで議事録。</a:t>
+            </a:r>
+            <a:r>
+              <a:rPr lang="en-US" altLang="ja-JP" sz="1800" kern="100" dirty="0">
+                <a:solidFill>
+                  <a:srgbClr val="1D1C1D"/>
+                </a:solidFill>
+                <a:effectLst/>
+                <a:latin typeface="Arial" panose="020B0604020202020204" pitchFamily="34" charset="0"/>
+                <a:ea typeface="游明朝" panose="02020400000000000000" pitchFamily="18" charset="-128"/>
+                <a:cs typeface="Times New Roman" panose="02020603050405020304" pitchFamily="18" charset="0"/>
+              </a:rPr>
+              <a:t>Google</a:t>
+            </a:r>
+            <a:r>
+              <a:rPr lang="ja-JP" altLang="ja-JP" sz="1800" kern="100" dirty="0">
+                <a:solidFill>
+                  <a:srgbClr val="1D1C1D"/>
+                </a:solidFill>
+                <a:effectLst/>
+                <a:latin typeface="Arial" panose="020B0604020202020204" pitchFamily="34" charset="0"/>
+                <a:ea typeface="游明朝" panose="02020400000000000000" pitchFamily="18" charset="-128"/>
+                <a:cs typeface="Arial" panose="020B0604020202020204" pitchFamily="34" charset="0"/>
+              </a:rPr>
+              <a:t>スプレッドシートでガントチャートやスケジュール表、課題管理表。</a:t>
+            </a:r>
+            <a:r>
+              <a:rPr lang="en-US" altLang="ja-JP" sz="1800" kern="100" dirty="0">
+                <a:solidFill>
+                  <a:srgbClr val="1D1C1D"/>
+                </a:solidFill>
+                <a:effectLst/>
+                <a:latin typeface="Arial" panose="020B0604020202020204" pitchFamily="34" charset="0"/>
+                <a:ea typeface="游明朝" panose="02020400000000000000" pitchFamily="18" charset="-128"/>
+                <a:cs typeface="Times New Roman" panose="02020603050405020304" pitchFamily="18" charset="0"/>
+              </a:rPr>
+              <a:t>Google</a:t>
+            </a:r>
+            <a:r>
+              <a:rPr lang="ja-JP" altLang="ja-JP" sz="1800" kern="100" dirty="0">
+                <a:solidFill>
+                  <a:srgbClr val="1D1C1D"/>
+                </a:solidFill>
+                <a:effectLst/>
+                <a:latin typeface="Arial" panose="020B0604020202020204" pitchFamily="34" charset="0"/>
+                <a:ea typeface="游明朝" panose="02020400000000000000" pitchFamily="18" charset="-128"/>
+                <a:cs typeface="Arial" panose="020B0604020202020204" pitchFamily="34" charset="0"/>
+              </a:rPr>
+              <a:t>スライドで画面イメージや画面遷移図。</a:t>
+            </a:r>
+            <a:r>
+              <a:rPr lang="en-US" altLang="ja-JP" sz="1800" kern="100" dirty="0">
+                <a:solidFill>
+                  <a:srgbClr val="1D1C1D"/>
+                </a:solidFill>
+                <a:effectLst/>
+                <a:latin typeface="Arial" panose="020B0604020202020204" pitchFamily="34" charset="0"/>
+                <a:ea typeface="游明朝" panose="02020400000000000000" pitchFamily="18" charset="-128"/>
+                <a:cs typeface="Times New Roman" panose="02020603050405020304" pitchFamily="18" charset="0"/>
+              </a:rPr>
+              <a:t>Slack</a:t>
+            </a:r>
+            <a:r>
+              <a:rPr lang="ja-JP" altLang="ja-JP" sz="1800" kern="100" dirty="0">
+                <a:solidFill>
+                  <a:srgbClr val="1D1C1D"/>
+                </a:solidFill>
+                <a:effectLst/>
+                <a:latin typeface="Arial" panose="020B0604020202020204" pitchFamily="34" charset="0"/>
+                <a:ea typeface="游明朝" panose="02020400000000000000" pitchFamily="18" charset="-128"/>
+                <a:cs typeface="Arial" panose="020B0604020202020204" pitchFamily="34" charset="0"/>
+              </a:rPr>
+              <a:t>や</a:t>
+            </a:r>
+            <a:r>
+              <a:rPr lang="en-US" altLang="ja-JP" sz="1800" kern="100" dirty="0">
+                <a:solidFill>
+                  <a:srgbClr val="1D1C1D"/>
+                </a:solidFill>
+                <a:effectLst/>
+                <a:latin typeface="Arial" panose="020B0604020202020204" pitchFamily="34" charset="0"/>
+                <a:ea typeface="游明朝" panose="02020400000000000000" pitchFamily="18" charset="-128"/>
+                <a:cs typeface="Times New Roman" panose="02020603050405020304" pitchFamily="18" charset="0"/>
+              </a:rPr>
+              <a:t>LINE</a:t>
+            </a:r>
+            <a:r>
+              <a:rPr lang="ja-JP" altLang="ja-JP" sz="1800" kern="100" dirty="0">
+                <a:solidFill>
+                  <a:srgbClr val="1D1C1D"/>
+                </a:solidFill>
+                <a:effectLst/>
+                <a:latin typeface="Arial" panose="020B0604020202020204" pitchFamily="34" charset="0"/>
+                <a:ea typeface="游明朝" panose="02020400000000000000" pitchFamily="18" charset="-128"/>
+                <a:cs typeface="Arial" panose="020B0604020202020204" pitchFamily="34" charset="0"/>
+              </a:rPr>
+              <a:t>グループ</a:t>
+            </a:r>
+            <a:r>
+              <a:rPr lang="ja-JP" altLang="ja-JP" sz="1800" kern="100" dirty="0">
+                <a:effectLst/>
+                <a:latin typeface="游明朝" panose="02020400000000000000" pitchFamily="18" charset="-128"/>
+                <a:ea typeface="游明朝" panose="02020400000000000000" pitchFamily="18" charset="-128"/>
+                <a:cs typeface="Times New Roman" panose="02020603050405020304" pitchFamily="18" charset="0"/>
+              </a:rPr>
+              <a:t>で迅速なコミュニケーションを行いました。</a:t>
+            </a:r>
+          </a:p>
+          <a:p>
+            <a:pPr indent="133350" algn="just"/>
+            <a:r>
+              <a:rPr lang="ja-JP" altLang="ja-JP" sz="1800" kern="100" dirty="0">
+                <a:solidFill>
+                  <a:srgbClr val="1D1C1D"/>
+                </a:solidFill>
+                <a:effectLst/>
+                <a:latin typeface="Arial" panose="020B0604020202020204" pitchFamily="34" charset="0"/>
+                <a:ea typeface="游明朝" panose="02020400000000000000" pitchFamily="18" charset="-128"/>
+                <a:cs typeface="Arial" panose="020B0604020202020204" pitchFamily="34" charset="0"/>
+              </a:rPr>
+              <a:t>プロジェクト進行・管理で特に役に立ったのがガントチャート、議事録、</a:t>
+            </a:r>
+            <a:r>
+              <a:rPr lang="en-US" altLang="ja-JP" sz="1800" kern="100" dirty="0">
+                <a:solidFill>
+                  <a:srgbClr val="1D1C1D"/>
+                </a:solidFill>
+                <a:effectLst/>
+                <a:latin typeface="Arial" panose="020B0604020202020204" pitchFamily="34" charset="0"/>
+                <a:ea typeface="游明朝" panose="02020400000000000000" pitchFamily="18" charset="-128"/>
+                <a:cs typeface="Times New Roman" panose="02020603050405020304" pitchFamily="18" charset="0"/>
+              </a:rPr>
+              <a:t>Google</a:t>
+            </a:r>
+            <a:r>
+              <a:rPr lang="ja-JP" altLang="ja-JP" sz="1800" kern="100" dirty="0">
+                <a:solidFill>
+                  <a:srgbClr val="1D1C1D"/>
+                </a:solidFill>
+                <a:effectLst/>
+                <a:latin typeface="Arial" panose="020B0604020202020204" pitchFamily="34" charset="0"/>
+                <a:ea typeface="游明朝" panose="02020400000000000000" pitchFamily="18" charset="-128"/>
+                <a:cs typeface="Arial" panose="020B0604020202020204" pitchFamily="34" charset="0"/>
+              </a:rPr>
+              <a:t>スライドです。</a:t>
+            </a:r>
+            <a:endParaRPr lang="ja-JP" altLang="ja-JP" sz="1800" kern="100" dirty="0">
+              <a:effectLst/>
+              <a:latin typeface="游明朝" panose="02020400000000000000" pitchFamily="18" charset="-128"/>
+              <a:ea typeface="游明朝" panose="02020400000000000000" pitchFamily="18" charset="-128"/>
+              <a:cs typeface="Times New Roman" panose="02020603050405020304" pitchFamily="18" charset="0"/>
+            </a:endParaRPr>
+          </a:p>
+          <a:p>
+            <a:pPr indent="133350" algn="just"/>
+            <a:r>
+              <a:rPr lang="ja-JP" altLang="ja-JP" sz="1800" kern="100" dirty="0">
+                <a:solidFill>
+                  <a:srgbClr val="1D1C1D"/>
+                </a:solidFill>
+                <a:effectLst/>
+                <a:latin typeface="Arial" panose="020B0604020202020204" pitchFamily="34" charset="0"/>
+                <a:ea typeface="游明朝" panose="02020400000000000000" pitchFamily="18" charset="-128"/>
+                <a:cs typeface="Arial" panose="020B0604020202020204" pitchFamily="34" charset="0"/>
+              </a:rPr>
+              <a:t>ガントチャートは毎日更新することで進んでいたり遅れていたりする箇所が可視化されました。可視化されることでスケジュール調整や遅れている箇所に力を入れることが容易でした。</a:t>
+            </a:r>
+            <a:endParaRPr lang="ja-JP" altLang="ja-JP" sz="1800" kern="100" dirty="0">
+              <a:effectLst/>
+              <a:latin typeface="游明朝" panose="02020400000000000000" pitchFamily="18" charset="-128"/>
+              <a:ea typeface="游明朝" panose="02020400000000000000" pitchFamily="18" charset="-128"/>
+              <a:cs typeface="Times New Roman" panose="02020603050405020304" pitchFamily="18" charset="0"/>
+            </a:endParaRPr>
+          </a:p>
+          <a:p>
+            <a:pPr indent="133350" algn="just"/>
+            <a:r>
+              <a:rPr lang="ja-JP" altLang="ja-JP" sz="1800" kern="100" dirty="0">
+                <a:solidFill>
+                  <a:srgbClr val="1D1C1D"/>
+                </a:solidFill>
+                <a:effectLst/>
+                <a:latin typeface="Arial" panose="020B0604020202020204" pitchFamily="34" charset="0"/>
+                <a:ea typeface="游明朝" panose="02020400000000000000" pitchFamily="18" charset="-128"/>
+                <a:cs typeface="Arial" panose="020B0604020202020204" pitchFamily="34" charset="0"/>
+              </a:rPr>
+              <a:t>議事録ではガントチャートだけでは分からない詳細な進捗を共有することが出来ました。</a:t>
+            </a:r>
+            <a:endParaRPr lang="ja-JP" altLang="ja-JP" sz="1800" kern="100" dirty="0">
+              <a:effectLst/>
+              <a:latin typeface="游明朝" panose="02020400000000000000" pitchFamily="18" charset="-128"/>
+              <a:ea typeface="游明朝" panose="02020400000000000000" pitchFamily="18" charset="-128"/>
+              <a:cs typeface="Times New Roman" panose="02020603050405020304" pitchFamily="18" charset="0"/>
+            </a:endParaRPr>
+          </a:p>
+          <a:p>
+            <a:pPr indent="133350" algn="just"/>
+            <a:r>
+              <a:rPr lang="en-US" altLang="ja-JP" sz="1800" kern="100" dirty="0">
+                <a:solidFill>
+                  <a:srgbClr val="1D1C1D"/>
+                </a:solidFill>
+                <a:effectLst/>
+                <a:latin typeface="Arial" panose="020B0604020202020204" pitchFamily="34" charset="0"/>
+                <a:ea typeface="游明朝" panose="02020400000000000000" pitchFamily="18" charset="-128"/>
+                <a:cs typeface="Times New Roman" panose="02020603050405020304" pitchFamily="18" charset="0"/>
+              </a:rPr>
+              <a:t>Google</a:t>
+            </a:r>
+            <a:r>
+              <a:rPr lang="ja-JP" altLang="ja-JP" sz="1800" kern="100" dirty="0">
+                <a:solidFill>
+                  <a:srgbClr val="1D1C1D"/>
+                </a:solidFill>
+                <a:effectLst/>
+                <a:latin typeface="Arial" panose="020B0604020202020204" pitchFamily="34" charset="0"/>
+                <a:ea typeface="游明朝" panose="02020400000000000000" pitchFamily="18" charset="-128"/>
+                <a:cs typeface="Arial" panose="020B0604020202020204" pitchFamily="34" charset="0"/>
+              </a:rPr>
+              <a:t>スライドでは言葉だけではなかなか一致しない画面イメージを図に書いて共有することで迅速に設計書作成を進めることが出来ました。</a:t>
+            </a:r>
+            <a:endParaRPr lang="ja-JP" altLang="ja-JP" sz="1800" kern="100" dirty="0">
+              <a:effectLst/>
+              <a:latin typeface="游明朝" panose="02020400000000000000" pitchFamily="18" charset="-128"/>
+              <a:ea typeface="游明朝" panose="02020400000000000000" pitchFamily="18" charset="-128"/>
+              <a:cs typeface="Times New Roman" panose="02020603050405020304" pitchFamily="18" charset="0"/>
+            </a:endParaRPr>
+          </a:p>
+        </p:txBody>
+      </p:sp>
+      <p:sp>
+        <p:nvSpPr>
+          <p:cNvPr id="4" name="スライド番号プレースホルダー 3"/>
+          <p:cNvSpPr>
+            <a:spLocks noGrp="1"/>
+          </p:cNvSpPr>
+          <p:nvPr>
+            <p:ph type="sldNum" sz="quarter" idx="5"/>
+          </p:nvPr>
+        </p:nvSpPr>
+        <p:spPr/>
+        <p:txBody>
+          <a:bodyPr/>
+          <a:lstStyle/>
+          <a:p>
+            <a:fld id="{A89C7E07-3C67-C64C-8DA0-0404F6303970}" type="slidenum">
+              <a:rPr lang="en-US" altLang="ja-JP" smtClean="0"/>
+              <a:pPr/>
+              <a:t>5</a:t>
+            </a:fld>
+            <a:endParaRPr lang="ja-JP" altLang="en-US">
+              <a:latin typeface="Meiryo UI" panose="020B0604030504040204" pitchFamily="50" charset="-128"/>
+              <a:ea typeface="Meiryo UI" panose="020B0604030504040204" pitchFamily="50" charset="-128"/>
+            </a:endParaRPr>
+          </a:p>
+        </p:txBody>
+      </p:sp>
+    </p:spTree>
+    <p:extLst>
+      <p:ext uri="{BB962C8B-B14F-4D97-AF65-F5344CB8AC3E}">
+        <p14:creationId xmlns:p14="http://schemas.microsoft.com/office/powerpoint/2010/main" val="99020736"/>
+      </p:ext>
+    </p:extLst>
+  </p:cSld>
+  <p:clrMapOvr>
+    <a:masterClrMapping/>
+  </p:clrMapOvr>
+</p:notes>
+</file>
+
+<file path=ppt/notesSlides/notesSlide6.xml><?xml version="1.0" encoding="utf-8"?>
+<p:notes xmlns:a="http://schemas.openxmlformats.org/drawingml/2006/main" xmlns:r="http://schemas.openxmlformats.org/officeDocument/2006/relationships" xmlns:p="http://schemas.openxmlformats.org/presentationml/2006/main">
+  <p:cSld>
+    <p:spTree>
+      <p:nvGrpSpPr>
+        <p:cNvPr id="1" name=""/>
+        <p:cNvGrpSpPr/>
+        <p:nvPr/>
+      </p:nvGrpSpPr>
+      <p:grpSpPr>
+        <a:xfrm>
+          <a:off x="0" y="0"/>
+          <a:ext cx="0" cy="0"/>
+          <a:chOff x="0" y="0"/>
+          <a:chExt cx="0" cy="0"/>
+        </a:xfrm>
+      </p:grpSpPr>
+      <p:sp>
+        <p:nvSpPr>
+          <p:cNvPr id="2" name="スライド イメージ プレースホルダー 1"/>
+          <p:cNvSpPr>
+            <a:spLocks noGrp="1" noRot="1" noChangeAspect="1"/>
+          </p:cNvSpPr>
+          <p:nvPr>
+            <p:ph type="sldImg"/>
+          </p:nvPr>
+        </p:nvSpPr>
+        <p:spPr/>
+      </p:sp>
+      <p:sp>
+        <p:nvSpPr>
+          <p:cNvPr id="3" name="ノート プレースホルダー 2"/>
+          <p:cNvSpPr>
+            <a:spLocks noGrp="1"/>
+          </p:cNvSpPr>
+          <p:nvPr>
+            <p:ph type="body" idx="1"/>
+          </p:nvPr>
+        </p:nvSpPr>
+        <p:spPr/>
+        <p:txBody>
+          <a:bodyPr/>
+          <a:lstStyle/>
+          <a:p>
+            <a:pPr>
+              <a:spcBef>
+                <a:spcPts val="1600"/>
+              </a:spcBef>
+              <a:spcAft>
+                <a:spcPts val="400"/>
+              </a:spcAft>
+            </a:pPr>
+            <a:r>
+              <a:rPr lang="ja-JP" altLang="ja-JP" sz="1800" dirty="0">
+                <a:solidFill>
+                  <a:srgbClr val="1D1C1D"/>
+                </a:solidFill>
+                <a:effectLst/>
+                <a:latin typeface="Arial" panose="020B0604020202020204" pitchFamily="34" charset="0"/>
+                <a:ea typeface="ＭＳ Ｐゴシック" panose="020B0600070205080204" pitchFamily="50" charset="-128"/>
+                <a:cs typeface="Arial" panose="020B0604020202020204" pitchFamily="34" charset="0"/>
+              </a:rPr>
+              <a:t>コストマネジメント・タイムマネジメントにおいては主に４つ重要なことがあったと考えています。</a:t>
+            </a:r>
+            <a:endParaRPr lang="ja-JP" altLang="ja-JP" sz="1800" dirty="0">
+              <a:effectLst/>
+              <a:latin typeface="ＭＳ Ｐゴシック" panose="020B0600070205080204" pitchFamily="50" charset="-128"/>
+              <a:ea typeface="ＭＳ Ｐゴシック" panose="020B0600070205080204" pitchFamily="50" charset="-128"/>
+              <a:cs typeface="ＭＳ Ｐゴシック" panose="020B0600070205080204" pitchFamily="50" charset="-128"/>
+            </a:endParaRPr>
+          </a:p>
+          <a:p>
+            <a:pPr>
+              <a:spcBef>
+                <a:spcPts val="1600"/>
+              </a:spcBef>
+              <a:spcAft>
+                <a:spcPts val="400"/>
+              </a:spcAft>
+            </a:pPr>
+            <a:r>
+              <a:rPr lang="en-US" altLang="ja-JP" sz="1800" dirty="0">
+                <a:solidFill>
+                  <a:srgbClr val="1D1C1D"/>
+                </a:solidFill>
+                <a:effectLst/>
+                <a:latin typeface="Arial" panose="020B0604020202020204" pitchFamily="34" charset="0"/>
+                <a:ea typeface="ＭＳ Ｐゴシック" panose="020B0600070205080204" pitchFamily="50" charset="-128"/>
+                <a:cs typeface="ＭＳ Ｐゴシック" panose="020B0600070205080204" pitchFamily="50" charset="-128"/>
+              </a:rPr>
+              <a:t>1</a:t>
+            </a:r>
+            <a:r>
+              <a:rPr lang="ja-JP" altLang="ja-JP" sz="1800" dirty="0">
+                <a:solidFill>
+                  <a:srgbClr val="1D1C1D"/>
+                </a:solidFill>
+                <a:effectLst/>
+                <a:latin typeface="Arial" panose="020B0604020202020204" pitchFamily="34" charset="0"/>
+                <a:ea typeface="ＭＳ Ｐゴシック" panose="020B0600070205080204" pitchFamily="50" charset="-128"/>
+                <a:cs typeface="Arial" panose="020B0604020202020204" pitchFamily="34" charset="0"/>
+              </a:rPr>
+              <a:t>つ目がスケジュールの管理を大枠と詳細２つで管理したことです。これにより日々の目標、到達度合いから大枠のスケジュールが達成できるか意識しながら取り組むことが出来ました。</a:t>
+            </a:r>
+            <a:endParaRPr lang="ja-JP" altLang="ja-JP" sz="1800" dirty="0">
+              <a:effectLst/>
+              <a:latin typeface="ＭＳ Ｐゴシック" panose="020B0600070205080204" pitchFamily="50" charset="-128"/>
+              <a:ea typeface="ＭＳ Ｐゴシック" panose="020B0600070205080204" pitchFamily="50" charset="-128"/>
+              <a:cs typeface="ＭＳ Ｐゴシック" panose="020B0600070205080204" pitchFamily="50" charset="-128"/>
+            </a:endParaRPr>
+          </a:p>
+          <a:p>
+            <a:pPr>
+              <a:spcBef>
+                <a:spcPts val="1600"/>
+              </a:spcBef>
+              <a:spcAft>
+                <a:spcPts val="400"/>
+              </a:spcAft>
+            </a:pPr>
+            <a:r>
+              <a:rPr lang="en-US" altLang="ja-JP" sz="1800" dirty="0">
+                <a:solidFill>
+                  <a:srgbClr val="1D1C1D"/>
+                </a:solidFill>
+                <a:effectLst/>
+                <a:latin typeface="Arial" panose="020B0604020202020204" pitchFamily="34" charset="0"/>
+                <a:ea typeface="ＭＳ Ｐゴシック" panose="020B0600070205080204" pitchFamily="50" charset="-128"/>
+                <a:cs typeface="ＭＳ Ｐゴシック" panose="020B0600070205080204" pitchFamily="50" charset="-128"/>
+              </a:rPr>
+              <a:t>2</a:t>
+            </a:r>
+            <a:r>
+              <a:rPr lang="ja-JP" altLang="ja-JP" sz="1800" dirty="0">
+                <a:solidFill>
+                  <a:srgbClr val="1D1C1D"/>
+                </a:solidFill>
+                <a:effectLst/>
+                <a:latin typeface="Arial" panose="020B0604020202020204" pitchFamily="34" charset="0"/>
+                <a:ea typeface="ＭＳ Ｐゴシック" panose="020B0600070205080204" pitchFamily="50" charset="-128"/>
+                <a:cs typeface="Arial" panose="020B0604020202020204" pitchFamily="34" charset="0"/>
+              </a:rPr>
+              <a:t>つ目がページごとに分担したことです。これによりコード理解の効率化が出来ました。また、</a:t>
+            </a:r>
+            <a:r>
+              <a:rPr lang="en-US" altLang="ja-JP" sz="1800" dirty="0" err="1">
+                <a:solidFill>
+                  <a:srgbClr val="1D1C1D"/>
+                </a:solidFill>
+                <a:effectLst/>
+                <a:latin typeface="Arial" panose="020B0604020202020204" pitchFamily="34" charset="0"/>
+                <a:ea typeface="ＭＳ Ｐゴシック" panose="020B0600070205080204" pitchFamily="50" charset="-128"/>
+                <a:cs typeface="ＭＳ Ｐゴシック" panose="020B0600070205080204" pitchFamily="50" charset="-128"/>
+              </a:rPr>
+              <a:t>Github</a:t>
+            </a:r>
+            <a:r>
+              <a:rPr lang="ja-JP" altLang="ja-JP" sz="1800" dirty="0">
+                <a:solidFill>
+                  <a:srgbClr val="1D1C1D"/>
+                </a:solidFill>
+                <a:effectLst/>
+                <a:latin typeface="Arial" panose="020B0604020202020204" pitchFamily="34" charset="0"/>
+                <a:ea typeface="ＭＳ Ｐゴシック" panose="020B0600070205080204" pitchFamily="50" charset="-128"/>
+                <a:cs typeface="Arial" panose="020B0604020202020204" pitchFamily="34" charset="0"/>
+              </a:rPr>
+              <a:t>で衝突のリスク回避ができ、エラーで手が止まる時間を短くすることが出来ました。</a:t>
+            </a:r>
+            <a:endParaRPr lang="ja-JP" altLang="ja-JP" sz="1800" dirty="0">
+              <a:effectLst/>
+              <a:latin typeface="ＭＳ Ｐゴシック" panose="020B0600070205080204" pitchFamily="50" charset="-128"/>
+              <a:ea typeface="ＭＳ Ｐゴシック" panose="020B0600070205080204" pitchFamily="50" charset="-128"/>
+              <a:cs typeface="ＭＳ Ｐゴシック" panose="020B0600070205080204" pitchFamily="50" charset="-128"/>
+            </a:endParaRPr>
+          </a:p>
+          <a:p>
+            <a:pPr>
+              <a:spcBef>
+                <a:spcPts val="1600"/>
+              </a:spcBef>
+              <a:spcAft>
+                <a:spcPts val="400"/>
+              </a:spcAft>
+            </a:pPr>
+            <a:r>
+              <a:rPr lang="en-US" altLang="ja-JP" sz="1800" dirty="0">
+                <a:solidFill>
+                  <a:srgbClr val="1D1C1D"/>
+                </a:solidFill>
+                <a:effectLst/>
+                <a:latin typeface="Arial" panose="020B0604020202020204" pitchFamily="34" charset="0"/>
+                <a:ea typeface="ＭＳ Ｐゴシック" panose="020B0600070205080204" pitchFamily="50" charset="-128"/>
+                <a:cs typeface="ＭＳ Ｐゴシック" panose="020B0600070205080204" pitchFamily="50" charset="-128"/>
+              </a:rPr>
+              <a:t>3</a:t>
+            </a:r>
+            <a:r>
+              <a:rPr lang="ja-JP" altLang="ja-JP" sz="1800" dirty="0">
+                <a:solidFill>
+                  <a:srgbClr val="1D1C1D"/>
+                </a:solidFill>
+                <a:effectLst/>
+                <a:latin typeface="Arial" panose="020B0604020202020204" pitchFamily="34" charset="0"/>
+                <a:ea typeface="ＭＳ Ｐゴシック" panose="020B0600070205080204" pitchFamily="50" charset="-128"/>
+                <a:cs typeface="Arial" panose="020B0604020202020204" pitchFamily="34" charset="0"/>
+              </a:rPr>
+              <a:t>つ目はページごとの分担の中で作業量が多いページは当初から機能別に分割し、複数人で作業したことです。これにより新しく挑戦する機能や、講師から難しいと言われた機能に注力することが出来ました。</a:t>
+            </a:r>
+            <a:r>
+              <a:rPr lang="ja-JP" altLang="ja-JP" sz="1800" dirty="0">
+                <a:effectLst/>
+                <a:latin typeface="ＭＳ Ｐゴシック" panose="020B0600070205080204" pitchFamily="50" charset="-128"/>
+                <a:ea typeface="ＭＳ Ｐゴシック" panose="020B0600070205080204" pitchFamily="50" charset="-128"/>
+                <a:cs typeface="ＭＳ Ｐゴシック" panose="020B0600070205080204" pitchFamily="50" charset="-128"/>
+              </a:rPr>
+              <a:t> </a:t>
+            </a:r>
+            <a:endParaRPr lang="en-US" altLang="ja-JP" sz="1800" dirty="0">
+              <a:effectLst/>
+              <a:latin typeface="ＭＳ Ｐゴシック" panose="020B0600070205080204" pitchFamily="50" charset="-128"/>
+              <a:ea typeface="ＭＳ Ｐゴシック" panose="020B0600070205080204" pitchFamily="50" charset="-128"/>
+              <a:cs typeface="ＭＳ Ｐゴシック" panose="020B0600070205080204" pitchFamily="50" charset="-128"/>
+            </a:endParaRPr>
+          </a:p>
+          <a:p>
+            <a:pPr>
+              <a:spcBef>
+                <a:spcPts val="1600"/>
+              </a:spcBef>
+              <a:spcAft>
+                <a:spcPts val="400"/>
+              </a:spcAft>
+            </a:pPr>
+            <a:r>
+              <a:rPr lang="en-US" altLang="ja-JP" sz="1800" dirty="0">
+                <a:solidFill>
+                  <a:srgbClr val="1D1C1D"/>
+                </a:solidFill>
+                <a:effectLst/>
+                <a:latin typeface="Arial" panose="020B0604020202020204" pitchFamily="34" charset="0"/>
+                <a:ea typeface="ＭＳ Ｐゴシック" panose="020B0600070205080204" pitchFamily="50" charset="-128"/>
+                <a:cs typeface="ＭＳ Ｐゴシック" panose="020B0600070205080204" pitchFamily="50" charset="-128"/>
+              </a:rPr>
+              <a:t>4</a:t>
+            </a:r>
+            <a:r>
+              <a:rPr lang="ja-JP" altLang="ja-JP" sz="1800" dirty="0">
+                <a:solidFill>
+                  <a:srgbClr val="1D1C1D"/>
+                </a:solidFill>
+                <a:effectLst/>
+                <a:latin typeface="Arial" panose="020B0604020202020204" pitchFamily="34" charset="0"/>
+                <a:ea typeface="ＭＳ Ｐゴシック" panose="020B0600070205080204" pitchFamily="50" charset="-128"/>
+                <a:cs typeface="Arial" panose="020B0604020202020204" pitchFamily="34" charset="0"/>
+              </a:rPr>
+              <a:t>つ目に分かりやすいプログラミングを心がけたことです。具体的にはインデントをしたり、コメントを多めに残したりしたことです。こうすることにより個人の担当箇所が完了した後、ページを細かく分割し、再分担した際にスムーズに開発のバトンタッチが出来ました。</a:t>
+            </a:r>
+            <a:r>
+              <a:rPr lang="ja-JP" altLang="ja-JP" sz="1800" dirty="0">
+                <a:effectLst/>
+                <a:latin typeface="ＭＳ Ｐゴシック" panose="020B0600070205080204" pitchFamily="50" charset="-128"/>
+                <a:ea typeface="ＭＳ Ｐゴシック" panose="020B0600070205080204" pitchFamily="50" charset="-128"/>
+                <a:cs typeface="ＭＳ Ｐゴシック" panose="020B0600070205080204" pitchFamily="50" charset="-128"/>
+              </a:rPr>
+              <a:t> </a:t>
+            </a:r>
+            <a:r>
+              <a:rPr lang="ja-JP" altLang="ja-JP" sz="1800" dirty="0">
+                <a:solidFill>
+                  <a:srgbClr val="1D1C1D"/>
+                </a:solidFill>
+                <a:effectLst/>
+                <a:latin typeface="Arial" panose="020B0604020202020204" pitchFamily="34" charset="0"/>
+                <a:ea typeface="ＭＳ Ｐゴシック" panose="020B0600070205080204" pitchFamily="50" charset="-128"/>
+                <a:cs typeface="Arial" panose="020B0604020202020204" pitchFamily="34" charset="0"/>
+              </a:rPr>
+              <a:t>これら</a:t>
+            </a:r>
+            <a:r>
+              <a:rPr lang="en-US" altLang="ja-JP" sz="1800" dirty="0">
+                <a:solidFill>
+                  <a:srgbClr val="1D1C1D"/>
+                </a:solidFill>
+                <a:effectLst/>
+                <a:latin typeface="Arial" panose="020B0604020202020204" pitchFamily="34" charset="0"/>
+                <a:ea typeface="ＭＳ Ｐゴシック" panose="020B0600070205080204" pitchFamily="50" charset="-128"/>
+                <a:cs typeface="ＭＳ Ｐゴシック" panose="020B0600070205080204" pitchFamily="50" charset="-128"/>
+              </a:rPr>
+              <a:t>4</a:t>
+            </a:r>
+            <a:r>
+              <a:rPr lang="ja-JP" altLang="ja-JP" sz="1800" dirty="0">
+                <a:solidFill>
+                  <a:srgbClr val="1D1C1D"/>
+                </a:solidFill>
+                <a:effectLst/>
+                <a:latin typeface="Arial" panose="020B0604020202020204" pitchFamily="34" charset="0"/>
+                <a:ea typeface="ＭＳ Ｐゴシック" panose="020B0600070205080204" pitchFamily="50" charset="-128"/>
+                <a:cs typeface="Arial" panose="020B0604020202020204" pitchFamily="34" charset="0"/>
+              </a:rPr>
+              <a:t>つの要因によって管理を行うことができ、スムーズに開発を進めることが出来ました。</a:t>
+            </a:r>
+            <a:endParaRPr lang="ja-JP" altLang="ja-JP" sz="1800" dirty="0">
+              <a:effectLst/>
+              <a:latin typeface="ＭＳ Ｐゴシック" panose="020B0600070205080204" pitchFamily="50" charset="-128"/>
+              <a:ea typeface="ＭＳ Ｐゴシック" panose="020B0600070205080204" pitchFamily="50" charset="-128"/>
+              <a:cs typeface="ＭＳ Ｐゴシック" panose="020B0600070205080204" pitchFamily="50" charset="-128"/>
+            </a:endParaRPr>
+          </a:p>
+          <a:p>
+            <a:endParaRPr kumimoji="1" lang="ja-JP" altLang="en-US" dirty="0"/>
+          </a:p>
+        </p:txBody>
+      </p:sp>
+      <p:sp>
+        <p:nvSpPr>
+          <p:cNvPr id="4" name="スライド番号プレースホルダー 3"/>
+          <p:cNvSpPr>
+            <a:spLocks noGrp="1"/>
+          </p:cNvSpPr>
+          <p:nvPr>
+            <p:ph type="sldNum" sz="quarter" idx="5"/>
+          </p:nvPr>
+        </p:nvSpPr>
+        <p:spPr/>
+        <p:txBody>
+          <a:bodyPr/>
+          <a:lstStyle/>
+          <a:p>
+            <a:fld id="{A89C7E07-3C67-C64C-8DA0-0404F6303970}" type="slidenum">
+              <a:rPr lang="en-US" altLang="ja-JP" smtClean="0"/>
+              <a:pPr/>
+              <a:t>7</a:t>
+            </a:fld>
+            <a:endParaRPr lang="ja-JP" altLang="en-US">
+              <a:latin typeface="Meiryo UI" panose="020B0604030504040204" pitchFamily="50" charset="-128"/>
+              <a:ea typeface="Meiryo UI" panose="020B0604030504040204" pitchFamily="50" charset="-128"/>
+            </a:endParaRPr>
+          </a:p>
+        </p:txBody>
+      </p:sp>
+    </p:spTree>
+    <p:extLst>
+      <p:ext uri="{BB962C8B-B14F-4D97-AF65-F5344CB8AC3E}">
+        <p14:creationId xmlns:p14="http://schemas.microsoft.com/office/powerpoint/2010/main" val="325391879"/>
       </p:ext>
     </p:extLst>
   </p:cSld>
@@ -14651,7 +15953,7 @@
           <p:cNvPr id="2" name="タイトル 1">
             <a:extLst>
               <a:ext uri="{FF2B5EF4-FFF2-40B4-BE49-F238E27FC236}">
-                <a16:creationId xmlns:a16="http://schemas.microsoft.com/office/drawing/2014/main" id="{6EFCCF5B-660B-4767-8B03-D61F30933DB2}"/>
+                <a16:creationId xmlns:a16="http://schemas.microsoft.com/office/drawing/2014/main" id="{49813BBF-9F43-4CE8-B984-1874FA177ECD}"/>
               </a:ext>
             </a:extLst>
           </p:cNvPr>
@@ -14664,8 +15966,8 @@
         </p:nvSpPr>
         <p:spPr>
           <a:xfrm>
-            <a:off x="964023" y="533400"/>
-            <a:ext cx="9332502" cy="1156227"/>
+            <a:off x="952500" y="963238"/>
+            <a:ext cx="8296909" cy="704588"/>
           </a:xfrm>
         </p:spPr>
         <p:txBody>
@@ -14675,21 +15977,10 @@
           <a:lstStyle/>
           <a:p>
             <a:r>
-              <a:rPr kumimoji="1" lang="en-US" altLang="ja-JP" dirty="0"/>
-              <a:t>05</a:t>
-            </a:r>
-            <a:r>
-              <a:rPr kumimoji="1" lang="ja-JP" altLang="en-US" dirty="0"/>
-              <a:t>．アピールポイント</a:t>
-            </a:r>
-            <a:r>
               <a:rPr lang="ja-JP" altLang="en-US" dirty="0"/>
-              <a:t>・</a:t>
-            </a:r>
-            <a:r>
-              <a:rPr kumimoji="1" lang="ja-JP" altLang="en-US" dirty="0"/>
-              <a:t>苦労したポイント</a:t>
-            </a:r>
+              <a:t>失敗談（トラブルランキング）</a:t>
+            </a:r>
+            <a:endParaRPr kumimoji="1" lang="ja-JP" altLang="en-US" dirty="0"/>
           </a:p>
         </p:txBody>
       </p:sp>
@@ -14698,7 +15989,7 @@
           <p:cNvPr id="3" name="テキスト プレースホルダー 2">
             <a:extLst>
               <a:ext uri="{FF2B5EF4-FFF2-40B4-BE49-F238E27FC236}">
-                <a16:creationId xmlns:a16="http://schemas.microsoft.com/office/drawing/2014/main" id="{18195D28-E993-46BF-904B-2748D2F5E279}"/>
+                <a16:creationId xmlns:a16="http://schemas.microsoft.com/office/drawing/2014/main" id="{1D5F54A6-7D08-47C8-B17B-076DF9F58912}"/>
               </a:ext>
             </a:extLst>
           </p:cNvPr>
@@ -14709,12 +16000,7 @@
             <p:ph type="body" idx="1"/>
           </p:nvPr>
         </p:nvSpPr>
-        <p:spPr>
-          <a:xfrm>
-            <a:off x="964023" y="2171700"/>
-            <a:ext cx="4827178" cy="533500"/>
-          </a:xfrm>
-        </p:spPr>
+        <p:spPr/>
         <p:txBody>
           <a:bodyPr>
             <a:normAutofit/>
@@ -14722,34 +16008,137 @@
           <a:lstStyle/>
           <a:p>
             <a:r>
-              <a:rPr kumimoji="1" lang="ja-JP" altLang="en-US" sz="3200" dirty="0"/>
-              <a:t>伊藤</a:t>
-            </a:r>
-          </a:p>
-        </p:txBody>
-      </p:sp>
-      <p:sp>
-        <p:nvSpPr>
-          <p:cNvPr id="4" name="テキスト プレースホルダー 3">
-            <a:extLst>
-              <a:ext uri="{FF2B5EF4-FFF2-40B4-BE49-F238E27FC236}">
-                <a16:creationId xmlns:a16="http://schemas.microsoft.com/office/drawing/2014/main" id="{89067C5D-9D7E-4C9F-B90B-071A0C862496}"/>
-              </a:ext>
-            </a:extLst>
-          </p:cNvPr>
-          <p:cNvSpPr>
-            <a:spLocks noGrp="1"/>
-          </p:cNvSpPr>
-          <p:nvPr>
-            <p:ph type="body" idx="10"/>
+              <a:rPr lang="en-US" altLang="ja-JP" sz="2800" dirty="0"/>
+              <a:t>1</a:t>
+            </a:r>
+            <a:r>
+              <a:rPr lang="ja-JP" altLang="en-US" sz="2800" dirty="0"/>
+              <a:t>位　データ消失</a:t>
+            </a:r>
+            <a:r>
+              <a:rPr kumimoji="1" lang="ja-JP" altLang="en-US" sz="2800" dirty="0"/>
+              <a:t>　</a:t>
+            </a:r>
+          </a:p>
+        </p:txBody>
+      </p:sp>
+      <p:sp>
+        <p:nvSpPr>
+          <p:cNvPr id="4" name="コンテンツ プレースホルダー 3">
+            <a:extLst>
+              <a:ext uri="{FF2B5EF4-FFF2-40B4-BE49-F238E27FC236}">
+                <a16:creationId xmlns:a16="http://schemas.microsoft.com/office/drawing/2014/main" id="{89184010-D65F-46BB-96A6-DBFE4A32F343}"/>
+              </a:ext>
+            </a:extLst>
+          </p:cNvPr>
+          <p:cNvSpPr>
+            <a:spLocks noGrp="1"/>
+          </p:cNvSpPr>
+          <p:nvPr>
+            <p:ph sz="half" idx="2"/>
           </p:nvPr>
         </p:nvSpPr>
         <p:spPr>
           <a:xfrm>
-            <a:off x="6362700" y="2228849"/>
-            <a:ext cx="4764829" cy="476351"/>
+            <a:off x="952500" y="2799145"/>
+            <a:ext cx="3036477" cy="2973003"/>
           </a:xfrm>
         </p:spPr>
+        <p:txBody>
+          <a:bodyPr/>
+          <a:lstStyle/>
+          <a:p>
+            <a:endParaRPr kumimoji="1" lang="ja-JP" altLang="en-US" dirty="0"/>
+          </a:p>
+        </p:txBody>
+      </p:sp>
+      <p:sp>
+        <p:nvSpPr>
+          <p:cNvPr id="5" name="テキスト プレースホルダー 4">
+            <a:extLst>
+              <a:ext uri="{FF2B5EF4-FFF2-40B4-BE49-F238E27FC236}">
+                <a16:creationId xmlns:a16="http://schemas.microsoft.com/office/drawing/2014/main" id="{731EF03F-6351-44A0-B73B-76E743E5FB5F}"/>
+              </a:ext>
+            </a:extLst>
+          </p:cNvPr>
+          <p:cNvSpPr>
+            <a:spLocks noGrp="1"/>
+          </p:cNvSpPr>
+          <p:nvPr>
+            <p:ph type="body" idx="10"/>
+          </p:nvPr>
+        </p:nvSpPr>
+        <p:spPr>
+          <a:xfrm>
+            <a:off x="4569372" y="2076450"/>
+            <a:ext cx="3036477" cy="627922"/>
+          </a:xfrm>
+        </p:spPr>
+        <p:txBody>
+          <a:bodyPr>
+            <a:normAutofit fontScale="92500" lnSpcReduction="20000"/>
+          </a:bodyPr>
+          <a:lstStyle/>
+          <a:p>
+            <a:r>
+              <a:rPr lang="en-US" altLang="ja-JP" sz="2800" dirty="0"/>
+              <a:t>2</a:t>
+            </a:r>
+            <a:r>
+              <a:rPr lang="ja-JP" altLang="en-US" sz="2800" dirty="0"/>
+              <a:t>位　頭痛が出るほど悩んだ末に</a:t>
+            </a:r>
+            <a:endParaRPr kumimoji="1" lang="ja-JP" altLang="en-US" sz="2800" dirty="0"/>
+          </a:p>
+        </p:txBody>
+      </p:sp>
+      <p:sp>
+        <p:nvSpPr>
+          <p:cNvPr id="6" name="コンテンツ プレースホルダー 5">
+            <a:extLst>
+              <a:ext uri="{FF2B5EF4-FFF2-40B4-BE49-F238E27FC236}">
+                <a16:creationId xmlns:a16="http://schemas.microsoft.com/office/drawing/2014/main" id="{866361F3-B8CA-4A51-B973-B985A168A74B}"/>
+              </a:ext>
+            </a:extLst>
+          </p:cNvPr>
+          <p:cNvSpPr>
+            <a:spLocks noGrp="1"/>
+          </p:cNvSpPr>
+          <p:nvPr>
+            <p:ph sz="half" idx="11"/>
+          </p:nvPr>
+        </p:nvSpPr>
+        <p:spPr>
+          <a:xfrm>
+            <a:off x="4569372" y="2799146"/>
+            <a:ext cx="3050628" cy="2973004"/>
+          </a:xfrm>
+        </p:spPr>
+        <p:txBody>
+          <a:bodyPr/>
+          <a:lstStyle/>
+          <a:p>
+            <a:endParaRPr kumimoji="1" lang="ja-JP" altLang="en-US" dirty="0"/>
+          </a:p>
+        </p:txBody>
+      </p:sp>
+      <p:sp>
+        <p:nvSpPr>
+          <p:cNvPr id="7" name="テキスト プレースホルダー 6">
+            <a:extLst>
+              <a:ext uri="{FF2B5EF4-FFF2-40B4-BE49-F238E27FC236}">
+                <a16:creationId xmlns:a16="http://schemas.microsoft.com/office/drawing/2014/main" id="{EB3F4CE5-F739-47EE-B79B-A4C8B19FC71D}"/>
+              </a:ext>
+            </a:extLst>
+          </p:cNvPr>
+          <p:cNvSpPr>
+            <a:spLocks noGrp="1"/>
+          </p:cNvSpPr>
+          <p:nvPr>
+            <p:ph type="body" idx="12"/>
+          </p:nvPr>
+        </p:nvSpPr>
+        <p:spPr/>
         <p:txBody>
           <a:bodyPr>
             <a:normAutofit/>
@@ -14757,32 +16146,37 @@
           <a:lstStyle/>
           <a:p>
             <a:r>
-              <a:rPr kumimoji="1" lang="ja-JP" altLang="en-US" sz="3200" dirty="0"/>
-              <a:t>羽田</a:t>
-            </a:r>
-          </a:p>
-        </p:txBody>
-      </p:sp>
-      <p:sp>
-        <p:nvSpPr>
-          <p:cNvPr id="5" name="コンテンツ プレースホルダー 4">
-            <a:extLst>
-              <a:ext uri="{FF2B5EF4-FFF2-40B4-BE49-F238E27FC236}">
-                <a16:creationId xmlns:a16="http://schemas.microsoft.com/office/drawing/2014/main" id="{2D778782-CEEF-45DA-ABDB-13B41B4B91D5}"/>
-              </a:ext>
-            </a:extLst>
-          </p:cNvPr>
-          <p:cNvSpPr>
-            <a:spLocks noGrp="1"/>
-          </p:cNvSpPr>
-          <p:nvPr>
-            <p:ph sz="half" idx="2"/>
+              <a:rPr lang="en-US" altLang="ja-JP" sz="2800" dirty="0"/>
+              <a:t>3</a:t>
+            </a:r>
+            <a:r>
+              <a:rPr lang="ja-JP" altLang="en-US" sz="2800" dirty="0"/>
+              <a:t>位</a:t>
+            </a:r>
+            <a:endParaRPr kumimoji="1" lang="ja-JP" altLang="en-US" sz="2800" dirty="0"/>
+          </a:p>
+        </p:txBody>
+      </p:sp>
+      <p:sp>
+        <p:nvSpPr>
+          <p:cNvPr id="8" name="コンテンツ プレースホルダー 7">
+            <a:extLst>
+              <a:ext uri="{FF2B5EF4-FFF2-40B4-BE49-F238E27FC236}">
+                <a16:creationId xmlns:a16="http://schemas.microsoft.com/office/drawing/2014/main" id="{8A9A3E32-F6B9-4641-AB4D-E1D2FAA0837E}"/>
+              </a:ext>
+            </a:extLst>
+          </p:cNvPr>
+          <p:cNvSpPr>
+            <a:spLocks noGrp="1"/>
+          </p:cNvSpPr>
+          <p:nvPr>
+            <p:ph sz="half" idx="13"/>
           </p:nvPr>
         </p:nvSpPr>
         <p:spPr>
           <a:xfrm>
-            <a:off x="964023" y="2799145"/>
-            <a:ext cx="4827178" cy="3179791"/>
+            <a:off x="8187017" y="2799146"/>
+            <a:ext cx="3036477" cy="2973002"/>
           </a:xfrm>
         </p:spPr>
         <p:txBody>
@@ -14795,56 +16189,26 @@
       </p:sp>
       <p:sp>
         <p:nvSpPr>
-          <p:cNvPr id="6" name="コンテンツ プレースホルダー 5">
-            <a:extLst>
-              <a:ext uri="{FF2B5EF4-FFF2-40B4-BE49-F238E27FC236}">
-                <a16:creationId xmlns:a16="http://schemas.microsoft.com/office/drawing/2014/main" id="{200C8A1E-034D-4F24-B7BC-E82268498BD3}"/>
-              </a:ext>
-            </a:extLst>
-          </p:cNvPr>
-          <p:cNvSpPr>
-            <a:spLocks noGrp="1"/>
-          </p:cNvSpPr>
-          <p:nvPr>
-            <p:ph sz="half" idx="13"/>
-          </p:nvPr>
-        </p:nvSpPr>
-        <p:spPr>
-          <a:xfrm>
-            <a:off x="6362700" y="2799146"/>
-            <a:ext cx="4756241" cy="3179790"/>
-          </a:xfrm>
-        </p:spPr>
+          <p:cNvPr id="9" name="日付プレースホルダー 8">
+            <a:extLst>
+              <a:ext uri="{FF2B5EF4-FFF2-40B4-BE49-F238E27FC236}">
+                <a16:creationId xmlns:a16="http://schemas.microsoft.com/office/drawing/2014/main" id="{962003AE-9F21-4EF1-85BD-5A0CA0DA298E}"/>
+              </a:ext>
+            </a:extLst>
+          </p:cNvPr>
+          <p:cNvSpPr>
+            <a:spLocks noGrp="1"/>
+          </p:cNvSpPr>
+          <p:nvPr>
+            <p:ph type="dt" sz="half" idx="14"/>
+          </p:nvPr>
+        </p:nvSpPr>
+        <p:spPr/>
         <p:txBody>
           <a:bodyPr/>
           <a:lstStyle/>
           <a:p>
-            <a:endParaRPr kumimoji="1" lang="ja-JP" altLang="en-US" dirty="0"/>
-          </a:p>
-        </p:txBody>
-      </p:sp>
-      <p:sp>
-        <p:nvSpPr>
-          <p:cNvPr id="7" name="日付プレースホルダー 6">
-            <a:extLst>
-              <a:ext uri="{FF2B5EF4-FFF2-40B4-BE49-F238E27FC236}">
-                <a16:creationId xmlns:a16="http://schemas.microsoft.com/office/drawing/2014/main" id="{9C0DBD0E-A31C-4B7A-8119-EED19C243069}"/>
-              </a:ext>
-            </a:extLst>
-          </p:cNvPr>
-          <p:cNvSpPr>
-            <a:spLocks noGrp="1"/>
-          </p:cNvSpPr>
-          <p:nvPr>
-            <p:ph type="dt" sz="half" idx="14"/>
-          </p:nvPr>
-        </p:nvSpPr>
-        <p:spPr/>
-        <p:txBody>
-          <a:bodyPr/>
-          <a:lstStyle/>
-          <a:p>
-            <a:fld id="{C5DCDC1F-F0C2-4AD5-80F3-39EC8CD71CF6}" type="datetime4">
+            <a:fld id="{E15D4E19-39FC-454B-9272-000427D17230}" type="datetime4">
               <a:rPr lang="ja-JP" altLang="en-US" smtClean="0"/>
               <a:t>2023年6月28日</a:t>
             </a:fld>
@@ -14854,10 +16218,10 @@
       </p:sp>
       <p:sp>
         <p:nvSpPr>
-          <p:cNvPr id="8" name="フッター プレースホルダー 7">
-            <a:extLst>
-              <a:ext uri="{FF2B5EF4-FFF2-40B4-BE49-F238E27FC236}">
-                <a16:creationId xmlns:a16="http://schemas.microsoft.com/office/drawing/2014/main" id="{6DE8DAEA-54A7-430D-894F-DB23D892C433}"/>
+          <p:cNvPr id="10" name="フッター プレースホルダー 9">
+            <a:extLst>
+              <a:ext uri="{FF2B5EF4-FFF2-40B4-BE49-F238E27FC236}">
+                <a16:creationId xmlns:a16="http://schemas.microsoft.com/office/drawing/2014/main" id="{4A426F6C-89D4-45E7-92F7-BE2418C52249}"/>
               </a:ext>
             </a:extLst>
           </p:cNvPr>
@@ -14883,10 +16247,10 @@
       </p:sp>
       <p:sp>
         <p:nvSpPr>
-          <p:cNvPr id="9" name="スライド番号プレースホルダー 8">
-            <a:extLst>
-              <a:ext uri="{FF2B5EF4-FFF2-40B4-BE49-F238E27FC236}">
-                <a16:creationId xmlns:a16="http://schemas.microsoft.com/office/drawing/2014/main" id="{66EB83C5-43BE-4DBC-AD85-0F8B9CCC7887}"/>
+          <p:cNvPr id="11" name="スライド番号プレースホルダー 10">
+            <a:extLst>
+              <a:ext uri="{FF2B5EF4-FFF2-40B4-BE49-F238E27FC236}">
+                <a16:creationId xmlns:a16="http://schemas.microsoft.com/office/drawing/2014/main" id="{090705F2-06CA-43D3-9035-E4EE83EA246C}"/>
               </a:ext>
             </a:extLst>
           </p:cNvPr>
@@ -14914,7 +16278,7 @@
     </p:spTree>
     <p:extLst>
       <p:ext uri="{BB962C8B-B14F-4D97-AF65-F5344CB8AC3E}">
-        <p14:creationId xmlns:p14="http://schemas.microsoft.com/office/powerpoint/2010/main" val="2737546971"/>
+        <p14:creationId xmlns:p14="http://schemas.microsoft.com/office/powerpoint/2010/main" val="1958361498"/>
       </p:ext>
     </p:extLst>
   </p:cSld>
@@ -14943,10 +16307,10 @@
       </p:grpSpPr>
       <p:sp>
         <p:nvSpPr>
-          <p:cNvPr id="2" name="タイトル 1">
-            <a:extLst>
-              <a:ext uri="{FF2B5EF4-FFF2-40B4-BE49-F238E27FC236}">
-                <a16:creationId xmlns:a16="http://schemas.microsoft.com/office/drawing/2014/main" id="{6EFCCF5B-660B-4767-8B03-D61F30933DB2}"/>
+          <p:cNvPr id="3" name="タイトル 2">
+            <a:extLst>
+              <a:ext uri="{FF2B5EF4-FFF2-40B4-BE49-F238E27FC236}">
+                <a16:creationId xmlns:a16="http://schemas.microsoft.com/office/drawing/2014/main" id="{33A39A4D-2B83-4B8E-9152-B53A2A2D8969}"/>
               </a:ext>
             </a:extLst>
           </p:cNvPr>
@@ -14959,8 +16323,8 @@
         </p:nvSpPr>
         <p:spPr>
           <a:xfrm>
-            <a:off x="964023" y="723900"/>
-            <a:ext cx="9408702" cy="965727"/>
+            <a:off x="952499" y="1040988"/>
+            <a:ext cx="5274852" cy="610863"/>
           </a:xfrm>
         </p:spPr>
         <p:txBody>
@@ -14971,176 +16335,203 @@
           <a:p>
             <a:r>
               <a:rPr kumimoji="1" lang="en-US" altLang="ja-JP" dirty="0"/>
-              <a:t>05</a:t>
+              <a:t>06</a:t>
             </a:r>
             <a:r>
               <a:rPr kumimoji="1" lang="ja-JP" altLang="en-US" dirty="0"/>
-              <a:t>．アピールポイント</a:t>
-            </a:r>
-            <a:r>
-              <a:rPr lang="ja-JP" altLang="en-US" dirty="0"/>
-              <a:t>・</a:t>
-            </a:r>
-            <a:r>
-              <a:rPr kumimoji="1" lang="ja-JP" altLang="en-US" dirty="0"/>
-              <a:t>苦労したポイント</a:t>
-            </a:r>
-          </a:p>
-        </p:txBody>
-      </p:sp>
-      <p:sp>
-        <p:nvSpPr>
-          <p:cNvPr id="3" name="テキスト プレースホルダー 2">
-            <a:extLst>
-              <a:ext uri="{FF2B5EF4-FFF2-40B4-BE49-F238E27FC236}">
-                <a16:creationId xmlns:a16="http://schemas.microsoft.com/office/drawing/2014/main" id="{18195D28-E993-46BF-904B-2748D2F5E279}"/>
-              </a:ext>
-            </a:extLst>
-          </p:cNvPr>
-          <p:cNvSpPr>
-            <a:spLocks noGrp="1"/>
-          </p:cNvSpPr>
-          <p:nvPr>
-            <p:ph type="body" idx="1"/>
+              <a:t>．改善点</a:t>
+            </a:r>
+          </a:p>
+        </p:txBody>
+      </p:sp>
+      <p:sp>
+        <p:nvSpPr>
+          <p:cNvPr id="4" name="テキスト プレースホルダー 3">
+            <a:extLst>
+              <a:ext uri="{FF2B5EF4-FFF2-40B4-BE49-F238E27FC236}">
+                <a16:creationId xmlns:a16="http://schemas.microsoft.com/office/drawing/2014/main" id="{9D8217D2-1379-45BD-AAD5-4460387A6911}"/>
+              </a:ext>
+            </a:extLst>
+          </p:cNvPr>
+          <p:cNvSpPr>
+            <a:spLocks noGrp="1"/>
+          </p:cNvSpPr>
+          <p:nvPr>
+            <p:ph type="body" sz="quarter" idx="11"/>
           </p:nvPr>
         </p:nvSpPr>
         <p:spPr>
           <a:xfrm>
-            <a:off x="964023" y="2171700"/>
-            <a:ext cx="4827178" cy="533500"/>
+            <a:off x="952500" y="2289363"/>
+            <a:ext cx="5274852" cy="3816162"/>
           </a:xfrm>
         </p:spPr>
         <p:txBody>
-          <a:bodyPr>
-            <a:normAutofit/>
-          </a:bodyPr>
-          <a:lstStyle/>
-          <a:p>
-            <a:r>
-              <a:rPr kumimoji="1" lang="ja-JP" altLang="en-US" sz="3200" dirty="0"/>
-              <a:t>畠山</a:t>
-            </a:r>
-          </a:p>
-        </p:txBody>
-      </p:sp>
-      <p:sp>
-        <p:nvSpPr>
-          <p:cNvPr id="4" name="テキスト プレースホルダー 3">
-            <a:extLst>
-              <a:ext uri="{FF2B5EF4-FFF2-40B4-BE49-F238E27FC236}">
-                <a16:creationId xmlns:a16="http://schemas.microsoft.com/office/drawing/2014/main" id="{89067C5D-9D7E-4C9F-B90B-071A0C862496}"/>
-              </a:ext>
-            </a:extLst>
-          </p:cNvPr>
-          <p:cNvSpPr>
-            <a:spLocks noGrp="1"/>
-          </p:cNvSpPr>
-          <p:nvPr>
-            <p:ph type="body" idx="10"/>
-          </p:nvPr>
-        </p:nvSpPr>
-        <p:spPr>
-          <a:xfrm>
-            <a:off x="6362700" y="2228849"/>
-            <a:ext cx="4764829" cy="476351"/>
-          </a:xfrm>
-        </p:spPr>
-        <p:txBody>
-          <a:bodyPr>
-            <a:normAutofit/>
-          </a:bodyPr>
-          <a:lstStyle/>
-          <a:p>
-            <a:r>
-              <a:rPr lang="ja-JP" altLang="en-US" sz="3200" dirty="0"/>
-              <a:t>春田</a:t>
-            </a:r>
-            <a:endParaRPr kumimoji="1" lang="ja-JP" altLang="en-US" sz="3200" dirty="0"/>
-          </a:p>
-        </p:txBody>
-      </p:sp>
-      <p:sp>
-        <p:nvSpPr>
-          <p:cNvPr id="5" name="コンテンツ プレースホルダー 4">
-            <a:extLst>
-              <a:ext uri="{FF2B5EF4-FFF2-40B4-BE49-F238E27FC236}">
-                <a16:creationId xmlns:a16="http://schemas.microsoft.com/office/drawing/2014/main" id="{2D778782-CEEF-45DA-ABDB-13B41B4B91D5}"/>
-              </a:ext>
-            </a:extLst>
-          </p:cNvPr>
-          <p:cNvSpPr>
-            <a:spLocks noGrp="1"/>
-          </p:cNvSpPr>
-          <p:nvPr>
-            <p:ph sz="half" idx="2"/>
-          </p:nvPr>
-        </p:nvSpPr>
-        <p:spPr>
-          <a:xfrm>
-            <a:off x="964023" y="2799145"/>
-            <a:ext cx="4827178" cy="3179791"/>
-          </a:xfrm>
-        </p:spPr>
-        <p:txBody>
           <a:bodyPr/>
           <a:lstStyle/>
           <a:p>
+            <a:pPr marL="457200">
+              <a:spcBef>
+                <a:spcPts val="1600"/>
+              </a:spcBef>
+              <a:spcAft>
+                <a:spcPts val="400"/>
+              </a:spcAft>
+            </a:pPr>
+            <a:r>
+              <a:rPr lang="ja-JP" altLang="ja-JP" sz="2800" dirty="0">
+                <a:solidFill>
+                  <a:srgbClr val="1D1C1D"/>
+                </a:solidFill>
+                <a:effectLst/>
+                <a:cs typeface="Arial" panose="020B0604020202020204" pitchFamily="34" charset="0"/>
+              </a:rPr>
+              <a:t>・お問い合わせの返信</a:t>
+            </a:r>
+            <a:endParaRPr lang="ja-JP" altLang="ja-JP" sz="2800" dirty="0">
+              <a:effectLst/>
+              <a:cs typeface="ＭＳ Ｐゴシック" panose="020B0600070205080204" pitchFamily="50" charset="-128"/>
+            </a:endParaRPr>
+          </a:p>
+          <a:p>
+            <a:pPr marL="457200">
+              <a:spcBef>
+                <a:spcPts val="1600"/>
+              </a:spcBef>
+              <a:spcAft>
+                <a:spcPts val="400"/>
+              </a:spcAft>
+            </a:pPr>
+            <a:r>
+              <a:rPr lang="ja-JP" altLang="ja-JP" sz="2800" dirty="0">
+                <a:solidFill>
+                  <a:srgbClr val="1D1C1D"/>
+                </a:solidFill>
+                <a:effectLst/>
+                <a:cs typeface="Arial" panose="020B0604020202020204" pitchFamily="34" charset="0"/>
+              </a:rPr>
+              <a:t>・ユーザー登録</a:t>
+            </a:r>
+            <a:r>
+              <a:rPr lang="ja-JP" altLang="en-US" sz="2800" dirty="0">
+                <a:solidFill>
+                  <a:srgbClr val="1D1C1D"/>
+                </a:solidFill>
+                <a:effectLst/>
+                <a:cs typeface="Arial" panose="020B0604020202020204" pitchFamily="34" charset="0"/>
+              </a:rPr>
+              <a:t>、内容</a:t>
+            </a:r>
+            <a:r>
+              <a:rPr lang="ja-JP" altLang="ja-JP" sz="2800" dirty="0">
+                <a:solidFill>
+                  <a:srgbClr val="1D1C1D"/>
+                </a:solidFill>
+                <a:effectLst/>
+                <a:cs typeface="Arial" panose="020B0604020202020204" pitchFamily="34" charset="0"/>
+              </a:rPr>
+              <a:t>変更の際にメールで確認</a:t>
+            </a:r>
+            <a:endParaRPr lang="ja-JP" altLang="ja-JP" sz="2800" dirty="0">
+              <a:effectLst/>
+              <a:cs typeface="ＭＳ Ｐゴシック" panose="020B0600070205080204" pitchFamily="50" charset="-128"/>
+            </a:endParaRPr>
+          </a:p>
+          <a:p>
+            <a:pPr marL="457200">
+              <a:spcBef>
+                <a:spcPts val="1600"/>
+              </a:spcBef>
+              <a:spcAft>
+                <a:spcPts val="400"/>
+              </a:spcAft>
+            </a:pPr>
+            <a:r>
+              <a:rPr lang="ja-JP" altLang="ja-JP" sz="2800" dirty="0">
+                <a:solidFill>
+                  <a:srgbClr val="1D1C1D"/>
+                </a:solidFill>
+                <a:effectLst/>
+                <a:cs typeface="Arial" panose="020B0604020202020204" pitchFamily="34" charset="0"/>
+              </a:rPr>
+              <a:t>・カレンダーの実装</a:t>
+            </a:r>
+            <a:endParaRPr lang="ja-JP" altLang="ja-JP" sz="2800" dirty="0">
+              <a:effectLst/>
+              <a:cs typeface="ＭＳ Ｐゴシック" panose="020B0600070205080204" pitchFamily="50" charset="-128"/>
+            </a:endParaRPr>
+          </a:p>
+          <a:p>
+            <a:pPr marL="457200">
+              <a:spcBef>
+                <a:spcPts val="1600"/>
+              </a:spcBef>
+              <a:spcAft>
+                <a:spcPts val="400"/>
+              </a:spcAft>
+            </a:pPr>
+            <a:r>
+              <a:rPr lang="ja-JP" altLang="ja-JP" sz="2800" dirty="0">
+                <a:solidFill>
+                  <a:srgbClr val="1D1C1D"/>
+                </a:solidFill>
+                <a:effectLst/>
+                <a:cs typeface="Arial" panose="020B0604020202020204" pitchFamily="34" charset="0"/>
+              </a:rPr>
+              <a:t>・家計簿の実装</a:t>
+            </a:r>
+            <a:r>
+              <a:rPr lang="en-US" altLang="ja-JP" sz="2800" dirty="0">
+                <a:solidFill>
+                  <a:srgbClr val="1D1C1D"/>
+                </a:solidFill>
+                <a:effectLst/>
+                <a:cs typeface="ＭＳ Ｐゴシック" panose="020B0600070205080204" pitchFamily="50" charset="-128"/>
+              </a:rPr>
+              <a:t>→</a:t>
+            </a:r>
+            <a:r>
+              <a:rPr lang="ja-JP" altLang="ja-JP" sz="2800" dirty="0">
+                <a:solidFill>
+                  <a:srgbClr val="1D1C1D"/>
+                </a:solidFill>
+                <a:effectLst/>
+                <a:cs typeface="Arial" panose="020B0604020202020204" pitchFamily="34" charset="0"/>
+              </a:rPr>
+              <a:t>グラフの作成</a:t>
+            </a:r>
+            <a:endParaRPr lang="ja-JP" altLang="ja-JP" sz="2800" dirty="0">
+              <a:effectLst/>
+              <a:cs typeface="ＭＳ Ｐゴシック" panose="020B0600070205080204" pitchFamily="50" charset="-128"/>
+            </a:endParaRPr>
+          </a:p>
+          <a:p>
             <a:endParaRPr kumimoji="1" lang="ja-JP" altLang="en-US" dirty="0"/>
           </a:p>
         </p:txBody>
       </p:sp>
       <p:sp>
         <p:nvSpPr>
-          <p:cNvPr id="6" name="コンテンツ プレースホルダー 5">
-            <a:extLst>
-              <a:ext uri="{FF2B5EF4-FFF2-40B4-BE49-F238E27FC236}">
-                <a16:creationId xmlns:a16="http://schemas.microsoft.com/office/drawing/2014/main" id="{200C8A1E-034D-4F24-B7BC-E82268498BD3}"/>
-              </a:ext>
-            </a:extLst>
-          </p:cNvPr>
-          <p:cNvSpPr>
-            <a:spLocks noGrp="1"/>
-          </p:cNvSpPr>
-          <p:nvPr>
-            <p:ph sz="half" idx="13"/>
-          </p:nvPr>
-        </p:nvSpPr>
-        <p:spPr>
-          <a:xfrm>
-            <a:off x="6362700" y="2799146"/>
-            <a:ext cx="4756241" cy="3179790"/>
-          </a:xfrm>
-        </p:spPr>
+          <p:cNvPr id="5" name="日付プレースホルダー 4">
+            <a:extLst>
+              <a:ext uri="{FF2B5EF4-FFF2-40B4-BE49-F238E27FC236}">
+                <a16:creationId xmlns:a16="http://schemas.microsoft.com/office/drawing/2014/main" id="{F698B337-957E-4BD0-843F-451E301FCF32}"/>
+              </a:ext>
+            </a:extLst>
+          </p:cNvPr>
+          <p:cNvSpPr>
+            <a:spLocks noGrp="1"/>
+          </p:cNvSpPr>
+          <p:nvPr>
+            <p:ph type="dt" sz="half" idx="14"/>
+          </p:nvPr>
+        </p:nvSpPr>
+        <p:spPr/>
         <p:txBody>
           <a:bodyPr/>
           <a:lstStyle/>
           <a:p>
-            <a:endParaRPr kumimoji="1" lang="ja-JP" altLang="en-US" dirty="0"/>
-          </a:p>
-        </p:txBody>
-      </p:sp>
-      <p:sp>
-        <p:nvSpPr>
-          <p:cNvPr id="7" name="日付プレースホルダー 6">
-            <a:extLst>
-              <a:ext uri="{FF2B5EF4-FFF2-40B4-BE49-F238E27FC236}">
-                <a16:creationId xmlns:a16="http://schemas.microsoft.com/office/drawing/2014/main" id="{9C0DBD0E-A31C-4B7A-8119-EED19C243069}"/>
-              </a:ext>
-            </a:extLst>
-          </p:cNvPr>
-          <p:cNvSpPr>
-            <a:spLocks noGrp="1"/>
-          </p:cNvSpPr>
-          <p:nvPr>
-            <p:ph type="dt" sz="half" idx="14"/>
-          </p:nvPr>
-        </p:nvSpPr>
-        <p:spPr/>
-        <p:txBody>
-          <a:bodyPr/>
-          <a:lstStyle/>
-          <a:p>
-            <a:fld id="{C5DCDC1F-F0C2-4AD5-80F3-39EC8CD71CF6}" type="datetime4">
+            <a:fld id="{9ECF9585-80F6-476E-8B21-88C3199F0E34}" type="datetime4">
               <a:rPr lang="ja-JP" altLang="en-US" smtClean="0"/>
               <a:t>2023年6月28日</a:t>
             </a:fld>
@@ -15150,10 +16541,10 @@
       </p:sp>
       <p:sp>
         <p:nvSpPr>
-          <p:cNvPr id="8" name="フッター プレースホルダー 7">
-            <a:extLst>
-              <a:ext uri="{FF2B5EF4-FFF2-40B4-BE49-F238E27FC236}">
-                <a16:creationId xmlns:a16="http://schemas.microsoft.com/office/drawing/2014/main" id="{6DE8DAEA-54A7-430D-894F-DB23D892C433}"/>
+          <p:cNvPr id="6" name="フッター プレースホルダー 5">
+            <a:extLst>
+              <a:ext uri="{FF2B5EF4-FFF2-40B4-BE49-F238E27FC236}">
+                <a16:creationId xmlns:a16="http://schemas.microsoft.com/office/drawing/2014/main" id="{B0F28DE3-E076-4AEA-AB21-60C848580179}"/>
               </a:ext>
             </a:extLst>
           </p:cNvPr>
@@ -15179,10 +16570,10 @@
       </p:sp>
       <p:sp>
         <p:nvSpPr>
-          <p:cNvPr id="9" name="スライド番号プレースホルダー 8">
-            <a:extLst>
-              <a:ext uri="{FF2B5EF4-FFF2-40B4-BE49-F238E27FC236}">
-                <a16:creationId xmlns:a16="http://schemas.microsoft.com/office/drawing/2014/main" id="{66EB83C5-43BE-4DBC-AD85-0F8B9CCC7887}"/>
+          <p:cNvPr id="7" name="スライド番号プレースホルダー 6">
+            <a:extLst>
+              <a:ext uri="{FF2B5EF4-FFF2-40B4-BE49-F238E27FC236}">
+                <a16:creationId xmlns:a16="http://schemas.microsoft.com/office/drawing/2014/main" id="{9DDE92FF-84E7-42A9-81CC-6C7F4A0A4D12}"/>
               </a:ext>
             </a:extLst>
           </p:cNvPr>
@@ -15207,10 +16598,178 @@
           </a:p>
         </p:txBody>
       </p:sp>
+      <p:sp>
+        <p:nvSpPr>
+          <p:cNvPr id="2" name="テキスト ボックス 1">
+            <a:extLst>
+              <a:ext uri="{FF2B5EF4-FFF2-40B4-BE49-F238E27FC236}">
+                <a16:creationId xmlns:a16="http://schemas.microsoft.com/office/drawing/2014/main" id="{93BE7FB2-B094-43F1-92E5-B95710B7C28D}"/>
+              </a:ext>
+            </a:extLst>
+          </p:cNvPr>
+          <p:cNvSpPr txBox="1"/>
+          <p:nvPr/>
+        </p:nvSpPr>
+        <p:spPr>
+          <a:xfrm>
+            <a:off x="6227351" y="2289363"/>
+            <a:ext cx="5116924" cy="2913618"/>
+          </a:xfrm>
+          <a:prstGeom prst="rect">
+            <a:avLst/>
+          </a:prstGeom>
+          <a:noFill/>
+        </p:spPr>
+        <p:txBody>
+          <a:bodyPr wrap="square" rtlCol="0">
+            <a:spAutoFit/>
+          </a:bodyPr>
+          <a:lstStyle/>
+          <a:p>
+            <a:pPr marL="457200">
+              <a:spcBef>
+                <a:spcPts val="1600"/>
+              </a:spcBef>
+              <a:spcAft>
+                <a:spcPts val="400"/>
+              </a:spcAft>
+            </a:pPr>
+            <a:r>
+              <a:rPr lang="ja-JP" altLang="ja-JP" sz="2800" dirty="0">
+                <a:solidFill>
+                  <a:srgbClr val="1D1C1D"/>
+                </a:solidFill>
+                <a:effectLst/>
+                <a:latin typeface="Meiryo UI" panose="020B0604030504040204" pitchFamily="50" charset="-128"/>
+                <a:ea typeface="Meiryo UI" panose="020B0604030504040204" pitchFamily="50" charset="-128"/>
+                <a:cs typeface="Arial" panose="020B0604020202020204" pitchFamily="34" charset="0"/>
+              </a:rPr>
+              <a:t>・一斉減量ボタンなしで減量</a:t>
+            </a:r>
+            <a:endParaRPr lang="ja-JP" altLang="ja-JP" sz="2800" dirty="0">
+              <a:effectLst/>
+              <a:latin typeface="Meiryo UI" panose="020B0604030504040204" pitchFamily="50" charset="-128"/>
+              <a:ea typeface="Meiryo UI" panose="020B0604030504040204" pitchFamily="50" charset="-128"/>
+              <a:cs typeface="ＭＳ Ｐゴシック" panose="020B0600070205080204" pitchFamily="50" charset="-128"/>
+            </a:endParaRPr>
+          </a:p>
+          <a:p>
+            <a:pPr marL="457200">
+              <a:spcBef>
+                <a:spcPts val="1600"/>
+              </a:spcBef>
+              <a:spcAft>
+                <a:spcPts val="400"/>
+              </a:spcAft>
+            </a:pPr>
+            <a:r>
+              <a:rPr lang="ja-JP" altLang="ja-JP" sz="2800" dirty="0">
+                <a:solidFill>
+                  <a:srgbClr val="1D1C1D"/>
+                </a:solidFill>
+                <a:effectLst/>
+                <a:latin typeface="Meiryo UI" panose="020B0604030504040204" pitchFamily="50" charset="-128"/>
+                <a:ea typeface="Meiryo UI" panose="020B0604030504040204" pitchFamily="50" charset="-128"/>
+                <a:cs typeface="Arial" panose="020B0604020202020204" pitchFamily="34" charset="0"/>
+              </a:rPr>
+              <a:t>・ページネーション</a:t>
+            </a:r>
+            <a:endParaRPr lang="ja-JP" altLang="ja-JP" sz="2800" dirty="0">
+              <a:effectLst/>
+              <a:latin typeface="Meiryo UI" panose="020B0604030504040204" pitchFamily="50" charset="-128"/>
+              <a:ea typeface="Meiryo UI" panose="020B0604030504040204" pitchFamily="50" charset="-128"/>
+              <a:cs typeface="ＭＳ Ｐゴシック" panose="020B0600070205080204" pitchFamily="50" charset="-128"/>
+            </a:endParaRPr>
+          </a:p>
+          <a:p>
+            <a:pPr marL="457200">
+              <a:spcBef>
+                <a:spcPts val="1600"/>
+              </a:spcBef>
+              <a:spcAft>
+                <a:spcPts val="400"/>
+              </a:spcAft>
+            </a:pPr>
+            <a:r>
+              <a:rPr lang="ja-JP" altLang="ja-JP" sz="2800" dirty="0">
+                <a:solidFill>
+                  <a:srgbClr val="1D1C1D"/>
+                </a:solidFill>
+                <a:effectLst/>
+                <a:latin typeface="Meiryo UI" panose="020B0604030504040204" pitchFamily="50" charset="-128"/>
+                <a:ea typeface="Meiryo UI" panose="020B0604030504040204" pitchFamily="50" charset="-128"/>
+                <a:cs typeface="Arial" panose="020B0604020202020204" pitchFamily="34" charset="0"/>
+              </a:rPr>
+              <a:t>・商品画像の自動挿入</a:t>
+            </a:r>
+            <a:endParaRPr lang="ja-JP" altLang="ja-JP" sz="2800" dirty="0">
+              <a:effectLst/>
+              <a:latin typeface="Meiryo UI" panose="020B0604030504040204" pitchFamily="50" charset="-128"/>
+              <a:ea typeface="Meiryo UI" panose="020B0604030504040204" pitchFamily="50" charset="-128"/>
+              <a:cs typeface="ＭＳ Ｐゴシック" panose="020B0600070205080204" pitchFamily="50" charset="-128"/>
+            </a:endParaRPr>
+          </a:p>
+          <a:p>
+            <a:pPr marL="457200">
+              <a:spcBef>
+                <a:spcPts val="1600"/>
+              </a:spcBef>
+              <a:spcAft>
+                <a:spcPts val="400"/>
+              </a:spcAft>
+            </a:pPr>
+            <a:r>
+              <a:rPr lang="ja-JP" altLang="ja-JP" sz="2800" dirty="0">
+                <a:solidFill>
+                  <a:srgbClr val="1D1C1D"/>
+                </a:solidFill>
+                <a:effectLst/>
+                <a:latin typeface="Meiryo UI" panose="020B0604030504040204" pitchFamily="50" charset="-128"/>
+                <a:ea typeface="Meiryo UI" panose="020B0604030504040204" pitchFamily="50" charset="-128"/>
+                <a:cs typeface="Arial" panose="020B0604020202020204" pitchFamily="34" charset="0"/>
+              </a:rPr>
+              <a:t>・</a:t>
+            </a:r>
+            <a:r>
+              <a:rPr lang="en-US" altLang="ja-JP" sz="2800" dirty="0">
+                <a:solidFill>
+                  <a:srgbClr val="1D1C1D"/>
+                </a:solidFill>
+                <a:effectLst/>
+                <a:latin typeface="Meiryo UI" panose="020B0604030504040204" pitchFamily="50" charset="-128"/>
+                <a:ea typeface="Meiryo UI" panose="020B0604030504040204" pitchFamily="50" charset="-128"/>
+                <a:cs typeface="ＭＳ Ｐゴシック" panose="020B0600070205080204" pitchFamily="50" charset="-128"/>
+              </a:rPr>
+              <a:t>API</a:t>
+            </a:r>
+            <a:r>
+              <a:rPr lang="ja-JP" altLang="ja-JP" sz="2800" dirty="0">
+                <a:solidFill>
+                  <a:srgbClr val="1D1C1D"/>
+                </a:solidFill>
+                <a:effectLst/>
+                <a:latin typeface="Meiryo UI" panose="020B0604030504040204" pitchFamily="50" charset="-128"/>
+                <a:ea typeface="Meiryo UI" panose="020B0604030504040204" pitchFamily="50" charset="-128"/>
+                <a:cs typeface="Arial" panose="020B0604020202020204" pitchFamily="34" charset="0"/>
+              </a:rPr>
+              <a:t>を元に価格変動反映</a:t>
+            </a:r>
+            <a:endParaRPr lang="ja-JP" altLang="ja-JP" sz="2800" dirty="0">
+              <a:effectLst/>
+              <a:latin typeface="Meiryo UI" panose="020B0604030504040204" pitchFamily="50" charset="-128"/>
+              <a:ea typeface="Meiryo UI" panose="020B0604030504040204" pitchFamily="50" charset="-128"/>
+              <a:cs typeface="ＭＳ Ｐゴシック" panose="020B0600070205080204" pitchFamily="50" charset="-128"/>
+            </a:endParaRPr>
+          </a:p>
+          <a:p>
+            <a:endParaRPr kumimoji="1" lang="ja-JP" altLang="en-US" dirty="0"/>
+          </a:p>
+        </p:txBody>
+      </p:sp>
     </p:spTree>
     <p:extLst>
       <p:ext uri="{BB962C8B-B14F-4D97-AF65-F5344CB8AC3E}">
-        <p14:creationId xmlns:p14="http://schemas.microsoft.com/office/powerpoint/2010/main" val="1776266898"/>
+        <p14:creationId xmlns:p14="http://schemas.microsoft.com/office/powerpoint/2010/main" val="121878404"/>
       </p:ext>
     </p:extLst>
   </p:cSld>
@@ -15239,10 +16798,10 @@
       </p:grpSpPr>
       <p:sp>
         <p:nvSpPr>
-          <p:cNvPr id="2" name="タイトル 1">
-            <a:extLst>
-              <a:ext uri="{FF2B5EF4-FFF2-40B4-BE49-F238E27FC236}">
-                <a16:creationId xmlns:a16="http://schemas.microsoft.com/office/drawing/2014/main" id="{6EFCCF5B-660B-4767-8B03-D61F30933DB2}"/>
+          <p:cNvPr id="3" name="タイトル 2">
+            <a:extLst>
+              <a:ext uri="{FF2B5EF4-FFF2-40B4-BE49-F238E27FC236}">
+                <a16:creationId xmlns:a16="http://schemas.microsoft.com/office/drawing/2014/main" id="{33A39A4D-2B83-4B8E-9152-B53A2A2D8969}"/>
               </a:ext>
             </a:extLst>
           </p:cNvPr>
@@ -15255,8 +16814,8 @@
         </p:nvSpPr>
         <p:spPr>
           <a:xfrm>
-            <a:off x="964023" y="781050"/>
-            <a:ext cx="9303927" cy="908577"/>
+            <a:off x="971550" y="974313"/>
+            <a:ext cx="5274852" cy="610863"/>
           </a:xfrm>
         </p:spPr>
         <p:txBody>
@@ -15267,118 +16826,38 @@
           <a:p>
             <a:r>
               <a:rPr kumimoji="1" lang="en-US" altLang="ja-JP" dirty="0"/>
-              <a:t>05</a:t>
+              <a:t>07</a:t>
             </a:r>
             <a:r>
               <a:rPr kumimoji="1" lang="ja-JP" altLang="en-US" dirty="0"/>
-              <a:t>．アピールポイント</a:t>
-            </a:r>
-            <a:r>
-              <a:rPr lang="ja-JP" altLang="en-US" dirty="0"/>
-              <a:t>・</a:t>
-            </a:r>
-            <a:r>
-              <a:rPr kumimoji="1" lang="ja-JP" altLang="en-US" dirty="0"/>
-              <a:t>苦労したポイント</a:t>
-            </a:r>
-          </a:p>
-        </p:txBody>
-      </p:sp>
-      <p:sp>
-        <p:nvSpPr>
-          <p:cNvPr id="3" name="テキスト プレースホルダー 2">
-            <a:extLst>
-              <a:ext uri="{FF2B5EF4-FFF2-40B4-BE49-F238E27FC236}">
-                <a16:creationId xmlns:a16="http://schemas.microsoft.com/office/drawing/2014/main" id="{18195D28-E993-46BF-904B-2748D2F5E279}"/>
-              </a:ext>
-            </a:extLst>
-          </p:cNvPr>
-          <p:cNvSpPr>
-            <a:spLocks noGrp="1"/>
-          </p:cNvSpPr>
-          <p:nvPr>
-            <p:ph type="body" idx="1"/>
+              <a:t>．今後の抱負</a:t>
+            </a:r>
+          </a:p>
+        </p:txBody>
+      </p:sp>
+      <p:sp>
+        <p:nvSpPr>
+          <p:cNvPr id="4" name="テキスト プレースホルダー 3">
+            <a:extLst>
+              <a:ext uri="{FF2B5EF4-FFF2-40B4-BE49-F238E27FC236}">
+                <a16:creationId xmlns:a16="http://schemas.microsoft.com/office/drawing/2014/main" id="{9D8217D2-1379-45BD-AAD5-4460387A6911}"/>
+              </a:ext>
+            </a:extLst>
+          </p:cNvPr>
+          <p:cNvSpPr>
+            <a:spLocks noGrp="1"/>
+          </p:cNvSpPr>
+          <p:nvPr>
+            <p:ph type="body" sz="quarter" idx="11"/>
           </p:nvPr>
         </p:nvSpPr>
         <p:spPr>
           <a:xfrm>
-            <a:off x="964023" y="2171700"/>
-            <a:ext cx="4827178" cy="533500"/>
+            <a:off x="952499" y="2289363"/>
+            <a:ext cx="10077451" cy="3816162"/>
           </a:xfrm>
         </p:spPr>
         <p:txBody>
-          <a:bodyPr>
-            <a:normAutofit/>
-          </a:bodyPr>
-          <a:lstStyle/>
-          <a:p>
-            <a:r>
-              <a:rPr lang="ja-JP" altLang="en-US" sz="3200" dirty="0"/>
-              <a:t>松本</a:t>
-            </a:r>
-            <a:endParaRPr kumimoji="1" lang="ja-JP" altLang="en-US" sz="3200" dirty="0"/>
-          </a:p>
-        </p:txBody>
-      </p:sp>
-      <p:sp>
-        <p:nvSpPr>
-          <p:cNvPr id="4" name="テキスト プレースホルダー 3">
-            <a:extLst>
-              <a:ext uri="{FF2B5EF4-FFF2-40B4-BE49-F238E27FC236}">
-                <a16:creationId xmlns:a16="http://schemas.microsoft.com/office/drawing/2014/main" id="{89067C5D-9D7E-4C9F-B90B-071A0C862496}"/>
-              </a:ext>
-            </a:extLst>
-          </p:cNvPr>
-          <p:cNvSpPr>
-            <a:spLocks noGrp="1"/>
-          </p:cNvSpPr>
-          <p:nvPr>
-            <p:ph type="body" idx="10"/>
-          </p:nvPr>
-        </p:nvSpPr>
-        <p:spPr>
-          <a:xfrm>
-            <a:off x="6362700" y="2228849"/>
-            <a:ext cx="4764829" cy="476351"/>
-          </a:xfrm>
-        </p:spPr>
-        <p:txBody>
-          <a:bodyPr>
-            <a:normAutofit/>
-          </a:bodyPr>
-          <a:lstStyle/>
-          <a:p>
-            <a:r>
-              <a:rPr lang="ja-JP" altLang="en-US" sz="3200" dirty="0"/>
-              <a:t>三宅</a:t>
-            </a:r>
-            <a:endParaRPr kumimoji="1" lang="ja-JP" altLang="en-US" sz="3200" dirty="0"/>
-          </a:p>
-        </p:txBody>
-      </p:sp>
-      <p:sp>
-        <p:nvSpPr>
-          <p:cNvPr id="5" name="コンテンツ プレースホルダー 4">
-            <a:extLst>
-              <a:ext uri="{FF2B5EF4-FFF2-40B4-BE49-F238E27FC236}">
-                <a16:creationId xmlns:a16="http://schemas.microsoft.com/office/drawing/2014/main" id="{2D778782-CEEF-45DA-ABDB-13B41B4B91D5}"/>
-              </a:ext>
-            </a:extLst>
-          </p:cNvPr>
-          <p:cNvSpPr>
-            <a:spLocks noGrp="1"/>
-          </p:cNvSpPr>
-          <p:nvPr>
-            <p:ph sz="half" idx="2"/>
-          </p:nvPr>
-        </p:nvSpPr>
-        <p:spPr>
-          <a:xfrm>
-            <a:off x="964023" y="2799145"/>
-            <a:ext cx="4827178" cy="3179791"/>
-          </a:xfrm>
-        </p:spPr>
-        <p:txBody>
           <a:bodyPr/>
           <a:lstStyle/>
           <a:p>
@@ -15388,56 +16867,26 @@
       </p:sp>
       <p:sp>
         <p:nvSpPr>
-          <p:cNvPr id="6" name="コンテンツ プレースホルダー 5">
-            <a:extLst>
-              <a:ext uri="{FF2B5EF4-FFF2-40B4-BE49-F238E27FC236}">
-                <a16:creationId xmlns:a16="http://schemas.microsoft.com/office/drawing/2014/main" id="{200C8A1E-034D-4F24-B7BC-E82268498BD3}"/>
-              </a:ext>
-            </a:extLst>
-          </p:cNvPr>
-          <p:cNvSpPr>
-            <a:spLocks noGrp="1"/>
-          </p:cNvSpPr>
-          <p:nvPr>
-            <p:ph sz="half" idx="13"/>
-          </p:nvPr>
-        </p:nvSpPr>
-        <p:spPr>
-          <a:xfrm>
-            <a:off x="6362700" y="2799146"/>
-            <a:ext cx="4756241" cy="3179790"/>
-          </a:xfrm>
-        </p:spPr>
+          <p:cNvPr id="5" name="日付プレースホルダー 4">
+            <a:extLst>
+              <a:ext uri="{FF2B5EF4-FFF2-40B4-BE49-F238E27FC236}">
+                <a16:creationId xmlns:a16="http://schemas.microsoft.com/office/drawing/2014/main" id="{F698B337-957E-4BD0-843F-451E301FCF32}"/>
+              </a:ext>
+            </a:extLst>
+          </p:cNvPr>
+          <p:cNvSpPr>
+            <a:spLocks noGrp="1"/>
+          </p:cNvSpPr>
+          <p:nvPr>
+            <p:ph type="dt" sz="half" idx="14"/>
+          </p:nvPr>
+        </p:nvSpPr>
+        <p:spPr/>
         <p:txBody>
           <a:bodyPr/>
           <a:lstStyle/>
           <a:p>
-            <a:endParaRPr kumimoji="1" lang="ja-JP" altLang="en-US" dirty="0"/>
-          </a:p>
-        </p:txBody>
-      </p:sp>
-      <p:sp>
-        <p:nvSpPr>
-          <p:cNvPr id="7" name="日付プレースホルダー 6">
-            <a:extLst>
-              <a:ext uri="{FF2B5EF4-FFF2-40B4-BE49-F238E27FC236}">
-                <a16:creationId xmlns:a16="http://schemas.microsoft.com/office/drawing/2014/main" id="{9C0DBD0E-A31C-4B7A-8119-EED19C243069}"/>
-              </a:ext>
-            </a:extLst>
-          </p:cNvPr>
-          <p:cNvSpPr>
-            <a:spLocks noGrp="1"/>
-          </p:cNvSpPr>
-          <p:nvPr>
-            <p:ph type="dt" sz="half" idx="14"/>
-          </p:nvPr>
-        </p:nvSpPr>
-        <p:spPr/>
-        <p:txBody>
-          <a:bodyPr/>
-          <a:lstStyle/>
-          <a:p>
-            <a:fld id="{C5DCDC1F-F0C2-4AD5-80F3-39EC8CD71CF6}" type="datetime4">
+            <a:fld id="{9ECF9585-80F6-476E-8B21-88C3199F0E34}" type="datetime4">
               <a:rPr lang="ja-JP" altLang="en-US" smtClean="0"/>
               <a:t>2023年6月28日</a:t>
             </a:fld>
@@ -15447,10 +16896,10 @@
       </p:sp>
       <p:sp>
         <p:nvSpPr>
-          <p:cNvPr id="8" name="フッター プレースホルダー 7">
-            <a:extLst>
-              <a:ext uri="{FF2B5EF4-FFF2-40B4-BE49-F238E27FC236}">
-                <a16:creationId xmlns:a16="http://schemas.microsoft.com/office/drawing/2014/main" id="{6DE8DAEA-54A7-430D-894F-DB23D892C433}"/>
+          <p:cNvPr id="6" name="フッター プレースホルダー 5">
+            <a:extLst>
+              <a:ext uri="{FF2B5EF4-FFF2-40B4-BE49-F238E27FC236}">
+                <a16:creationId xmlns:a16="http://schemas.microsoft.com/office/drawing/2014/main" id="{B0F28DE3-E076-4AEA-AB21-60C848580179}"/>
               </a:ext>
             </a:extLst>
           </p:cNvPr>
@@ -15476,10 +16925,10 @@
       </p:sp>
       <p:sp>
         <p:nvSpPr>
-          <p:cNvPr id="9" name="スライド番号プレースホルダー 8">
-            <a:extLst>
-              <a:ext uri="{FF2B5EF4-FFF2-40B4-BE49-F238E27FC236}">
-                <a16:creationId xmlns:a16="http://schemas.microsoft.com/office/drawing/2014/main" id="{66EB83C5-43BE-4DBC-AD85-0F8B9CCC7887}"/>
+          <p:cNvPr id="7" name="スライド番号プレースホルダー 6">
+            <a:extLst>
+              <a:ext uri="{FF2B5EF4-FFF2-40B4-BE49-F238E27FC236}">
+                <a16:creationId xmlns:a16="http://schemas.microsoft.com/office/drawing/2014/main" id="{9DDE92FF-84E7-42A9-81CC-6C7F4A0A4D12}"/>
               </a:ext>
             </a:extLst>
           </p:cNvPr>
@@ -15507,7 +16956,7 @@
     </p:spTree>
     <p:extLst>
       <p:ext uri="{BB962C8B-B14F-4D97-AF65-F5344CB8AC3E}">
-        <p14:creationId xmlns:p14="http://schemas.microsoft.com/office/powerpoint/2010/main" val="2263787728"/>
+        <p14:creationId xmlns:p14="http://schemas.microsoft.com/office/powerpoint/2010/main" val="1771777756"/>
       </p:ext>
     </p:extLst>
   </p:cSld>
@@ -15536,10 +16985,10 @@
       </p:grpSpPr>
       <p:sp>
         <p:nvSpPr>
-          <p:cNvPr id="2" name="タイトル 1">
-            <a:extLst>
-              <a:ext uri="{FF2B5EF4-FFF2-40B4-BE49-F238E27FC236}">
-                <a16:creationId xmlns:a16="http://schemas.microsoft.com/office/drawing/2014/main" id="{49813BBF-9F43-4CE8-B984-1874FA177ECD}"/>
+          <p:cNvPr id="3" name="タイトル 2">
+            <a:extLst>
+              <a:ext uri="{FF2B5EF4-FFF2-40B4-BE49-F238E27FC236}">
+                <a16:creationId xmlns:a16="http://schemas.microsoft.com/office/drawing/2014/main" id="{33A39A4D-2B83-4B8E-9152-B53A2A2D8969}"/>
               </a:ext>
             </a:extLst>
           </p:cNvPr>
@@ -15552,8 +17001,8 @@
         </p:nvSpPr>
         <p:spPr>
           <a:xfrm>
-            <a:off x="952500" y="963238"/>
-            <a:ext cx="8296909" cy="704588"/>
+            <a:off x="971550" y="1002888"/>
+            <a:ext cx="5274852" cy="610863"/>
           </a:xfrm>
         </p:spPr>
         <p:txBody>
@@ -15563,855 +17012,12 @@
           <a:lstStyle/>
           <a:p>
             <a:r>
-              <a:rPr lang="ja-JP" altLang="en-US" dirty="0"/>
-              <a:t>失敗談（トラブルランキング）</a:t>
-            </a:r>
-            <a:endParaRPr kumimoji="1" lang="ja-JP" altLang="en-US" dirty="0"/>
-          </a:p>
-        </p:txBody>
-      </p:sp>
-      <p:sp>
-        <p:nvSpPr>
-          <p:cNvPr id="3" name="テキスト プレースホルダー 2">
-            <a:extLst>
-              <a:ext uri="{FF2B5EF4-FFF2-40B4-BE49-F238E27FC236}">
-                <a16:creationId xmlns:a16="http://schemas.microsoft.com/office/drawing/2014/main" id="{1D5F54A6-7D08-47C8-B17B-076DF9F58912}"/>
-              </a:ext>
-            </a:extLst>
-          </p:cNvPr>
-          <p:cNvSpPr>
-            <a:spLocks noGrp="1"/>
-          </p:cNvSpPr>
-          <p:nvPr>
-            <p:ph type="body" idx="1"/>
-          </p:nvPr>
-        </p:nvSpPr>
-        <p:spPr/>
-        <p:txBody>
-          <a:bodyPr>
-            <a:normAutofit/>
-          </a:bodyPr>
-          <a:lstStyle/>
-          <a:p>
-            <a:r>
-              <a:rPr lang="en-US" altLang="ja-JP" sz="2800" dirty="0"/>
-              <a:t>1</a:t>
-            </a:r>
-            <a:r>
-              <a:rPr lang="ja-JP" altLang="en-US" sz="2800" dirty="0"/>
-              <a:t>位</a:t>
-            </a:r>
-            <a:r>
-              <a:rPr kumimoji="1" lang="ja-JP" altLang="en-US" sz="2800" dirty="0"/>
-              <a:t>　</a:t>
-            </a:r>
-          </a:p>
-        </p:txBody>
-      </p:sp>
-      <p:sp>
-        <p:nvSpPr>
-          <p:cNvPr id="4" name="コンテンツ プレースホルダー 3">
-            <a:extLst>
-              <a:ext uri="{FF2B5EF4-FFF2-40B4-BE49-F238E27FC236}">
-                <a16:creationId xmlns:a16="http://schemas.microsoft.com/office/drawing/2014/main" id="{89184010-D65F-46BB-96A6-DBFE4A32F343}"/>
-              </a:ext>
-            </a:extLst>
-          </p:cNvPr>
-          <p:cNvSpPr>
-            <a:spLocks noGrp="1"/>
-          </p:cNvSpPr>
-          <p:nvPr>
-            <p:ph sz="half" idx="2"/>
-          </p:nvPr>
-        </p:nvSpPr>
-        <p:spPr>
-          <a:xfrm>
-            <a:off x="952500" y="2799145"/>
-            <a:ext cx="3036477" cy="2973003"/>
-          </a:xfrm>
-        </p:spPr>
-        <p:txBody>
-          <a:bodyPr/>
-          <a:lstStyle/>
-          <a:p>
-            <a:endParaRPr kumimoji="1" lang="ja-JP" altLang="en-US" dirty="0"/>
-          </a:p>
-        </p:txBody>
-      </p:sp>
-      <p:sp>
-        <p:nvSpPr>
-          <p:cNvPr id="5" name="テキスト プレースホルダー 4">
-            <a:extLst>
-              <a:ext uri="{FF2B5EF4-FFF2-40B4-BE49-F238E27FC236}">
-                <a16:creationId xmlns:a16="http://schemas.microsoft.com/office/drawing/2014/main" id="{731EF03F-6351-44A0-B73B-76E743E5FB5F}"/>
-              </a:ext>
-            </a:extLst>
-          </p:cNvPr>
-          <p:cNvSpPr>
-            <a:spLocks noGrp="1"/>
-          </p:cNvSpPr>
-          <p:nvPr>
-            <p:ph type="body" idx="10"/>
-          </p:nvPr>
-        </p:nvSpPr>
-        <p:spPr/>
-        <p:txBody>
-          <a:bodyPr>
-            <a:normAutofit/>
-          </a:bodyPr>
-          <a:lstStyle/>
-          <a:p>
-            <a:r>
-              <a:rPr lang="en-US" altLang="ja-JP" sz="2800" dirty="0"/>
-              <a:t>2</a:t>
-            </a:r>
-            <a:r>
-              <a:rPr lang="ja-JP" altLang="en-US" sz="2800" dirty="0"/>
-              <a:t>位</a:t>
-            </a:r>
-            <a:endParaRPr kumimoji="1" lang="ja-JP" altLang="en-US" sz="2800" dirty="0"/>
-          </a:p>
-        </p:txBody>
-      </p:sp>
-      <p:sp>
-        <p:nvSpPr>
-          <p:cNvPr id="6" name="コンテンツ プレースホルダー 5">
-            <a:extLst>
-              <a:ext uri="{FF2B5EF4-FFF2-40B4-BE49-F238E27FC236}">
-                <a16:creationId xmlns:a16="http://schemas.microsoft.com/office/drawing/2014/main" id="{866361F3-B8CA-4A51-B973-B985A168A74B}"/>
-              </a:ext>
-            </a:extLst>
-          </p:cNvPr>
-          <p:cNvSpPr>
-            <a:spLocks noGrp="1"/>
-          </p:cNvSpPr>
-          <p:nvPr>
-            <p:ph sz="half" idx="11"/>
-          </p:nvPr>
-        </p:nvSpPr>
-        <p:spPr>
-          <a:xfrm>
-            <a:off x="4569372" y="2799146"/>
-            <a:ext cx="3050628" cy="2973004"/>
-          </a:xfrm>
-        </p:spPr>
-        <p:txBody>
-          <a:bodyPr/>
-          <a:lstStyle/>
-          <a:p>
-            <a:endParaRPr kumimoji="1" lang="ja-JP" altLang="en-US" dirty="0"/>
-          </a:p>
-        </p:txBody>
-      </p:sp>
-      <p:sp>
-        <p:nvSpPr>
-          <p:cNvPr id="7" name="テキスト プレースホルダー 6">
-            <a:extLst>
-              <a:ext uri="{FF2B5EF4-FFF2-40B4-BE49-F238E27FC236}">
-                <a16:creationId xmlns:a16="http://schemas.microsoft.com/office/drawing/2014/main" id="{EB3F4CE5-F739-47EE-B79B-A4C8B19FC71D}"/>
-              </a:ext>
-            </a:extLst>
-          </p:cNvPr>
-          <p:cNvSpPr>
-            <a:spLocks noGrp="1"/>
-          </p:cNvSpPr>
-          <p:nvPr>
-            <p:ph type="body" idx="12"/>
-          </p:nvPr>
-        </p:nvSpPr>
-        <p:spPr/>
-        <p:txBody>
-          <a:bodyPr>
-            <a:normAutofit/>
-          </a:bodyPr>
-          <a:lstStyle/>
-          <a:p>
-            <a:r>
-              <a:rPr lang="en-US" altLang="ja-JP" sz="2800" dirty="0"/>
-              <a:t>3</a:t>
-            </a:r>
-            <a:r>
-              <a:rPr lang="ja-JP" altLang="en-US" sz="2800" dirty="0"/>
-              <a:t>位</a:t>
-            </a:r>
-            <a:endParaRPr kumimoji="1" lang="ja-JP" altLang="en-US" sz="2800" dirty="0"/>
-          </a:p>
-        </p:txBody>
-      </p:sp>
-      <p:sp>
-        <p:nvSpPr>
-          <p:cNvPr id="8" name="コンテンツ プレースホルダー 7">
-            <a:extLst>
-              <a:ext uri="{FF2B5EF4-FFF2-40B4-BE49-F238E27FC236}">
-                <a16:creationId xmlns:a16="http://schemas.microsoft.com/office/drawing/2014/main" id="{8A9A3E32-F6B9-4641-AB4D-E1D2FAA0837E}"/>
-              </a:ext>
-            </a:extLst>
-          </p:cNvPr>
-          <p:cNvSpPr>
-            <a:spLocks noGrp="1"/>
-          </p:cNvSpPr>
-          <p:nvPr>
-            <p:ph sz="half" idx="13"/>
-          </p:nvPr>
-        </p:nvSpPr>
-        <p:spPr>
-          <a:xfrm>
-            <a:off x="8187017" y="2799146"/>
-            <a:ext cx="3036477" cy="2973002"/>
-          </a:xfrm>
-        </p:spPr>
-        <p:txBody>
-          <a:bodyPr/>
-          <a:lstStyle/>
-          <a:p>
-            <a:endParaRPr kumimoji="1" lang="ja-JP" altLang="en-US" dirty="0"/>
-          </a:p>
-        </p:txBody>
-      </p:sp>
-      <p:sp>
-        <p:nvSpPr>
-          <p:cNvPr id="9" name="日付プレースホルダー 8">
-            <a:extLst>
-              <a:ext uri="{FF2B5EF4-FFF2-40B4-BE49-F238E27FC236}">
-                <a16:creationId xmlns:a16="http://schemas.microsoft.com/office/drawing/2014/main" id="{962003AE-9F21-4EF1-85BD-5A0CA0DA298E}"/>
-              </a:ext>
-            </a:extLst>
-          </p:cNvPr>
-          <p:cNvSpPr>
-            <a:spLocks noGrp="1"/>
-          </p:cNvSpPr>
-          <p:nvPr>
-            <p:ph type="dt" sz="half" idx="14"/>
-          </p:nvPr>
-        </p:nvSpPr>
-        <p:spPr/>
-        <p:txBody>
-          <a:bodyPr/>
-          <a:lstStyle/>
-          <a:p>
-            <a:fld id="{E15D4E19-39FC-454B-9272-000427D17230}" type="datetime4">
-              <a:rPr lang="ja-JP" altLang="en-US" smtClean="0"/>
-              <a:t>2023年6月28日</a:t>
-            </a:fld>
-            <a:endParaRPr lang="ja-JP" altLang="en-US" dirty="0"/>
-          </a:p>
-        </p:txBody>
-      </p:sp>
-      <p:sp>
-        <p:nvSpPr>
-          <p:cNvPr id="10" name="フッター プレースホルダー 9">
-            <a:extLst>
-              <a:ext uri="{FF2B5EF4-FFF2-40B4-BE49-F238E27FC236}">
-                <a16:creationId xmlns:a16="http://schemas.microsoft.com/office/drawing/2014/main" id="{4A426F6C-89D4-45E7-92F7-BE2418C52249}"/>
-              </a:ext>
-            </a:extLst>
-          </p:cNvPr>
-          <p:cNvSpPr>
-            <a:spLocks noGrp="1"/>
-          </p:cNvSpPr>
-          <p:nvPr>
-            <p:ph type="ftr" sz="quarter" idx="15"/>
-          </p:nvPr>
-        </p:nvSpPr>
-        <p:spPr/>
-        <p:txBody>
-          <a:bodyPr/>
-          <a:lstStyle/>
-          <a:p>
-            <a:r>
-              <a:rPr lang="ja-JP" altLang="en-US"/>
-              <a:t>年次レビュー</a:t>
-            </a:r>
-            <a:endParaRPr lang="ja-JP" altLang="en-US" b="0" dirty="0"/>
-          </a:p>
-        </p:txBody>
-      </p:sp>
-      <p:sp>
-        <p:nvSpPr>
-          <p:cNvPr id="11" name="スライド番号プレースホルダー 10">
-            <a:extLst>
-              <a:ext uri="{FF2B5EF4-FFF2-40B4-BE49-F238E27FC236}">
-                <a16:creationId xmlns:a16="http://schemas.microsoft.com/office/drawing/2014/main" id="{090705F2-06CA-43D3-9035-E4EE83EA246C}"/>
-              </a:ext>
-            </a:extLst>
-          </p:cNvPr>
-          <p:cNvSpPr>
-            <a:spLocks noGrp="1"/>
-          </p:cNvSpPr>
-          <p:nvPr>
-            <p:ph type="sldNum" sz="quarter" idx="16"/>
-          </p:nvPr>
-        </p:nvSpPr>
-        <p:spPr/>
-        <p:txBody>
-          <a:bodyPr/>
-          <a:lstStyle/>
-          <a:p>
-            <a:fld id="{294A09A9-5501-47C1-A89A-A340965A2BE2}" type="slidenum">
-              <a:rPr lang="en-US" altLang="ja-JP" smtClean="0"/>
-              <a:pPr/>
-              <a:t>15</a:t>
-            </a:fld>
-            <a:endParaRPr lang="ja-JP" altLang="en-US" dirty="0"/>
-          </a:p>
-        </p:txBody>
-      </p:sp>
-    </p:spTree>
-    <p:extLst>
-      <p:ext uri="{BB962C8B-B14F-4D97-AF65-F5344CB8AC3E}">
-        <p14:creationId xmlns:p14="http://schemas.microsoft.com/office/powerpoint/2010/main" val="1958361498"/>
-      </p:ext>
-    </p:extLst>
-  </p:cSld>
-  <p:clrMapOvr>
-    <a:masterClrMapping/>
-  </p:clrMapOvr>
-</p:sld>
-</file>
-
-<file path=ppt/slides/slide16.xml><?xml version="1.0" encoding="utf-8"?>
-<p:sld xmlns:a="http://schemas.openxmlformats.org/drawingml/2006/main" xmlns:r="http://schemas.openxmlformats.org/officeDocument/2006/relationships" xmlns:p="http://schemas.openxmlformats.org/presentationml/2006/main">
-  <p:cSld>
-    <p:spTree>
-      <p:nvGrpSpPr>
-        <p:cNvPr id="1" name=""/>
-        <p:cNvGrpSpPr/>
-        <p:nvPr/>
-      </p:nvGrpSpPr>
-      <p:grpSpPr>
-        <a:xfrm>
-          <a:off x="0" y="0"/>
-          <a:ext cx="0" cy="0"/>
-          <a:chOff x="0" y="0"/>
-          <a:chExt cx="0" cy="0"/>
-        </a:xfrm>
-      </p:grpSpPr>
-      <p:sp>
-        <p:nvSpPr>
-          <p:cNvPr id="3" name="タイトル 2">
-            <a:extLst>
-              <a:ext uri="{FF2B5EF4-FFF2-40B4-BE49-F238E27FC236}">
-                <a16:creationId xmlns:a16="http://schemas.microsoft.com/office/drawing/2014/main" id="{33A39A4D-2B83-4B8E-9152-B53A2A2D8969}"/>
-              </a:ext>
-            </a:extLst>
-          </p:cNvPr>
-          <p:cNvSpPr>
-            <a:spLocks noGrp="1"/>
-          </p:cNvSpPr>
-          <p:nvPr>
-            <p:ph type="title"/>
-          </p:nvPr>
-        </p:nvSpPr>
-        <p:spPr>
-          <a:xfrm>
-            <a:off x="952499" y="1040988"/>
-            <a:ext cx="5274852" cy="610863"/>
-          </a:xfrm>
-        </p:spPr>
-        <p:txBody>
-          <a:bodyPr>
-            <a:normAutofit/>
-          </a:bodyPr>
-          <a:lstStyle/>
-          <a:p>
-            <a:r>
               <a:rPr kumimoji="1" lang="en-US" altLang="ja-JP" dirty="0"/>
-              <a:t>06</a:t>
+              <a:t>08</a:t>
             </a:r>
             <a:r>
               <a:rPr kumimoji="1" lang="ja-JP" altLang="en-US" dirty="0"/>
-              <a:t>．改善点</a:t>
-            </a:r>
-          </a:p>
-        </p:txBody>
-      </p:sp>
-      <p:sp>
-        <p:nvSpPr>
-          <p:cNvPr id="4" name="テキスト プレースホルダー 3">
-            <a:extLst>
-              <a:ext uri="{FF2B5EF4-FFF2-40B4-BE49-F238E27FC236}">
-                <a16:creationId xmlns:a16="http://schemas.microsoft.com/office/drawing/2014/main" id="{9D8217D2-1379-45BD-AAD5-4460387A6911}"/>
-              </a:ext>
-            </a:extLst>
-          </p:cNvPr>
-          <p:cNvSpPr>
-            <a:spLocks noGrp="1"/>
-          </p:cNvSpPr>
-          <p:nvPr>
-            <p:ph type="body" sz="quarter" idx="11"/>
-          </p:nvPr>
-        </p:nvSpPr>
-        <p:spPr>
-          <a:xfrm>
-            <a:off x="952500" y="2289363"/>
-            <a:ext cx="5274852" cy="3816162"/>
-          </a:xfrm>
-        </p:spPr>
-        <p:txBody>
-          <a:bodyPr/>
-          <a:lstStyle/>
-          <a:p>
-            <a:pPr marL="457200">
-              <a:spcBef>
-                <a:spcPts val="1600"/>
-              </a:spcBef>
-              <a:spcAft>
-                <a:spcPts val="400"/>
-              </a:spcAft>
-            </a:pPr>
-            <a:r>
-              <a:rPr lang="ja-JP" altLang="ja-JP" sz="2800" dirty="0">
-                <a:solidFill>
-                  <a:srgbClr val="1D1C1D"/>
-                </a:solidFill>
-                <a:effectLst/>
-                <a:cs typeface="Arial" panose="020B0604020202020204" pitchFamily="34" charset="0"/>
-              </a:rPr>
-              <a:t>・お問い合わせの返信</a:t>
-            </a:r>
-            <a:endParaRPr lang="ja-JP" altLang="ja-JP" sz="2800" dirty="0">
-              <a:effectLst/>
-              <a:cs typeface="ＭＳ Ｐゴシック" panose="020B0600070205080204" pitchFamily="50" charset="-128"/>
-            </a:endParaRPr>
-          </a:p>
-          <a:p>
-            <a:pPr marL="457200">
-              <a:spcBef>
-                <a:spcPts val="1600"/>
-              </a:spcBef>
-              <a:spcAft>
-                <a:spcPts val="400"/>
-              </a:spcAft>
-            </a:pPr>
-            <a:r>
-              <a:rPr lang="ja-JP" altLang="ja-JP" sz="2800" dirty="0">
-                <a:solidFill>
-                  <a:srgbClr val="1D1C1D"/>
-                </a:solidFill>
-                <a:effectLst/>
-                <a:cs typeface="Arial" panose="020B0604020202020204" pitchFamily="34" charset="0"/>
-              </a:rPr>
-              <a:t>・ユーザー登録</a:t>
-            </a:r>
-            <a:r>
-              <a:rPr lang="ja-JP" altLang="en-US" sz="2800" dirty="0">
-                <a:solidFill>
-                  <a:srgbClr val="1D1C1D"/>
-                </a:solidFill>
-                <a:effectLst/>
-                <a:cs typeface="Arial" panose="020B0604020202020204" pitchFamily="34" charset="0"/>
-              </a:rPr>
-              <a:t>、内容</a:t>
-            </a:r>
-            <a:r>
-              <a:rPr lang="ja-JP" altLang="ja-JP" sz="2800" dirty="0">
-                <a:solidFill>
-                  <a:srgbClr val="1D1C1D"/>
-                </a:solidFill>
-                <a:effectLst/>
-                <a:cs typeface="Arial" panose="020B0604020202020204" pitchFamily="34" charset="0"/>
-              </a:rPr>
-              <a:t>変更の際にメールで確認</a:t>
-            </a:r>
-            <a:endParaRPr lang="ja-JP" altLang="ja-JP" sz="2800" dirty="0">
-              <a:effectLst/>
-              <a:cs typeface="ＭＳ Ｐゴシック" panose="020B0600070205080204" pitchFamily="50" charset="-128"/>
-            </a:endParaRPr>
-          </a:p>
-          <a:p>
-            <a:pPr marL="457200">
-              <a:spcBef>
-                <a:spcPts val="1600"/>
-              </a:spcBef>
-              <a:spcAft>
-                <a:spcPts val="400"/>
-              </a:spcAft>
-            </a:pPr>
-            <a:r>
-              <a:rPr lang="ja-JP" altLang="ja-JP" sz="2800" dirty="0">
-                <a:solidFill>
-                  <a:srgbClr val="1D1C1D"/>
-                </a:solidFill>
-                <a:effectLst/>
-                <a:cs typeface="Arial" panose="020B0604020202020204" pitchFamily="34" charset="0"/>
-              </a:rPr>
-              <a:t>・カレンダーの実装</a:t>
-            </a:r>
-            <a:endParaRPr lang="ja-JP" altLang="ja-JP" sz="2800" dirty="0">
-              <a:effectLst/>
-              <a:cs typeface="ＭＳ Ｐゴシック" panose="020B0600070205080204" pitchFamily="50" charset="-128"/>
-            </a:endParaRPr>
-          </a:p>
-          <a:p>
-            <a:pPr marL="457200">
-              <a:spcBef>
-                <a:spcPts val="1600"/>
-              </a:spcBef>
-              <a:spcAft>
-                <a:spcPts val="400"/>
-              </a:spcAft>
-            </a:pPr>
-            <a:r>
-              <a:rPr lang="ja-JP" altLang="ja-JP" sz="2800" dirty="0">
-                <a:solidFill>
-                  <a:srgbClr val="1D1C1D"/>
-                </a:solidFill>
-                <a:effectLst/>
-                <a:cs typeface="Arial" panose="020B0604020202020204" pitchFamily="34" charset="0"/>
-              </a:rPr>
-              <a:t>・家計簿の実装</a:t>
-            </a:r>
-            <a:r>
-              <a:rPr lang="en-US" altLang="ja-JP" sz="2800" dirty="0">
-                <a:solidFill>
-                  <a:srgbClr val="1D1C1D"/>
-                </a:solidFill>
-                <a:effectLst/>
-                <a:cs typeface="ＭＳ Ｐゴシック" panose="020B0600070205080204" pitchFamily="50" charset="-128"/>
-              </a:rPr>
-              <a:t>→</a:t>
-            </a:r>
-            <a:r>
-              <a:rPr lang="ja-JP" altLang="ja-JP" sz="2800" dirty="0">
-                <a:solidFill>
-                  <a:srgbClr val="1D1C1D"/>
-                </a:solidFill>
-                <a:effectLst/>
-                <a:cs typeface="Arial" panose="020B0604020202020204" pitchFamily="34" charset="0"/>
-              </a:rPr>
-              <a:t>グラフの作成</a:t>
-            </a:r>
-            <a:endParaRPr lang="ja-JP" altLang="ja-JP" sz="2800" dirty="0">
-              <a:effectLst/>
-              <a:cs typeface="ＭＳ Ｐゴシック" panose="020B0600070205080204" pitchFamily="50" charset="-128"/>
-            </a:endParaRPr>
-          </a:p>
-          <a:p>
-            <a:endParaRPr kumimoji="1" lang="ja-JP" altLang="en-US" dirty="0"/>
-          </a:p>
-        </p:txBody>
-      </p:sp>
-      <p:sp>
-        <p:nvSpPr>
-          <p:cNvPr id="5" name="日付プレースホルダー 4">
-            <a:extLst>
-              <a:ext uri="{FF2B5EF4-FFF2-40B4-BE49-F238E27FC236}">
-                <a16:creationId xmlns:a16="http://schemas.microsoft.com/office/drawing/2014/main" id="{F698B337-957E-4BD0-843F-451E301FCF32}"/>
-              </a:ext>
-            </a:extLst>
-          </p:cNvPr>
-          <p:cNvSpPr>
-            <a:spLocks noGrp="1"/>
-          </p:cNvSpPr>
-          <p:nvPr>
-            <p:ph type="dt" sz="half" idx="14"/>
-          </p:nvPr>
-        </p:nvSpPr>
-        <p:spPr/>
-        <p:txBody>
-          <a:bodyPr/>
-          <a:lstStyle/>
-          <a:p>
-            <a:fld id="{9ECF9585-80F6-476E-8B21-88C3199F0E34}" type="datetime4">
-              <a:rPr lang="ja-JP" altLang="en-US" smtClean="0"/>
-              <a:t>2023年6月28日</a:t>
-            </a:fld>
-            <a:endParaRPr lang="ja-JP" altLang="en-US" dirty="0"/>
-          </a:p>
-        </p:txBody>
-      </p:sp>
-      <p:sp>
-        <p:nvSpPr>
-          <p:cNvPr id="6" name="フッター プレースホルダー 5">
-            <a:extLst>
-              <a:ext uri="{FF2B5EF4-FFF2-40B4-BE49-F238E27FC236}">
-                <a16:creationId xmlns:a16="http://schemas.microsoft.com/office/drawing/2014/main" id="{B0F28DE3-E076-4AEA-AB21-60C848580179}"/>
-              </a:ext>
-            </a:extLst>
-          </p:cNvPr>
-          <p:cNvSpPr>
-            <a:spLocks noGrp="1"/>
-          </p:cNvSpPr>
-          <p:nvPr>
-            <p:ph type="ftr" sz="quarter" idx="15"/>
-          </p:nvPr>
-        </p:nvSpPr>
-        <p:spPr/>
-        <p:txBody>
-          <a:bodyPr/>
-          <a:lstStyle/>
-          <a:p>
-            <a:r>
-              <a:rPr lang="ja-JP" altLang="en-US"/>
-              <a:t>年次レビュー</a:t>
-            </a:r>
-            <a:endParaRPr lang="ja-JP" altLang="en-US" b="0" dirty="0"/>
-          </a:p>
-        </p:txBody>
-      </p:sp>
-      <p:sp>
-        <p:nvSpPr>
-          <p:cNvPr id="7" name="スライド番号プレースホルダー 6">
-            <a:extLst>
-              <a:ext uri="{FF2B5EF4-FFF2-40B4-BE49-F238E27FC236}">
-                <a16:creationId xmlns:a16="http://schemas.microsoft.com/office/drawing/2014/main" id="{9DDE92FF-84E7-42A9-81CC-6C7F4A0A4D12}"/>
-              </a:ext>
-            </a:extLst>
-          </p:cNvPr>
-          <p:cNvSpPr>
-            <a:spLocks noGrp="1"/>
-          </p:cNvSpPr>
-          <p:nvPr>
-            <p:ph type="sldNum" sz="quarter" idx="16"/>
-          </p:nvPr>
-        </p:nvSpPr>
-        <p:spPr/>
-        <p:txBody>
-          <a:bodyPr/>
-          <a:lstStyle/>
-          <a:p>
-            <a:fld id="{294A09A9-5501-47C1-A89A-A340965A2BE2}" type="slidenum">
-              <a:rPr lang="en-US" altLang="ja-JP" smtClean="0"/>
-              <a:pPr/>
-              <a:t>16</a:t>
-            </a:fld>
-            <a:endParaRPr lang="ja-JP" altLang="en-US" dirty="0"/>
-          </a:p>
-        </p:txBody>
-      </p:sp>
-      <p:sp>
-        <p:nvSpPr>
-          <p:cNvPr id="2" name="テキスト ボックス 1">
-            <a:extLst>
-              <a:ext uri="{FF2B5EF4-FFF2-40B4-BE49-F238E27FC236}">
-                <a16:creationId xmlns:a16="http://schemas.microsoft.com/office/drawing/2014/main" id="{93BE7FB2-B094-43F1-92E5-B95710B7C28D}"/>
-              </a:ext>
-            </a:extLst>
-          </p:cNvPr>
-          <p:cNvSpPr txBox="1"/>
-          <p:nvPr/>
-        </p:nvSpPr>
-        <p:spPr>
-          <a:xfrm>
-            <a:off x="6227351" y="2289363"/>
-            <a:ext cx="5116924" cy="2913618"/>
-          </a:xfrm>
-          <a:prstGeom prst="rect">
-            <a:avLst/>
-          </a:prstGeom>
-          <a:noFill/>
-        </p:spPr>
-        <p:txBody>
-          <a:bodyPr wrap="square" rtlCol="0">
-            <a:spAutoFit/>
-          </a:bodyPr>
-          <a:lstStyle/>
-          <a:p>
-            <a:pPr marL="457200">
-              <a:spcBef>
-                <a:spcPts val="1600"/>
-              </a:spcBef>
-              <a:spcAft>
-                <a:spcPts val="400"/>
-              </a:spcAft>
-            </a:pPr>
-            <a:r>
-              <a:rPr lang="ja-JP" altLang="ja-JP" sz="2800" dirty="0">
-                <a:solidFill>
-                  <a:srgbClr val="1D1C1D"/>
-                </a:solidFill>
-                <a:effectLst/>
-                <a:latin typeface="Meiryo UI" panose="020B0604030504040204" pitchFamily="50" charset="-128"/>
-                <a:ea typeface="Meiryo UI" panose="020B0604030504040204" pitchFamily="50" charset="-128"/>
-                <a:cs typeface="Arial" panose="020B0604020202020204" pitchFamily="34" charset="0"/>
-              </a:rPr>
-              <a:t>・一斉減量ボタンなしで減量</a:t>
-            </a:r>
-            <a:endParaRPr lang="ja-JP" altLang="ja-JP" sz="2800" dirty="0">
-              <a:effectLst/>
-              <a:latin typeface="Meiryo UI" panose="020B0604030504040204" pitchFamily="50" charset="-128"/>
-              <a:ea typeface="Meiryo UI" panose="020B0604030504040204" pitchFamily="50" charset="-128"/>
-              <a:cs typeface="ＭＳ Ｐゴシック" panose="020B0600070205080204" pitchFamily="50" charset="-128"/>
-            </a:endParaRPr>
-          </a:p>
-          <a:p>
-            <a:pPr marL="457200">
-              <a:spcBef>
-                <a:spcPts val="1600"/>
-              </a:spcBef>
-              <a:spcAft>
-                <a:spcPts val="400"/>
-              </a:spcAft>
-            </a:pPr>
-            <a:r>
-              <a:rPr lang="ja-JP" altLang="ja-JP" sz="2800" dirty="0">
-                <a:solidFill>
-                  <a:srgbClr val="1D1C1D"/>
-                </a:solidFill>
-                <a:effectLst/>
-                <a:latin typeface="Meiryo UI" panose="020B0604030504040204" pitchFamily="50" charset="-128"/>
-                <a:ea typeface="Meiryo UI" panose="020B0604030504040204" pitchFamily="50" charset="-128"/>
-                <a:cs typeface="Arial" panose="020B0604020202020204" pitchFamily="34" charset="0"/>
-              </a:rPr>
-              <a:t>・ページネーション</a:t>
-            </a:r>
-            <a:endParaRPr lang="ja-JP" altLang="ja-JP" sz="2800" dirty="0">
-              <a:effectLst/>
-              <a:latin typeface="Meiryo UI" panose="020B0604030504040204" pitchFamily="50" charset="-128"/>
-              <a:ea typeface="Meiryo UI" panose="020B0604030504040204" pitchFamily="50" charset="-128"/>
-              <a:cs typeface="ＭＳ Ｐゴシック" panose="020B0600070205080204" pitchFamily="50" charset="-128"/>
-            </a:endParaRPr>
-          </a:p>
-          <a:p>
-            <a:pPr marL="457200">
-              <a:spcBef>
-                <a:spcPts val="1600"/>
-              </a:spcBef>
-              <a:spcAft>
-                <a:spcPts val="400"/>
-              </a:spcAft>
-            </a:pPr>
-            <a:r>
-              <a:rPr lang="ja-JP" altLang="ja-JP" sz="2800" dirty="0">
-                <a:solidFill>
-                  <a:srgbClr val="1D1C1D"/>
-                </a:solidFill>
-                <a:effectLst/>
-                <a:latin typeface="Meiryo UI" panose="020B0604030504040204" pitchFamily="50" charset="-128"/>
-                <a:ea typeface="Meiryo UI" panose="020B0604030504040204" pitchFamily="50" charset="-128"/>
-                <a:cs typeface="Arial" panose="020B0604020202020204" pitchFamily="34" charset="0"/>
-              </a:rPr>
-              <a:t>・商品画像の自動挿入</a:t>
-            </a:r>
-            <a:endParaRPr lang="ja-JP" altLang="ja-JP" sz="2800" dirty="0">
-              <a:effectLst/>
-              <a:latin typeface="Meiryo UI" panose="020B0604030504040204" pitchFamily="50" charset="-128"/>
-              <a:ea typeface="Meiryo UI" panose="020B0604030504040204" pitchFamily="50" charset="-128"/>
-              <a:cs typeface="ＭＳ Ｐゴシック" panose="020B0600070205080204" pitchFamily="50" charset="-128"/>
-            </a:endParaRPr>
-          </a:p>
-          <a:p>
-            <a:pPr marL="457200">
-              <a:spcBef>
-                <a:spcPts val="1600"/>
-              </a:spcBef>
-              <a:spcAft>
-                <a:spcPts val="400"/>
-              </a:spcAft>
-            </a:pPr>
-            <a:r>
-              <a:rPr lang="ja-JP" altLang="ja-JP" sz="2800" dirty="0">
-                <a:solidFill>
-                  <a:srgbClr val="1D1C1D"/>
-                </a:solidFill>
-                <a:effectLst/>
-                <a:latin typeface="Meiryo UI" panose="020B0604030504040204" pitchFamily="50" charset="-128"/>
-                <a:ea typeface="Meiryo UI" panose="020B0604030504040204" pitchFamily="50" charset="-128"/>
-                <a:cs typeface="Arial" panose="020B0604020202020204" pitchFamily="34" charset="0"/>
-              </a:rPr>
-              <a:t>・</a:t>
-            </a:r>
-            <a:r>
-              <a:rPr lang="en-US" altLang="ja-JP" sz="2800" dirty="0">
-                <a:solidFill>
-                  <a:srgbClr val="1D1C1D"/>
-                </a:solidFill>
-                <a:effectLst/>
-                <a:latin typeface="Meiryo UI" panose="020B0604030504040204" pitchFamily="50" charset="-128"/>
-                <a:ea typeface="Meiryo UI" panose="020B0604030504040204" pitchFamily="50" charset="-128"/>
-                <a:cs typeface="ＭＳ Ｐゴシック" panose="020B0600070205080204" pitchFamily="50" charset="-128"/>
-              </a:rPr>
-              <a:t>API</a:t>
-            </a:r>
-            <a:r>
-              <a:rPr lang="ja-JP" altLang="ja-JP" sz="2800" dirty="0">
-                <a:solidFill>
-                  <a:srgbClr val="1D1C1D"/>
-                </a:solidFill>
-                <a:effectLst/>
-                <a:latin typeface="Meiryo UI" panose="020B0604030504040204" pitchFamily="50" charset="-128"/>
-                <a:ea typeface="Meiryo UI" panose="020B0604030504040204" pitchFamily="50" charset="-128"/>
-                <a:cs typeface="Arial" panose="020B0604020202020204" pitchFamily="34" charset="0"/>
-              </a:rPr>
-              <a:t>を元に価格変動反映</a:t>
-            </a:r>
-            <a:endParaRPr lang="ja-JP" altLang="ja-JP" sz="2800" dirty="0">
-              <a:effectLst/>
-              <a:latin typeface="Meiryo UI" panose="020B0604030504040204" pitchFamily="50" charset="-128"/>
-              <a:ea typeface="Meiryo UI" panose="020B0604030504040204" pitchFamily="50" charset="-128"/>
-              <a:cs typeface="ＭＳ Ｐゴシック" panose="020B0600070205080204" pitchFamily="50" charset="-128"/>
-            </a:endParaRPr>
-          </a:p>
-          <a:p>
-            <a:endParaRPr kumimoji="1" lang="ja-JP" altLang="en-US" dirty="0"/>
-          </a:p>
-        </p:txBody>
-      </p:sp>
-    </p:spTree>
-    <p:extLst>
-      <p:ext uri="{BB962C8B-B14F-4D97-AF65-F5344CB8AC3E}">
-        <p14:creationId xmlns:p14="http://schemas.microsoft.com/office/powerpoint/2010/main" val="121878404"/>
-      </p:ext>
-    </p:extLst>
-  </p:cSld>
-  <p:clrMapOvr>
-    <a:masterClrMapping/>
-  </p:clrMapOvr>
-</p:sld>
-</file>
-
-<file path=ppt/slides/slide17.xml><?xml version="1.0" encoding="utf-8"?>
-<p:sld xmlns:a="http://schemas.openxmlformats.org/drawingml/2006/main" xmlns:r="http://schemas.openxmlformats.org/officeDocument/2006/relationships" xmlns:p="http://schemas.openxmlformats.org/presentationml/2006/main">
-  <p:cSld>
-    <p:spTree>
-      <p:nvGrpSpPr>
-        <p:cNvPr id="1" name=""/>
-        <p:cNvGrpSpPr/>
-        <p:nvPr/>
-      </p:nvGrpSpPr>
-      <p:grpSpPr>
-        <a:xfrm>
-          <a:off x="0" y="0"/>
-          <a:ext cx="0" cy="0"/>
-          <a:chOff x="0" y="0"/>
-          <a:chExt cx="0" cy="0"/>
-        </a:xfrm>
-      </p:grpSpPr>
-      <p:sp>
-        <p:nvSpPr>
-          <p:cNvPr id="3" name="タイトル 2">
-            <a:extLst>
-              <a:ext uri="{FF2B5EF4-FFF2-40B4-BE49-F238E27FC236}">
-                <a16:creationId xmlns:a16="http://schemas.microsoft.com/office/drawing/2014/main" id="{33A39A4D-2B83-4B8E-9152-B53A2A2D8969}"/>
-              </a:ext>
-            </a:extLst>
-          </p:cNvPr>
-          <p:cNvSpPr>
-            <a:spLocks noGrp="1"/>
-          </p:cNvSpPr>
-          <p:nvPr>
-            <p:ph type="title"/>
-          </p:nvPr>
-        </p:nvSpPr>
-        <p:spPr>
-          <a:xfrm>
-            <a:off x="971550" y="974313"/>
-            <a:ext cx="5274852" cy="610863"/>
-          </a:xfrm>
-        </p:spPr>
-        <p:txBody>
-          <a:bodyPr>
-            <a:normAutofit/>
-          </a:bodyPr>
-          <a:lstStyle/>
-          <a:p>
-            <a:r>
-              <a:rPr kumimoji="1" lang="en-US" altLang="ja-JP" dirty="0"/>
-              <a:t>07</a:t>
-            </a:r>
-            <a:r>
-              <a:rPr kumimoji="1" lang="ja-JP" altLang="en-US" dirty="0"/>
-              <a:t>．今後の抱負</a:t>
+              <a:t>．謝辞</a:t>
             </a:r>
           </a:p>
         </p:txBody>
@@ -16442,193 +17048,6 @@
           <a:bodyPr/>
           <a:lstStyle/>
           <a:p>
-            <a:endParaRPr kumimoji="1" lang="ja-JP" altLang="en-US" dirty="0"/>
-          </a:p>
-        </p:txBody>
-      </p:sp>
-      <p:sp>
-        <p:nvSpPr>
-          <p:cNvPr id="5" name="日付プレースホルダー 4">
-            <a:extLst>
-              <a:ext uri="{FF2B5EF4-FFF2-40B4-BE49-F238E27FC236}">
-                <a16:creationId xmlns:a16="http://schemas.microsoft.com/office/drawing/2014/main" id="{F698B337-957E-4BD0-843F-451E301FCF32}"/>
-              </a:ext>
-            </a:extLst>
-          </p:cNvPr>
-          <p:cNvSpPr>
-            <a:spLocks noGrp="1"/>
-          </p:cNvSpPr>
-          <p:nvPr>
-            <p:ph type="dt" sz="half" idx="14"/>
-          </p:nvPr>
-        </p:nvSpPr>
-        <p:spPr/>
-        <p:txBody>
-          <a:bodyPr/>
-          <a:lstStyle/>
-          <a:p>
-            <a:fld id="{9ECF9585-80F6-476E-8B21-88C3199F0E34}" type="datetime4">
-              <a:rPr lang="ja-JP" altLang="en-US" smtClean="0"/>
-              <a:t>2023年6月28日</a:t>
-            </a:fld>
-            <a:endParaRPr lang="ja-JP" altLang="en-US" dirty="0"/>
-          </a:p>
-        </p:txBody>
-      </p:sp>
-      <p:sp>
-        <p:nvSpPr>
-          <p:cNvPr id="6" name="フッター プレースホルダー 5">
-            <a:extLst>
-              <a:ext uri="{FF2B5EF4-FFF2-40B4-BE49-F238E27FC236}">
-                <a16:creationId xmlns:a16="http://schemas.microsoft.com/office/drawing/2014/main" id="{B0F28DE3-E076-4AEA-AB21-60C848580179}"/>
-              </a:ext>
-            </a:extLst>
-          </p:cNvPr>
-          <p:cNvSpPr>
-            <a:spLocks noGrp="1"/>
-          </p:cNvSpPr>
-          <p:nvPr>
-            <p:ph type="ftr" sz="quarter" idx="15"/>
-          </p:nvPr>
-        </p:nvSpPr>
-        <p:spPr/>
-        <p:txBody>
-          <a:bodyPr/>
-          <a:lstStyle/>
-          <a:p>
-            <a:r>
-              <a:rPr lang="ja-JP" altLang="en-US"/>
-              <a:t>年次レビュー</a:t>
-            </a:r>
-            <a:endParaRPr lang="ja-JP" altLang="en-US" b="0" dirty="0"/>
-          </a:p>
-        </p:txBody>
-      </p:sp>
-      <p:sp>
-        <p:nvSpPr>
-          <p:cNvPr id="7" name="スライド番号プレースホルダー 6">
-            <a:extLst>
-              <a:ext uri="{FF2B5EF4-FFF2-40B4-BE49-F238E27FC236}">
-                <a16:creationId xmlns:a16="http://schemas.microsoft.com/office/drawing/2014/main" id="{9DDE92FF-84E7-42A9-81CC-6C7F4A0A4D12}"/>
-              </a:ext>
-            </a:extLst>
-          </p:cNvPr>
-          <p:cNvSpPr>
-            <a:spLocks noGrp="1"/>
-          </p:cNvSpPr>
-          <p:nvPr>
-            <p:ph type="sldNum" sz="quarter" idx="16"/>
-          </p:nvPr>
-        </p:nvSpPr>
-        <p:spPr/>
-        <p:txBody>
-          <a:bodyPr/>
-          <a:lstStyle/>
-          <a:p>
-            <a:fld id="{294A09A9-5501-47C1-A89A-A340965A2BE2}" type="slidenum">
-              <a:rPr lang="en-US" altLang="ja-JP" smtClean="0"/>
-              <a:pPr/>
-              <a:t>17</a:t>
-            </a:fld>
-            <a:endParaRPr lang="ja-JP" altLang="en-US" dirty="0"/>
-          </a:p>
-        </p:txBody>
-      </p:sp>
-    </p:spTree>
-    <p:extLst>
-      <p:ext uri="{BB962C8B-B14F-4D97-AF65-F5344CB8AC3E}">
-        <p14:creationId xmlns:p14="http://schemas.microsoft.com/office/powerpoint/2010/main" val="1771777756"/>
-      </p:ext>
-    </p:extLst>
-  </p:cSld>
-  <p:clrMapOvr>
-    <a:masterClrMapping/>
-  </p:clrMapOvr>
-</p:sld>
-</file>
-
-<file path=ppt/slides/slide18.xml><?xml version="1.0" encoding="utf-8"?>
-<p:sld xmlns:a="http://schemas.openxmlformats.org/drawingml/2006/main" xmlns:r="http://schemas.openxmlformats.org/officeDocument/2006/relationships" xmlns:p="http://schemas.openxmlformats.org/presentationml/2006/main">
-  <p:cSld>
-    <p:spTree>
-      <p:nvGrpSpPr>
-        <p:cNvPr id="1" name=""/>
-        <p:cNvGrpSpPr/>
-        <p:nvPr/>
-      </p:nvGrpSpPr>
-      <p:grpSpPr>
-        <a:xfrm>
-          <a:off x="0" y="0"/>
-          <a:ext cx="0" cy="0"/>
-          <a:chOff x="0" y="0"/>
-          <a:chExt cx="0" cy="0"/>
-        </a:xfrm>
-      </p:grpSpPr>
-      <p:sp>
-        <p:nvSpPr>
-          <p:cNvPr id="3" name="タイトル 2">
-            <a:extLst>
-              <a:ext uri="{FF2B5EF4-FFF2-40B4-BE49-F238E27FC236}">
-                <a16:creationId xmlns:a16="http://schemas.microsoft.com/office/drawing/2014/main" id="{33A39A4D-2B83-4B8E-9152-B53A2A2D8969}"/>
-              </a:ext>
-            </a:extLst>
-          </p:cNvPr>
-          <p:cNvSpPr>
-            <a:spLocks noGrp="1"/>
-          </p:cNvSpPr>
-          <p:nvPr>
-            <p:ph type="title"/>
-          </p:nvPr>
-        </p:nvSpPr>
-        <p:spPr>
-          <a:xfrm>
-            <a:off x="971550" y="1002888"/>
-            <a:ext cx="5274852" cy="610863"/>
-          </a:xfrm>
-        </p:spPr>
-        <p:txBody>
-          <a:bodyPr>
-            <a:normAutofit/>
-          </a:bodyPr>
-          <a:lstStyle/>
-          <a:p>
-            <a:r>
-              <a:rPr kumimoji="1" lang="en-US" altLang="ja-JP" dirty="0"/>
-              <a:t>08</a:t>
-            </a:r>
-            <a:r>
-              <a:rPr kumimoji="1" lang="ja-JP" altLang="en-US" dirty="0"/>
-              <a:t>．謝辞</a:t>
-            </a:r>
-          </a:p>
-        </p:txBody>
-      </p:sp>
-      <p:sp>
-        <p:nvSpPr>
-          <p:cNvPr id="4" name="テキスト プレースホルダー 3">
-            <a:extLst>
-              <a:ext uri="{FF2B5EF4-FFF2-40B4-BE49-F238E27FC236}">
-                <a16:creationId xmlns:a16="http://schemas.microsoft.com/office/drawing/2014/main" id="{9D8217D2-1379-45BD-AAD5-4460387A6911}"/>
-              </a:ext>
-            </a:extLst>
-          </p:cNvPr>
-          <p:cNvSpPr>
-            <a:spLocks noGrp="1"/>
-          </p:cNvSpPr>
-          <p:nvPr>
-            <p:ph type="body" sz="quarter" idx="11"/>
-          </p:nvPr>
-        </p:nvSpPr>
-        <p:spPr>
-          <a:xfrm>
-            <a:off x="952499" y="2289363"/>
-            <a:ext cx="10077451" cy="3816162"/>
-          </a:xfrm>
-        </p:spPr>
-        <p:txBody>
-          <a:bodyPr/>
-          <a:lstStyle/>
-          <a:p>
             <a:pPr marL="0" indent="0">
               <a:lnSpc>
                 <a:spcPct val="100000"/>
@@ -16779,7 +17198,7 @@
             <a:fld id="{294A09A9-5501-47C1-A89A-A340965A2BE2}" type="slidenum">
               <a:rPr lang="en-US" altLang="ja-JP" smtClean="0"/>
               <a:pPr/>
-              <a:t>18</a:t>
+              <a:t>15</a:t>
             </a:fld>
             <a:endParaRPr lang="ja-JP" altLang="en-US" dirty="0"/>
           </a:p>
@@ -16943,7 +17362,27 @@
                 <a:latin typeface="Meiryo UI" panose="020B0604030504040204" pitchFamily="50" charset="-128"/>
                 <a:ea typeface="Meiryo UI" panose="020B0604030504040204" pitchFamily="50" charset="-128"/>
               </a:rPr>
-              <a:t>．アイデアの背景</a:t>
+              <a:t>．アプリアイデア</a:t>
+            </a:r>
+            <a:r>
+              <a:rPr lang="en-US" altLang="ja-JP" sz="2000" b="1" dirty="0">
+                <a:solidFill>
+                  <a:schemeClr val="tx2"/>
+                </a:solidFill>
+                <a:latin typeface="Meiryo UI" panose="020B0604030504040204" pitchFamily="50" charset="-128"/>
+                <a:ea typeface="Meiryo UI" panose="020B0604030504040204" pitchFamily="50" charset="-128"/>
+              </a:rPr>
+              <a:t>	</a:t>
+            </a:r>
+            <a:r>
+              <a:rPr lang="ja-JP" altLang="en-US" sz="2000" b="1" dirty="0">
+                <a:solidFill>
+                  <a:schemeClr val="tx2"/>
+                </a:solidFill>
+                <a:latin typeface="Meiryo UI" panose="020B0604030504040204" pitchFamily="50" charset="-128"/>
+                <a:ea typeface="Meiryo UI" panose="020B0604030504040204" pitchFamily="50" charset="-128"/>
+              </a:rPr>
+              <a:t>の背景</a:t>
             </a:r>
             <a:endParaRPr lang="en-US" altLang="ja-JP" sz="2000" b="1" dirty="0">
               <a:solidFill>
@@ -18340,7 +18779,7 @@
           <p:nvPr/>
         </p:nvPicPr>
         <p:blipFill rotWithShape="1">
-          <a:blip r:embed="rId2"/>
+          <a:blip r:embed="rId3"/>
           <a:srcRect t="615" b="615"/>
           <a:stretch/>
         </p:blipFill>
@@ -18598,7 +19037,7 @@
           <p:nvPr/>
         </p:nvPicPr>
         <p:blipFill>
-          <a:blip r:embed="rId2"/>
+          <a:blip r:embed="rId3"/>
           <a:stretch>
             <a:fillRect/>
           </a:stretch>
@@ -18628,7 +19067,7 @@
           <p:nvPr/>
         </p:nvPicPr>
         <p:blipFill>
-          <a:blip r:embed="rId3"/>
+          <a:blip r:embed="rId4"/>
           <a:stretch>
             <a:fillRect/>
           </a:stretch>
@@ -20769,12 +21208,12 @@
 </file>
 
 <file path=customXml/item1.xml><?xml version="1.0" encoding="utf-8"?>
-<?mso-contentType ?>
-<FormTemplates xmlns="http://schemas.microsoft.com/sharepoint/v3/contenttype/forms">
-  <Display>DocumentLibraryForm</Display>
-  <Edit>DocumentLibraryForm</Edit>
-  <New>DocumentLibraryForm</New>
-</FormTemplates>
+<p:properties xmlns:p="http://schemas.microsoft.com/office/2006/metadata/properties" xmlns:xsi="http://www.w3.org/2001/XMLSchema-instance" xmlns:pc="http://schemas.microsoft.com/office/infopath/2007/PartnerControls">
+  <documentManagement>
+    <Status xmlns="71af3243-3dd4-4a8d-8c0d-dd76da1f02a5">Not started</Status>
+    <MediaServiceKeyPoints xmlns="71af3243-3dd4-4a8d-8c0d-dd76da1f02a5" xsi:nil="true"/>
+  </documentManagement>
+</p:properties>
 </file>
 
 <file path=customXml/item2.xml><?xml version="1.0" encoding="utf-8"?>
@@ -20999,18 +21438,20 @@
 </file>
 
 <file path=customXml/item3.xml><?xml version="1.0" encoding="utf-8"?>
-<p:properties xmlns:p="http://schemas.microsoft.com/office/2006/metadata/properties" xmlns:xsi="http://www.w3.org/2001/XMLSchema-instance" xmlns:pc="http://schemas.microsoft.com/office/infopath/2007/PartnerControls">
-  <documentManagement>
-    <Status xmlns="71af3243-3dd4-4a8d-8c0d-dd76da1f02a5">Not started</Status>
-    <MediaServiceKeyPoints xmlns="71af3243-3dd4-4a8d-8c0d-dd76da1f02a5" xsi:nil="true"/>
-  </documentManagement>
-</p:properties>
+<?mso-contentType ?>
+<FormTemplates xmlns="http://schemas.microsoft.com/sharepoint/v3/contenttype/forms">
+  <Display>DocumentLibraryForm</Display>
+  <Edit>DocumentLibraryForm</Edit>
+  <New>DocumentLibraryForm</New>
+</FormTemplates>
 </file>
 
 <file path=customXml/itemProps1.xml><?xml version="1.0" encoding="utf-8"?>
-<ds:datastoreItem xmlns:ds="http://schemas.openxmlformats.org/officeDocument/2006/customXml" ds:itemID="{1D20B6E4-879E-4E6C-BDE7-261540CD3765}">
+<ds:datastoreItem xmlns:ds="http://schemas.openxmlformats.org/officeDocument/2006/customXml" ds:itemID="{09EC1AB0-9704-404D-B6D3-819D938AC55B}">
   <ds:schemaRefs>
-    <ds:schemaRef ds:uri="http://schemas.microsoft.com/sharepoint/v3/contenttype/forms"/>
+    <ds:schemaRef ds:uri="http://schemas.microsoft.com/office/2006/metadata/properties"/>
+    <ds:schemaRef ds:uri="http://schemas.microsoft.com/office/infopath/2007/PartnerControls"/>
+    <ds:schemaRef ds:uri="71af3243-3dd4-4a8d-8c0d-dd76da1f02a5"/>
   </ds:schemaRefs>
 </ds:datastoreItem>
 </file>
@@ -21035,11 +21476,9 @@
 </file>
 
 <file path=customXml/itemProps3.xml><?xml version="1.0" encoding="utf-8"?>
-<ds:datastoreItem xmlns:ds="http://schemas.openxmlformats.org/officeDocument/2006/customXml" ds:itemID="{09EC1AB0-9704-404D-B6D3-819D938AC55B}">
+<ds:datastoreItem xmlns:ds="http://schemas.openxmlformats.org/officeDocument/2006/customXml" ds:itemID="{1D20B6E4-879E-4E6C-BDE7-261540CD3765}">
   <ds:schemaRefs>
-    <ds:schemaRef ds:uri="http://schemas.microsoft.com/office/2006/metadata/properties"/>
-    <ds:schemaRef ds:uri="http://schemas.microsoft.com/office/infopath/2007/PartnerControls"/>
-    <ds:schemaRef ds:uri="71af3243-3dd4-4a8d-8c0d-dd76da1f02a5"/>
+    <ds:schemaRef ds:uri="http://schemas.microsoft.com/sharepoint/v3/contenttype/forms"/>
   </ds:schemaRefs>
 </ds:datastoreItem>
 </file>